--- a/second_semester/secure_webdevelopment/grill_lehner_murrent/Präsentation.pptx
+++ b/second_semester/secure_webdevelopment/grill_lehner_murrent/Präsentation.pptx
@@ -2,7 +2,7 @@
 <file path=ppt/presentation.xml><?xml version="1.0" encoding="utf-8"?>
 <p:presentation xmlns:a="http://schemas.openxmlformats.org/drawingml/2006/main" xmlns:r="http://schemas.openxmlformats.org/officeDocument/2006/relationships" xmlns:p="http://schemas.openxmlformats.org/presentationml/2006/main" saveSubsetFonts="1">
   <p:sldMasterIdLst>
-    <p:sldMasterId id="2147483660" r:id="rId1"/>
+    <p:sldMasterId id="2147483690" r:id="rId1"/>
   </p:sldMasterIdLst>
   <p:sldIdLst>
     <p:sldId id="256" r:id="rId2"/>
@@ -19,7 +19,7 @@
     <p:sldId id="268" r:id="rId13"/>
     <p:sldId id="269" r:id="rId14"/>
   </p:sldIdLst>
-  <p:sldSz cx="9144000" cy="6858000" type="screen4x3"/>
+  <p:sldSz cx="12192000" cy="6858000"/>
   <p:notesSz cx="6858000" cy="9144000"/>
   <p:defaultTextStyle>
     <a:defPPr>
@@ -116,6 +116,22 @@
       </a:defRPr>
     </a:lvl9pPr>
   </p:defaultTextStyle>
+  <p:extLst>
+    <p:ext uri="{EFAFB233-063F-42B5-8137-9DF3F51BA10A}">
+      <p15:sldGuideLst xmlns:p15="http://schemas.microsoft.com/office/powerpoint/2012/main">
+        <p15:guide id="1" orient="horz" pos="2160" userDrawn="1">
+          <p15:clr>
+            <a:srgbClr val="A4A3A4"/>
+          </p15:clr>
+        </p15:guide>
+        <p15:guide id="2" pos="3840" userDrawn="1">
+          <p15:clr>
+            <a:srgbClr val="A4A3A4"/>
+          </p15:clr>
+        </p15:guide>
+      </p15:sldGuideLst>
+    </p:ext>
+  </p:extLst>
 </p:presentation>
 </file>
 
@@ -148,22 +164,20 @@
         </p:nvSpPr>
         <p:spPr>
           <a:xfrm>
-            <a:off x="914400" y="2516624"/>
-            <a:ext cx="7315200" cy="2595025"/>
+            <a:off x="1154955" y="1447800"/>
+            <a:ext cx="8825658" cy="3329581"/>
           </a:xfrm>
         </p:spPr>
         <p:txBody>
-          <a:bodyPr>
-            <a:normAutofit/>
-          </a:bodyPr>
+          <a:bodyPr anchor="b"/>
           <a:lstStyle>
             <a:lvl1pPr>
-              <a:defRPr sz="4800"/>
+              <a:defRPr sz="7200"/>
             </a:lvl1pPr>
           </a:lstStyle>
           <a:p>
             <a:r>
-              <a:rPr lang="de-DE" dirty="0" smtClean="0"/>
+              <a:rPr lang="de-DE" smtClean="0"/>
               <a:t>Titelmasterformat durch Klicken bearbeiten</a:t>
             </a:r>
             <a:endParaRPr lang="en-US" dirty="0"/>
@@ -182,20 +196,21 @@
         </p:nvSpPr>
         <p:spPr>
           <a:xfrm>
-            <a:off x="914400" y="5166530"/>
-            <a:ext cx="7315200" cy="1144632"/>
+            <a:off x="1154955" y="4777380"/>
+            <a:ext cx="8825658" cy="861420"/>
           </a:xfrm>
         </p:spPr>
         <p:txBody>
-          <a:bodyPr>
-            <a:normAutofit/>
-          </a:bodyPr>
+          <a:bodyPr anchor="t"/>
           <a:lstStyle>
             <a:lvl1pPr marL="0" indent="0" algn="l">
               <a:buNone/>
-              <a:defRPr sz="2200">
+              <a:defRPr cap="all">
                 <a:solidFill>
-                  <a:schemeClr val="tx1"/>
+                  <a:schemeClr val="bg2">
+                    <a:lumMod val="40000"/>
+                    <a:lumOff val="60000"/>
+                  </a:schemeClr>
                 </a:solidFill>
               </a:defRPr>
             </a:lvl1pPr>
@@ -282,7 +297,7 @@
           </a:lstStyle>
           <a:p>
             <a:r>
-              <a:rPr lang="de-DE" dirty="0" smtClean="0"/>
+              <a:rPr lang="de-DE" smtClean="0"/>
               <a:t>Formatvorlage des Untertitelmasters durch Klicken bearbeiten</a:t>
             </a:r>
             <a:endParaRPr lang="en-US" dirty="0"/>
@@ -291,7 +306,7 @@
       </p:sp>
       <p:sp>
         <p:nvSpPr>
-          <p:cNvPr id="7" name="Date Placeholder 6"/>
+          <p:cNvPr id="4" name="Date Placeholder 3"/>
           <p:cNvSpPr>
             <a:spLocks noGrp="1"/>
           </p:cNvSpPr>
@@ -299,12 +314,7 @@
             <p:ph type="dt" sz="half" idx="10"/>
           </p:nvPr>
         </p:nvSpPr>
-        <p:spPr>
-          <a:xfrm>
-            <a:off x="7236296" y="548680"/>
-            <a:ext cx="1189132" cy="297918"/>
-          </a:xfrm>
-        </p:spPr>
+        <p:spPr/>
         <p:txBody>
           <a:bodyPr/>
           <a:lstStyle/>
@@ -312,28 +322,2634 @@
             <a:fld id="{1BA50D42-C9CD-4801-B293-61D1F53EC57E}" type="datetimeFigureOut">
               <a:rPr lang="de-DE" smtClean="0"/>
               <a:pPr/>
-              <a:t>03.04.2014</a:t>
+              <a:t>04.04.2014</a:t>
             </a:fld>
             <a:endParaRPr lang="de-DE" dirty="0"/>
           </a:p>
         </p:txBody>
       </p:sp>
+      <p:sp>
+        <p:nvSpPr>
+          <p:cNvPr id="5" name="Footer Placeholder 4"/>
+          <p:cNvSpPr>
+            <a:spLocks noGrp="1"/>
+          </p:cNvSpPr>
+          <p:nvPr>
+            <p:ph type="ftr" sz="quarter" idx="11"/>
+          </p:nvPr>
+        </p:nvSpPr>
+        <p:spPr/>
+        <p:txBody>
+          <a:bodyPr/>
+          <a:lstStyle/>
+          <a:p>
+            <a:endParaRPr lang="en-US" dirty="0"/>
+          </a:p>
+        </p:txBody>
+      </p:sp>
+      <p:sp>
+        <p:nvSpPr>
+          <p:cNvPr id="6" name="Slide Number Placeholder 5"/>
+          <p:cNvSpPr>
+            <a:spLocks noGrp="1"/>
+          </p:cNvSpPr>
+          <p:nvPr>
+            <p:ph type="sldNum" sz="quarter" idx="12"/>
+          </p:nvPr>
+        </p:nvSpPr>
+        <p:spPr/>
+        <p:txBody>
+          <a:bodyPr/>
+          <a:lstStyle/>
+          <a:p>
+            <a:fld id="{D57F1E4F-1CFF-5643-939E-02111984F565}" type="slidenum">
+              <a:rPr lang="en-US" smtClean="0"/>
+              <a:t>‹Nr.›</a:t>
+            </a:fld>
+            <a:endParaRPr lang="en-US" dirty="0"/>
+          </a:p>
+        </p:txBody>
+      </p:sp>
     </p:spTree>
+    <p:extLst>
+      <p:ext uri="{BB962C8B-B14F-4D97-AF65-F5344CB8AC3E}">
+        <p14:creationId xmlns:p14="http://schemas.microsoft.com/office/powerpoint/2010/main" val="918041331"/>
+      </p:ext>
+    </p:extLst>
   </p:cSld>
   <p:clrMapOvr>
     <a:masterClrMapping/>
   </p:clrMapOvr>
-  <p:timing>
-    <p:tnLst>
-      <p:par>
-        <p:cTn id="1" dur="indefinite" restart="never" nodeType="tmRoot"/>
-      </p:par>
-    </p:tnLst>
-  </p:timing>
 </p:sldLayout>
 </file>
 
 <file path=ppt/slideLayouts/slideLayout10.xml><?xml version="1.0" encoding="utf-8"?>
+<p:sldLayout xmlns:a="http://schemas.openxmlformats.org/drawingml/2006/main" xmlns:r="http://schemas.openxmlformats.org/officeDocument/2006/relationships" xmlns:p="http://schemas.openxmlformats.org/presentationml/2006/main" preserve="1">
+  <p:cSld name="Panoramabild mit Beschriftung">
+    <p:spTree>
+      <p:nvGrpSpPr>
+        <p:cNvPr id="1" name=""/>
+        <p:cNvGrpSpPr/>
+        <p:nvPr/>
+      </p:nvGrpSpPr>
+      <p:grpSpPr>
+        <a:xfrm>
+          <a:off x="0" y="0"/>
+          <a:ext cx="0" cy="0"/>
+          <a:chOff x="0" y="0"/>
+          <a:chExt cx="0" cy="0"/>
+        </a:xfrm>
+      </p:grpSpPr>
+      <p:sp>
+        <p:nvSpPr>
+          <p:cNvPr id="2" name="Title 1"/>
+          <p:cNvSpPr>
+            <a:spLocks noGrp="1"/>
+          </p:cNvSpPr>
+          <p:nvPr>
+            <p:ph type="title"/>
+          </p:nvPr>
+        </p:nvSpPr>
+        <p:spPr>
+          <a:xfrm>
+            <a:off x="1154956" y="4800587"/>
+            <a:ext cx="8825657" cy="566738"/>
+          </a:xfrm>
+        </p:spPr>
+        <p:txBody>
+          <a:bodyPr anchor="b">
+            <a:normAutofit/>
+          </a:bodyPr>
+          <a:lstStyle>
+            <a:lvl1pPr algn="l">
+              <a:defRPr sz="2400" b="0"/>
+            </a:lvl1pPr>
+          </a:lstStyle>
+          <a:p>
+            <a:r>
+              <a:rPr lang="de-DE" smtClean="0"/>
+              <a:t>Titelmasterformat durch Klicken bearbeiten</a:t>
+            </a:r>
+            <a:endParaRPr lang="en-US" dirty="0"/>
+          </a:p>
+        </p:txBody>
+      </p:sp>
+      <p:sp>
+        <p:nvSpPr>
+          <p:cNvPr id="3" name="Picture Placeholder 2"/>
+          <p:cNvSpPr>
+            <a:spLocks noGrp="1" noChangeAspect="1"/>
+          </p:cNvSpPr>
+          <p:nvPr>
+            <p:ph type="pic" idx="1"/>
+          </p:nvPr>
+        </p:nvSpPr>
+        <p:spPr>
+          <a:xfrm>
+            <a:off x="1154955" y="685800"/>
+            <a:ext cx="8825658" cy="3640666"/>
+          </a:xfrm>
+          <a:prstGeom prst="roundRect">
+            <a:avLst>
+              <a:gd name="adj" fmla="val 1858"/>
+            </a:avLst>
+          </a:prstGeom>
+          <a:effectLst>
+            <a:outerShdw blurRad="50800" dist="50800" dir="5400000" algn="tl" rotWithShape="0">
+              <a:srgbClr val="000000">
+                <a:alpha val="43000"/>
+              </a:srgbClr>
+            </a:outerShdw>
+          </a:effectLst>
+        </p:spPr>
+        <p:txBody>
+          <a:bodyPr anchor="t">
+            <a:normAutofit/>
+          </a:bodyPr>
+          <a:lstStyle>
+            <a:lvl1pPr marL="0" indent="0" algn="ctr">
+              <a:buNone/>
+              <a:defRPr sz="1600"/>
+            </a:lvl1pPr>
+            <a:lvl2pPr marL="457200" indent="0">
+              <a:buNone/>
+              <a:defRPr sz="1600"/>
+            </a:lvl2pPr>
+            <a:lvl3pPr marL="914400" indent="0">
+              <a:buNone/>
+              <a:defRPr sz="1600"/>
+            </a:lvl3pPr>
+            <a:lvl4pPr marL="1371600" indent="0">
+              <a:buNone/>
+              <a:defRPr sz="1600"/>
+            </a:lvl4pPr>
+            <a:lvl5pPr marL="1828800" indent="0">
+              <a:buNone/>
+              <a:defRPr sz="1600"/>
+            </a:lvl5pPr>
+            <a:lvl6pPr marL="2286000" indent="0">
+              <a:buNone/>
+              <a:defRPr sz="1600"/>
+            </a:lvl6pPr>
+            <a:lvl7pPr marL="2743200" indent="0">
+              <a:buNone/>
+              <a:defRPr sz="1600"/>
+            </a:lvl7pPr>
+            <a:lvl8pPr marL="3200400" indent="0">
+              <a:buNone/>
+              <a:defRPr sz="1600"/>
+            </a:lvl8pPr>
+            <a:lvl9pPr marL="3657600" indent="0">
+              <a:buNone/>
+              <a:defRPr sz="1600"/>
+            </a:lvl9pPr>
+          </a:lstStyle>
+          <a:p>
+            <a:r>
+              <a:rPr lang="de-DE" smtClean="0"/>
+              <a:t>Bild durch Klicken auf Symbol hinzufügen</a:t>
+            </a:r>
+            <a:endParaRPr lang="en-US" dirty="0"/>
+          </a:p>
+        </p:txBody>
+      </p:sp>
+      <p:sp>
+        <p:nvSpPr>
+          <p:cNvPr id="4" name="Text Placeholder 3"/>
+          <p:cNvSpPr>
+            <a:spLocks noGrp="1"/>
+          </p:cNvSpPr>
+          <p:nvPr>
+            <p:ph type="body" sz="half" idx="2"/>
+          </p:nvPr>
+        </p:nvSpPr>
+        <p:spPr>
+          <a:xfrm>
+            <a:off x="1154956" y="5367325"/>
+            <a:ext cx="8825656" cy="493712"/>
+          </a:xfrm>
+        </p:spPr>
+        <p:txBody>
+          <a:bodyPr>
+            <a:normAutofit/>
+          </a:bodyPr>
+          <a:lstStyle>
+            <a:lvl1pPr marL="0" indent="0">
+              <a:buNone/>
+              <a:defRPr sz="1200"/>
+            </a:lvl1pPr>
+            <a:lvl2pPr marL="457200" indent="0">
+              <a:buNone/>
+              <a:defRPr sz="1200"/>
+            </a:lvl2pPr>
+            <a:lvl3pPr marL="914400" indent="0">
+              <a:buNone/>
+              <a:defRPr sz="1000"/>
+            </a:lvl3pPr>
+            <a:lvl4pPr marL="1371600" indent="0">
+              <a:buNone/>
+              <a:defRPr sz="900"/>
+            </a:lvl4pPr>
+            <a:lvl5pPr marL="1828800" indent="0">
+              <a:buNone/>
+              <a:defRPr sz="900"/>
+            </a:lvl5pPr>
+            <a:lvl6pPr marL="2286000" indent="0">
+              <a:buNone/>
+              <a:defRPr sz="900"/>
+            </a:lvl6pPr>
+            <a:lvl7pPr marL="2743200" indent="0">
+              <a:buNone/>
+              <a:defRPr sz="900"/>
+            </a:lvl7pPr>
+            <a:lvl8pPr marL="3200400" indent="0">
+              <a:buNone/>
+              <a:defRPr sz="900"/>
+            </a:lvl8pPr>
+            <a:lvl9pPr marL="3657600" indent="0">
+              <a:buNone/>
+              <a:defRPr sz="900"/>
+            </a:lvl9pPr>
+          </a:lstStyle>
+          <a:p>
+            <a:pPr lvl="0"/>
+            <a:r>
+              <a:rPr lang="de-DE" smtClean="0"/>
+              <a:t>Textmasterformat bearbeiten</a:t>
+            </a:r>
+          </a:p>
+        </p:txBody>
+      </p:sp>
+      <p:sp>
+        <p:nvSpPr>
+          <p:cNvPr id="5" name="Date Placeholder 4"/>
+          <p:cNvSpPr>
+            <a:spLocks noGrp="1"/>
+          </p:cNvSpPr>
+          <p:nvPr>
+            <p:ph type="dt" sz="half" idx="10"/>
+          </p:nvPr>
+        </p:nvSpPr>
+        <p:spPr/>
+        <p:txBody>
+          <a:bodyPr/>
+          <a:lstStyle/>
+          <a:p>
+            <a:fld id="{1BA50D42-C9CD-4801-B293-61D1F53EC57E}" type="datetimeFigureOut">
+              <a:rPr lang="de-DE" smtClean="0"/>
+              <a:t>04.04.2014</a:t>
+            </a:fld>
+            <a:endParaRPr lang="de-DE"/>
+          </a:p>
+        </p:txBody>
+      </p:sp>
+      <p:sp>
+        <p:nvSpPr>
+          <p:cNvPr id="6" name="Footer Placeholder 5"/>
+          <p:cNvSpPr>
+            <a:spLocks noGrp="1"/>
+          </p:cNvSpPr>
+          <p:nvPr>
+            <p:ph type="ftr" sz="quarter" idx="11"/>
+          </p:nvPr>
+        </p:nvSpPr>
+        <p:spPr/>
+        <p:txBody>
+          <a:bodyPr/>
+          <a:lstStyle/>
+          <a:p>
+            <a:endParaRPr lang="de-DE"/>
+          </a:p>
+        </p:txBody>
+      </p:sp>
+      <p:sp>
+        <p:nvSpPr>
+          <p:cNvPr id="7" name="Slide Number Placeholder 6"/>
+          <p:cNvSpPr>
+            <a:spLocks noGrp="1"/>
+          </p:cNvSpPr>
+          <p:nvPr>
+            <p:ph type="sldNum" sz="quarter" idx="12"/>
+          </p:nvPr>
+        </p:nvSpPr>
+        <p:spPr/>
+        <p:txBody>
+          <a:bodyPr/>
+          <a:lstStyle/>
+          <a:p>
+            <a:fld id="{6C6AE60A-B69C-4790-82F7-3882EDF23186}" type="slidenum">
+              <a:rPr lang="de-DE" smtClean="0"/>
+              <a:t>‹Nr.›</a:t>
+            </a:fld>
+            <a:endParaRPr lang="de-DE"/>
+          </a:p>
+        </p:txBody>
+      </p:sp>
+    </p:spTree>
+    <p:extLst>
+      <p:ext uri="{BB962C8B-B14F-4D97-AF65-F5344CB8AC3E}">
+        <p14:creationId xmlns:p14="http://schemas.microsoft.com/office/powerpoint/2010/main" val="2573596117"/>
+      </p:ext>
+    </p:extLst>
+  </p:cSld>
+  <p:clrMapOvr>
+    <a:masterClrMapping/>
+  </p:clrMapOvr>
+</p:sldLayout>
+</file>
+
+<file path=ppt/slideLayouts/slideLayout11.xml><?xml version="1.0" encoding="utf-8"?>
+<p:sldLayout xmlns:a="http://schemas.openxmlformats.org/drawingml/2006/main" xmlns:r="http://schemas.openxmlformats.org/officeDocument/2006/relationships" xmlns:p="http://schemas.openxmlformats.org/presentationml/2006/main" preserve="1">
+  <p:cSld name="Titel und Beschriftung">
+    <p:spTree>
+      <p:nvGrpSpPr>
+        <p:cNvPr id="1" name=""/>
+        <p:cNvGrpSpPr/>
+        <p:nvPr/>
+      </p:nvGrpSpPr>
+      <p:grpSpPr>
+        <a:xfrm>
+          <a:off x="0" y="0"/>
+          <a:ext cx="0" cy="0"/>
+          <a:chOff x="0" y="0"/>
+          <a:chExt cx="0" cy="0"/>
+        </a:xfrm>
+      </p:grpSpPr>
+      <p:sp>
+        <p:nvSpPr>
+          <p:cNvPr id="2" name="Title 1"/>
+          <p:cNvSpPr>
+            <a:spLocks noGrp="1"/>
+          </p:cNvSpPr>
+          <p:nvPr>
+            <p:ph type="title"/>
+          </p:nvPr>
+        </p:nvSpPr>
+        <p:spPr>
+          <a:xfrm>
+            <a:off x="1154954" y="1447800"/>
+            <a:ext cx="8825659" cy="1981200"/>
+          </a:xfrm>
+        </p:spPr>
+        <p:txBody>
+          <a:bodyPr/>
+          <a:lstStyle>
+            <a:lvl1pPr>
+              <a:defRPr sz="4800"/>
+            </a:lvl1pPr>
+          </a:lstStyle>
+          <a:p>
+            <a:r>
+              <a:rPr lang="de-DE" smtClean="0"/>
+              <a:t>Titelmasterformat durch Klicken bearbeiten</a:t>
+            </a:r>
+            <a:endParaRPr lang="en-US" dirty="0"/>
+          </a:p>
+        </p:txBody>
+      </p:sp>
+      <p:sp>
+        <p:nvSpPr>
+          <p:cNvPr id="8" name="Text Placeholder 3"/>
+          <p:cNvSpPr>
+            <a:spLocks noGrp="1"/>
+          </p:cNvSpPr>
+          <p:nvPr>
+            <p:ph type="body" sz="half" idx="2"/>
+          </p:nvPr>
+        </p:nvSpPr>
+        <p:spPr>
+          <a:xfrm>
+            <a:off x="1154954" y="3657600"/>
+            <a:ext cx="8825659" cy="2362200"/>
+          </a:xfrm>
+        </p:spPr>
+        <p:txBody>
+          <a:bodyPr anchor="ctr">
+            <a:normAutofit/>
+          </a:bodyPr>
+          <a:lstStyle>
+            <a:lvl1pPr marL="0" indent="0">
+              <a:buNone/>
+              <a:defRPr sz="1800"/>
+            </a:lvl1pPr>
+            <a:lvl2pPr marL="457200" indent="0">
+              <a:buNone/>
+              <a:defRPr sz="1200"/>
+            </a:lvl2pPr>
+            <a:lvl3pPr marL="914400" indent="0">
+              <a:buNone/>
+              <a:defRPr sz="1000"/>
+            </a:lvl3pPr>
+            <a:lvl4pPr marL="1371600" indent="0">
+              <a:buNone/>
+              <a:defRPr sz="900"/>
+            </a:lvl4pPr>
+            <a:lvl5pPr marL="1828800" indent="0">
+              <a:buNone/>
+              <a:defRPr sz="900"/>
+            </a:lvl5pPr>
+            <a:lvl6pPr marL="2286000" indent="0">
+              <a:buNone/>
+              <a:defRPr sz="900"/>
+            </a:lvl6pPr>
+            <a:lvl7pPr marL="2743200" indent="0">
+              <a:buNone/>
+              <a:defRPr sz="900"/>
+            </a:lvl7pPr>
+            <a:lvl8pPr marL="3200400" indent="0">
+              <a:buNone/>
+              <a:defRPr sz="900"/>
+            </a:lvl8pPr>
+            <a:lvl9pPr marL="3657600" indent="0">
+              <a:buNone/>
+              <a:defRPr sz="900"/>
+            </a:lvl9pPr>
+          </a:lstStyle>
+          <a:p>
+            <a:pPr lvl="0"/>
+            <a:r>
+              <a:rPr lang="de-DE" smtClean="0"/>
+              <a:t>Textmasterformat bearbeiten</a:t>
+            </a:r>
+          </a:p>
+        </p:txBody>
+      </p:sp>
+      <p:sp>
+        <p:nvSpPr>
+          <p:cNvPr id="4" name="Date Placeholder 3"/>
+          <p:cNvSpPr>
+            <a:spLocks noGrp="1"/>
+          </p:cNvSpPr>
+          <p:nvPr>
+            <p:ph type="dt" sz="half" idx="10"/>
+          </p:nvPr>
+        </p:nvSpPr>
+        <p:spPr/>
+        <p:txBody>
+          <a:bodyPr/>
+          <a:lstStyle/>
+          <a:p>
+            <a:fld id="{1BA50D42-C9CD-4801-B293-61D1F53EC57E}" type="datetimeFigureOut">
+              <a:rPr lang="de-DE" smtClean="0"/>
+              <a:t>04.04.2014</a:t>
+            </a:fld>
+            <a:endParaRPr lang="de-DE"/>
+          </a:p>
+        </p:txBody>
+      </p:sp>
+      <p:sp>
+        <p:nvSpPr>
+          <p:cNvPr id="5" name="Footer Placeholder 4"/>
+          <p:cNvSpPr>
+            <a:spLocks noGrp="1"/>
+          </p:cNvSpPr>
+          <p:nvPr>
+            <p:ph type="ftr" sz="quarter" idx="11"/>
+          </p:nvPr>
+        </p:nvSpPr>
+        <p:spPr/>
+        <p:txBody>
+          <a:bodyPr/>
+          <a:lstStyle/>
+          <a:p>
+            <a:endParaRPr lang="de-DE"/>
+          </a:p>
+        </p:txBody>
+      </p:sp>
+      <p:sp>
+        <p:nvSpPr>
+          <p:cNvPr id="6" name="Slide Number Placeholder 5"/>
+          <p:cNvSpPr>
+            <a:spLocks noGrp="1"/>
+          </p:cNvSpPr>
+          <p:nvPr>
+            <p:ph type="sldNum" sz="quarter" idx="12"/>
+          </p:nvPr>
+        </p:nvSpPr>
+        <p:spPr/>
+        <p:txBody>
+          <a:bodyPr/>
+          <a:lstStyle/>
+          <a:p>
+            <a:fld id="{6C6AE60A-B69C-4790-82F7-3882EDF23186}" type="slidenum">
+              <a:rPr lang="de-DE" smtClean="0"/>
+              <a:t>‹Nr.›</a:t>
+            </a:fld>
+            <a:endParaRPr lang="de-DE"/>
+          </a:p>
+        </p:txBody>
+      </p:sp>
+    </p:spTree>
+    <p:extLst>
+      <p:ext uri="{BB962C8B-B14F-4D97-AF65-F5344CB8AC3E}">
+        <p14:creationId xmlns:p14="http://schemas.microsoft.com/office/powerpoint/2010/main" val="1258394334"/>
+      </p:ext>
+    </p:extLst>
+  </p:cSld>
+  <p:clrMapOvr>
+    <a:masterClrMapping/>
+  </p:clrMapOvr>
+</p:sldLayout>
+</file>
+
+<file path=ppt/slideLayouts/slideLayout12.xml><?xml version="1.0" encoding="utf-8"?>
+<p:sldLayout xmlns:a="http://schemas.openxmlformats.org/drawingml/2006/main" xmlns:r="http://schemas.openxmlformats.org/officeDocument/2006/relationships" xmlns:p="http://schemas.openxmlformats.org/presentationml/2006/main" preserve="1">
+  <p:cSld name="Zitat mit Beschriftung">
+    <p:spTree>
+      <p:nvGrpSpPr>
+        <p:cNvPr id="1" name=""/>
+        <p:cNvGrpSpPr/>
+        <p:nvPr/>
+      </p:nvGrpSpPr>
+      <p:grpSpPr>
+        <a:xfrm>
+          <a:off x="0" y="0"/>
+          <a:ext cx="0" cy="0"/>
+          <a:chOff x="0" y="0"/>
+          <a:chExt cx="0" cy="0"/>
+        </a:xfrm>
+      </p:grpSpPr>
+      <p:sp>
+        <p:nvSpPr>
+          <p:cNvPr id="2" name="Title 1"/>
+          <p:cNvSpPr>
+            <a:spLocks noGrp="1"/>
+          </p:cNvSpPr>
+          <p:nvPr>
+            <p:ph type="title"/>
+          </p:nvPr>
+        </p:nvSpPr>
+        <p:spPr>
+          <a:xfrm>
+            <a:off x="1574801" y="1447800"/>
+            <a:ext cx="7999315" cy="2323374"/>
+          </a:xfrm>
+        </p:spPr>
+        <p:txBody>
+          <a:bodyPr/>
+          <a:lstStyle>
+            <a:lvl1pPr>
+              <a:defRPr sz="4800"/>
+            </a:lvl1pPr>
+          </a:lstStyle>
+          <a:p>
+            <a:r>
+              <a:rPr lang="de-DE" smtClean="0"/>
+              <a:t>Titelmasterformat durch Klicken bearbeiten</a:t>
+            </a:r>
+            <a:endParaRPr lang="en-US" dirty="0"/>
+          </a:p>
+        </p:txBody>
+      </p:sp>
+      <p:sp>
+        <p:nvSpPr>
+          <p:cNvPr id="11" name="Text Placeholder 3"/>
+          <p:cNvSpPr>
+            <a:spLocks noGrp="1"/>
+          </p:cNvSpPr>
+          <p:nvPr>
+            <p:ph type="body" sz="half" idx="14"/>
+          </p:nvPr>
+        </p:nvSpPr>
+        <p:spPr>
+          <a:xfrm>
+            <a:off x="1930400" y="3771174"/>
+            <a:ext cx="7279649" cy="342174"/>
+          </a:xfrm>
+        </p:spPr>
+        <p:txBody>
+          <a:bodyPr vert="horz" lIns="91440" tIns="45720" rIns="91440" bIns="45720" rtlCol="0" anchor="t">
+            <a:normAutofit/>
+          </a:bodyPr>
+          <a:lstStyle>
+            <a:lvl1pPr marL="0" indent="0">
+              <a:buNone/>
+              <a:defRPr lang="en-US" sz="1400" b="0" i="0" kern="1200" cap="small" dirty="0">
+                <a:solidFill>
+                  <a:schemeClr val="bg2">
+                    <a:lumMod val="40000"/>
+                    <a:lumOff val="60000"/>
+                  </a:schemeClr>
+                </a:solidFill>
+                <a:latin typeface="+mj-lt"/>
+                <a:ea typeface="+mj-ea"/>
+                <a:cs typeface="+mj-cs"/>
+              </a:defRPr>
+            </a:lvl1pPr>
+            <a:lvl2pPr marL="457200" indent="0">
+              <a:buNone/>
+              <a:defRPr sz="1200"/>
+            </a:lvl2pPr>
+            <a:lvl3pPr marL="914400" indent="0">
+              <a:buNone/>
+              <a:defRPr sz="1000"/>
+            </a:lvl3pPr>
+            <a:lvl4pPr marL="1371600" indent="0">
+              <a:buNone/>
+              <a:defRPr sz="900"/>
+            </a:lvl4pPr>
+            <a:lvl5pPr marL="1828800" indent="0">
+              <a:buNone/>
+              <a:defRPr sz="900"/>
+            </a:lvl5pPr>
+            <a:lvl6pPr marL="2286000" indent="0">
+              <a:buNone/>
+              <a:defRPr sz="900"/>
+            </a:lvl6pPr>
+            <a:lvl7pPr marL="2743200" indent="0">
+              <a:buNone/>
+              <a:defRPr sz="900"/>
+            </a:lvl7pPr>
+            <a:lvl8pPr marL="3200400" indent="0">
+              <a:buNone/>
+              <a:defRPr sz="900"/>
+            </a:lvl8pPr>
+            <a:lvl9pPr marL="3657600" indent="0">
+              <a:buNone/>
+              <a:defRPr sz="900"/>
+            </a:lvl9pPr>
+          </a:lstStyle>
+          <a:p>
+            <a:pPr marL="0" lvl="0" indent="0">
+              <a:buNone/>
+            </a:pPr>
+            <a:r>
+              <a:rPr lang="de-DE" smtClean="0"/>
+              <a:t>Textmasterformat bearbeiten</a:t>
+            </a:r>
+          </a:p>
+        </p:txBody>
+      </p:sp>
+      <p:sp>
+        <p:nvSpPr>
+          <p:cNvPr id="10" name="Text Placeholder 3"/>
+          <p:cNvSpPr>
+            <a:spLocks noGrp="1"/>
+          </p:cNvSpPr>
+          <p:nvPr>
+            <p:ph type="body" sz="half" idx="2"/>
+          </p:nvPr>
+        </p:nvSpPr>
+        <p:spPr>
+          <a:xfrm>
+            <a:off x="1154954" y="4350657"/>
+            <a:ext cx="8825659" cy="1676400"/>
+          </a:xfrm>
+        </p:spPr>
+        <p:txBody>
+          <a:bodyPr anchor="ctr">
+            <a:normAutofit/>
+          </a:bodyPr>
+          <a:lstStyle>
+            <a:lvl1pPr marL="0" indent="0">
+              <a:buNone/>
+              <a:defRPr sz="1800"/>
+            </a:lvl1pPr>
+            <a:lvl2pPr marL="457200" indent="0">
+              <a:buNone/>
+              <a:defRPr sz="1200"/>
+            </a:lvl2pPr>
+            <a:lvl3pPr marL="914400" indent="0">
+              <a:buNone/>
+              <a:defRPr sz="1000"/>
+            </a:lvl3pPr>
+            <a:lvl4pPr marL="1371600" indent="0">
+              <a:buNone/>
+              <a:defRPr sz="900"/>
+            </a:lvl4pPr>
+            <a:lvl5pPr marL="1828800" indent="0">
+              <a:buNone/>
+              <a:defRPr sz="900"/>
+            </a:lvl5pPr>
+            <a:lvl6pPr marL="2286000" indent="0">
+              <a:buNone/>
+              <a:defRPr sz="900"/>
+            </a:lvl6pPr>
+            <a:lvl7pPr marL="2743200" indent="0">
+              <a:buNone/>
+              <a:defRPr sz="900"/>
+            </a:lvl7pPr>
+            <a:lvl8pPr marL="3200400" indent="0">
+              <a:buNone/>
+              <a:defRPr sz="900"/>
+            </a:lvl8pPr>
+            <a:lvl9pPr marL="3657600" indent="0">
+              <a:buNone/>
+              <a:defRPr sz="900"/>
+            </a:lvl9pPr>
+          </a:lstStyle>
+          <a:p>
+            <a:pPr lvl="0"/>
+            <a:r>
+              <a:rPr lang="de-DE" smtClean="0"/>
+              <a:t>Textmasterformat bearbeiten</a:t>
+            </a:r>
+          </a:p>
+        </p:txBody>
+      </p:sp>
+      <p:sp>
+        <p:nvSpPr>
+          <p:cNvPr id="4" name="Date Placeholder 3"/>
+          <p:cNvSpPr>
+            <a:spLocks noGrp="1"/>
+          </p:cNvSpPr>
+          <p:nvPr>
+            <p:ph type="dt" sz="half" idx="10"/>
+          </p:nvPr>
+        </p:nvSpPr>
+        <p:spPr/>
+        <p:txBody>
+          <a:bodyPr/>
+          <a:lstStyle/>
+          <a:p>
+            <a:fld id="{1BA50D42-C9CD-4801-B293-61D1F53EC57E}" type="datetimeFigureOut">
+              <a:rPr lang="de-DE" smtClean="0"/>
+              <a:t>04.04.2014</a:t>
+            </a:fld>
+            <a:endParaRPr lang="de-DE"/>
+          </a:p>
+        </p:txBody>
+      </p:sp>
+      <p:sp>
+        <p:nvSpPr>
+          <p:cNvPr id="5" name="Footer Placeholder 4"/>
+          <p:cNvSpPr>
+            <a:spLocks noGrp="1"/>
+          </p:cNvSpPr>
+          <p:nvPr>
+            <p:ph type="ftr" sz="quarter" idx="11"/>
+          </p:nvPr>
+        </p:nvSpPr>
+        <p:spPr/>
+        <p:txBody>
+          <a:bodyPr/>
+          <a:lstStyle/>
+          <a:p>
+            <a:endParaRPr lang="de-DE"/>
+          </a:p>
+        </p:txBody>
+      </p:sp>
+      <p:sp>
+        <p:nvSpPr>
+          <p:cNvPr id="6" name="Slide Number Placeholder 5"/>
+          <p:cNvSpPr>
+            <a:spLocks noGrp="1"/>
+          </p:cNvSpPr>
+          <p:nvPr>
+            <p:ph type="sldNum" sz="quarter" idx="12"/>
+          </p:nvPr>
+        </p:nvSpPr>
+        <p:spPr/>
+        <p:txBody>
+          <a:bodyPr/>
+          <a:lstStyle/>
+          <a:p>
+            <a:fld id="{6C6AE60A-B69C-4790-82F7-3882EDF23186}" type="slidenum">
+              <a:rPr lang="de-DE" smtClean="0"/>
+              <a:t>‹Nr.›</a:t>
+            </a:fld>
+            <a:endParaRPr lang="de-DE"/>
+          </a:p>
+        </p:txBody>
+      </p:sp>
+      <p:sp>
+        <p:nvSpPr>
+          <p:cNvPr id="12" name="TextBox 11"/>
+          <p:cNvSpPr txBox="1"/>
+          <p:nvPr/>
+        </p:nvSpPr>
+        <p:spPr>
+          <a:xfrm>
+            <a:off x="898295" y="971253"/>
+            <a:ext cx="801912" cy="1969770"/>
+          </a:xfrm>
+          <a:prstGeom prst="rect">
+            <a:avLst/>
+          </a:prstGeom>
+          <a:noFill/>
+        </p:spPr>
+        <p:txBody>
+          <a:bodyPr wrap="square" rtlCol="0">
+            <a:spAutoFit/>
+          </a:bodyPr>
+          <a:lstStyle>
+            <a:defPPr>
+              <a:defRPr lang="en-US"/>
+            </a:defPPr>
+            <a:lvl1pPr algn="r">
+              <a:defRPr sz="12200" b="0" i="0">
+                <a:solidFill>
+                  <a:schemeClr val="bg2">
+                    <a:lumMod val="40000"/>
+                    <a:lumOff val="60000"/>
+                  </a:schemeClr>
+                </a:solidFill>
+                <a:latin typeface="Arial"/>
+                <a:ea typeface="+mj-ea"/>
+                <a:cs typeface="+mj-cs"/>
+              </a:defRPr>
+            </a:lvl1pPr>
+          </a:lstStyle>
+          <a:p>
+            <a:pPr lvl="0"/>
+            <a:r>
+              <a:rPr lang="en-US" dirty="0"/>
+              <a:t>“</a:t>
+            </a:r>
+          </a:p>
+        </p:txBody>
+      </p:sp>
+      <p:sp>
+        <p:nvSpPr>
+          <p:cNvPr id="15" name="TextBox 14"/>
+          <p:cNvSpPr txBox="1"/>
+          <p:nvPr/>
+        </p:nvSpPr>
+        <p:spPr>
+          <a:xfrm>
+            <a:off x="9330490" y="2613787"/>
+            <a:ext cx="801912" cy="1969770"/>
+          </a:xfrm>
+          <a:prstGeom prst="rect">
+            <a:avLst/>
+          </a:prstGeom>
+          <a:noFill/>
+        </p:spPr>
+        <p:txBody>
+          <a:bodyPr wrap="square" rtlCol="0">
+            <a:spAutoFit/>
+          </a:bodyPr>
+          <a:lstStyle>
+            <a:defPPr>
+              <a:defRPr lang="en-US"/>
+            </a:defPPr>
+            <a:lvl1pPr algn="r">
+              <a:defRPr sz="12200" b="0" i="0">
+                <a:solidFill>
+                  <a:schemeClr val="bg2">
+                    <a:lumMod val="40000"/>
+                    <a:lumOff val="60000"/>
+                  </a:schemeClr>
+                </a:solidFill>
+                <a:latin typeface="Arial"/>
+                <a:ea typeface="+mj-ea"/>
+                <a:cs typeface="+mj-cs"/>
+              </a:defRPr>
+            </a:lvl1pPr>
+          </a:lstStyle>
+          <a:p>
+            <a:pPr lvl="0"/>
+            <a:r>
+              <a:rPr lang="en-US" dirty="0"/>
+              <a:t>”</a:t>
+            </a:r>
+          </a:p>
+        </p:txBody>
+      </p:sp>
+    </p:spTree>
+    <p:extLst>
+      <p:ext uri="{BB962C8B-B14F-4D97-AF65-F5344CB8AC3E}">
+        <p14:creationId xmlns:p14="http://schemas.microsoft.com/office/powerpoint/2010/main" val="3232561892"/>
+      </p:ext>
+    </p:extLst>
+  </p:cSld>
+  <p:clrMapOvr>
+    <a:masterClrMapping/>
+  </p:clrMapOvr>
+</p:sldLayout>
+</file>
+
+<file path=ppt/slideLayouts/slideLayout13.xml><?xml version="1.0" encoding="utf-8"?>
+<p:sldLayout xmlns:a="http://schemas.openxmlformats.org/drawingml/2006/main" xmlns:r="http://schemas.openxmlformats.org/officeDocument/2006/relationships" xmlns:p="http://schemas.openxmlformats.org/presentationml/2006/main" preserve="1">
+  <p:cSld name="Namenskarte">
+    <p:spTree>
+      <p:nvGrpSpPr>
+        <p:cNvPr id="1" name=""/>
+        <p:cNvGrpSpPr/>
+        <p:nvPr/>
+      </p:nvGrpSpPr>
+      <p:grpSpPr>
+        <a:xfrm>
+          <a:off x="0" y="0"/>
+          <a:ext cx="0" cy="0"/>
+          <a:chOff x="0" y="0"/>
+          <a:chExt cx="0" cy="0"/>
+        </a:xfrm>
+      </p:grpSpPr>
+      <p:sp>
+        <p:nvSpPr>
+          <p:cNvPr id="2" name="Title 1"/>
+          <p:cNvSpPr>
+            <a:spLocks noGrp="1"/>
+          </p:cNvSpPr>
+          <p:nvPr>
+            <p:ph type="title"/>
+          </p:nvPr>
+        </p:nvSpPr>
+        <p:spPr>
+          <a:xfrm>
+            <a:off x="1154954" y="3124201"/>
+            <a:ext cx="8825660" cy="1653180"/>
+          </a:xfrm>
+        </p:spPr>
+        <p:txBody>
+          <a:bodyPr anchor="b"/>
+          <a:lstStyle>
+            <a:lvl1pPr algn="l">
+              <a:defRPr sz="4000" b="0" cap="none"/>
+            </a:lvl1pPr>
+          </a:lstStyle>
+          <a:p>
+            <a:r>
+              <a:rPr lang="de-DE" smtClean="0"/>
+              <a:t>Titelmasterformat durch Klicken bearbeiten</a:t>
+            </a:r>
+            <a:endParaRPr lang="en-US" dirty="0"/>
+          </a:p>
+        </p:txBody>
+      </p:sp>
+      <p:sp>
+        <p:nvSpPr>
+          <p:cNvPr id="3" name="Text Placeholder 2"/>
+          <p:cNvSpPr>
+            <a:spLocks noGrp="1"/>
+          </p:cNvSpPr>
+          <p:nvPr>
+            <p:ph type="body" idx="1"/>
+          </p:nvPr>
+        </p:nvSpPr>
+        <p:spPr>
+          <a:xfrm>
+            <a:off x="1154954" y="4777381"/>
+            <a:ext cx="8825659" cy="860400"/>
+          </a:xfrm>
+        </p:spPr>
+        <p:txBody>
+          <a:bodyPr anchor="t"/>
+          <a:lstStyle>
+            <a:lvl1pPr marL="0" indent="0" algn="l">
+              <a:buNone/>
+              <a:defRPr sz="2000" cap="none">
+                <a:solidFill>
+                  <a:schemeClr val="bg2">
+                    <a:lumMod val="40000"/>
+                    <a:lumOff val="60000"/>
+                  </a:schemeClr>
+                </a:solidFill>
+              </a:defRPr>
+            </a:lvl1pPr>
+            <a:lvl2pPr marL="457200" indent="0">
+              <a:buNone/>
+              <a:defRPr sz="1800">
+                <a:solidFill>
+                  <a:schemeClr val="tx1">
+                    <a:tint val="75000"/>
+                  </a:schemeClr>
+                </a:solidFill>
+              </a:defRPr>
+            </a:lvl2pPr>
+            <a:lvl3pPr marL="914400" indent="0">
+              <a:buNone/>
+              <a:defRPr sz="1600">
+                <a:solidFill>
+                  <a:schemeClr val="tx1">
+                    <a:tint val="75000"/>
+                  </a:schemeClr>
+                </a:solidFill>
+              </a:defRPr>
+            </a:lvl3pPr>
+            <a:lvl4pPr marL="1371600" indent="0">
+              <a:buNone/>
+              <a:defRPr sz="1400">
+                <a:solidFill>
+                  <a:schemeClr val="tx1">
+                    <a:tint val="75000"/>
+                  </a:schemeClr>
+                </a:solidFill>
+              </a:defRPr>
+            </a:lvl4pPr>
+            <a:lvl5pPr marL="1828800" indent="0">
+              <a:buNone/>
+              <a:defRPr sz="1400">
+                <a:solidFill>
+                  <a:schemeClr val="tx1">
+                    <a:tint val="75000"/>
+                  </a:schemeClr>
+                </a:solidFill>
+              </a:defRPr>
+            </a:lvl5pPr>
+            <a:lvl6pPr marL="2286000" indent="0">
+              <a:buNone/>
+              <a:defRPr sz="1400">
+                <a:solidFill>
+                  <a:schemeClr val="tx1">
+                    <a:tint val="75000"/>
+                  </a:schemeClr>
+                </a:solidFill>
+              </a:defRPr>
+            </a:lvl6pPr>
+            <a:lvl7pPr marL="2743200" indent="0">
+              <a:buNone/>
+              <a:defRPr sz="1400">
+                <a:solidFill>
+                  <a:schemeClr val="tx1">
+                    <a:tint val="75000"/>
+                  </a:schemeClr>
+                </a:solidFill>
+              </a:defRPr>
+            </a:lvl7pPr>
+            <a:lvl8pPr marL="3200400" indent="0">
+              <a:buNone/>
+              <a:defRPr sz="1400">
+                <a:solidFill>
+                  <a:schemeClr val="tx1">
+                    <a:tint val="75000"/>
+                  </a:schemeClr>
+                </a:solidFill>
+              </a:defRPr>
+            </a:lvl8pPr>
+            <a:lvl9pPr marL="3657600" indent="0">
+              <a:buNone/>
+              <a:defRPr sz="1400">
+                <a:solidFill>
+                  <a:schemeClr val="tx1">
+                    <a:tint val="75000"/>
+                  </a:schemeClr>
+                </a:solidFill>
+              </a:defRPr>
+            </a:lvl9pPr>
+          </a:lstStyle>
+          <a:p>
+            <a:pPr lvl="0"/>
+            <a:r>
+              <a:rPr lang="de-DE" smtClean="0"/>
+              <a:t>Textmasterformat bearbeiten</a:t>
+            </a:r>
+          </a:p>
+        </p:txBody>
+      </p:sp>
+      <p:sp>
+        <p:nvSpPr>
+          <p:cNvPr id="4" name="Date Placeholder 3"/>
+          <p:cNvSpPr>
+            <a:spLocks noGrp="1"/>
+          </p:cNvSpPr>
+          <p:nvPr>
+            <p:ph type="dt" sz="half" idx="10"/>
+          </p:nvPr>
+        </p:nvSpPr>
+        <p:spPr/>
+        <p:txBody>
+          <a:bodyPr/>
+          <a:lstStyle/>
+          <a:p>
+            <a:fld id="{1BA50D42-C9CD-4801-B293-61D1F53EC57E}" type="datetimeFigureOut">
+              <a:rPr lang="de-DE" smtClean="0"/>
+              <a:t>04.04.2014</a:t>
+            </a:fld>
+            <a:endParaRPr lang="de-DE"/>
+          </a:p>
+        </p:txBody>
+      </p:sp>
+      <p:sp>
+        <p:nvSpPr>
+          <p:cNvPr id="5" name="Footer Placeholder 4"/>
+          <p:cNvSpPr>
+            <a:spLocks noGrp="1"/>
+          </p:cNvSpPr>
+          <p:nvPr>
+            <p:ph type="ftr" sz="quarter" idx="11"/>
+          </p:nvPr>
+        </p:nvSpPr>
+        <p:spPr/>
+        <p:txBody>
+          <a:bodyPr/>
+          <a:lstStyle/>
+          <a:p>
+            <a:endParaRPr lang="de-DE"/>
+          </a:p>
+        </p:txBody>
+      </p:sp>
+      <p:sp>
+        <p:nvSpPr>
+          <p:cNvPr id="6" name="Slide Number Placeholder 5"/>
+          <p:cNvSpPr>
+            <a:spLocks noGrp="1"/>
+          </p:cNvSpPr>
+          <p:nvPr>
+            <p:ph type="sldNum" sz="quarter" idx="12"/>
+          </p:nvPr>
+        </p:nvSpPr>
+        <p:spPr/>
+        <p:txBody>
+          <a:bodyPr/>
+          <a:lstStyle/>
+          <a:p>
+            <a:fld id="{6C6AE60A-B69C-4790-82F7-3882EDF23186}" type="slidenum">
+              <a:rPr lang="de-DE" smtClean="0"/>
+              <a:t>‹Nr.›</a:t>
+            </a:fld>
+            <a:endParaRPr lang="de-DE"/>
+          </a:p>
+        </p:txBody>
+      </p:sp>
+    </p:spTree>
+    <p:extLst>
+      <p:ext uri="{BB962C8B-B14F-4D97-AF65-F5344CB8AC3E}">
+        <p14:creationId xmlns:p14="http://schemas.microsoft.com/office/powerpoint/2010/main" val="694591489"/>
+      </p:ext>
+    </p:extLst>
+  </p:cSld>
+  <p:clrMapOvr>
+    <a:masterClrMapping/>
+  </p:clrMapOvr>
+</p:sldLayout>
+</file>
+
+<file path=ppt/slideLayouts/slideLayout14.xml><?xml version="1.0" encoding="utf-8"?>
+<p:sldLayout xmlns:a="http://schemas.openxmlformats.org/drawingml/2006/main" xmlns:r="http://schemas.openxmlformats.org/officeDocument/2006/relationships" xmlns:p="http://schemas.openxmlformats.org/presentationml/2006/main" preserve="1">
+  <p:cSld name="3 Spalte">
+    <p:spTree>
+      <p:nvGrpSpPr>
+        <p:cNvPr id="1" name=""/>
+        <p:cNvGrpSpPr/>
+        <p:nvPr/>
+      </p:nvGrpSpPr>
+      <p:grpSpPr>
+        <a:xfrm>
+          <a:off x="0" y="0"/>
+          <a:ext cx="0" cy="0"/>
+          <a:chOff x="0" y="0"/>
+          <a:chExt cx="0" cy="0"/>
+        </a:xfrm>
+      </p:grpSpPr>
+      <p:sp>
+        <p:nvSpPr>
+          <p:cNvPr id="2" name="Title 1"/>
+          <p:cNvSpPr>
+            <a:spLocks noGrp="1"/>
+          </p:cNvSpPr>
+          <p:nvPr>
+            <p:ph type="title"/>
+          </p:nvPr>
+        </p:nvSpPr>
+        <p:spPr/>
+        <p:txBody>
+          <a:bodyPr/>
+          <a:lstStyle>
+            <a:lvl1pPr>
+              <a:defRPr sz="4200"/>
+            </a:lvl1pPr>
+          </a:lstStyle>
+          <a:p>
+            <a:r>
+              <a:rPr lang="de-DE" smtClean="0"/>
+              <a:t>Titelmasterformat durch Klicken bearbeiten</a:t>
+            </a:r>
+            <a:endParaRPr lang="en-US" dirty="0"/>
+          </a:p>
+        </p:txBody>
+      </p:sp>
+      <p:sp>
+        <p:nvSpPr>
+          <p:cNvPr id="3" name="Text Placeholder 2"/>
+          <p:cNvSpPr>
+            <a:spLocks noGrp="1"/>
+          </p:cNvSpPr>
+          <p:nvPr>
+            <p:ph type="body" idx="1"/>
+          </p:nvPr>
+        </p:nvSpPr>
+        <p:spPr>
+          <a:xfrm>
+            <a:off x="632947" y="1981200"/>
+            <a:ext cx="2946866" cy="576262"/>
+          </a:xfrm>
+        </p:spPr>
+        <p:txBody>
+          <a:bodyPr anchor="b">
+            <a:noAutofit/>
+          </a:bodyPr>
+          <a:lstStyle>
+            <a:lvl1pPr marL="0" indent="0">
+              <a:buNone/>
+              <a:defRPr sz="2400" b="0">
+                <a:solidFill>
+                  <a:schemeClr val="bg2">
+                    <a:lumMod val="40000"/>
+                    <a:lumOff val="60000"/>
+                  </a:schemeClr>
+                </a:solidFill>
+              </a:defRPr>
+            </a:lvl1pPr>
+            <a:lvl2pPr marL="457200" indent="0">
+              <a:buNone/>
+              <a:defRPr sz="2000" b="1"/>
+            </a:lvl2pPr>
+            <a:lvl3pPr marL="914400" indent="0">
+              <a:buNone/>
+              <a:defRPr sz="1800" b="1"/>
+            </a:lvl3pPr>
+            <a:lvl4pPr marL="1371600" indent="0">
+              <a:buNone/>
+              <a:defRPr sz="1600" b="1"/>
+            </a:lvl4pPr>
+            <a:lvl5pPr marL="1828800" indent="0">
+              <a:buNone/>
+              <a:defRPr sz="1600" b="1"/>
+            </a:lvl5pPr>
+            <a:lvl6pPr marL="2286000" indent="0">
+              <a:buNone/>
+              <a:defRPr sz="1600" b="1"/>
+            </a:lvl6pPr>
+            <a:lvl7pPr marL="2743200" indent="0">
+              <a:buNone/>
+              <a:defRPr sz="1600" b="1"/>
+            </a:lvl7pPr>
+            <a:lvl8pPr marL="3200400" indent="0">
+              <a:buNone/>
+              <a:defRPr sz="1600" b="1"/>
+            </a:lvl8pPr>
+            <a:lvl9pPr marL="3657600" indent="0">
+              <a:buNone/>
+              <a:defRPr sz="1600" b="1"/>
+            </a:lvl9pPr>
+          </a:lstStyle>
+          <a:p>
+            <a:pPr lvl="0"/>
+            <a:r>
+              <a:rPr lang="de-DE" smtClean="0"/>
+              <a:t>Textmasterformat bearbeiten</a:t>
+            </a:r>
+          </a:p>
+        </p:txBody>
+      </p:sp>
+      <p:sp>
+        <p:nvSpPr>
+          <p:cNvPr id="16" name="Text Placeholder 3"/>
+          <p:cNvSpPr>
+            <a:spLocks noGrp="1"/>
+          </p:cNvSpPr>
+          <p:nvPr>
+            <p:ph type="body" sz="half" idx="15"/>
+          </p:nvPr>
+        </p:nvSpPr>
+        <p:spPr>
+          <a:xfrm>
+            <a:off x="652463" y="2667000"/>
+            <a:ext cx="2927350" cy="3589338"/>
+          </a:xfrm>
+        </p:spPr>
+        <p:txBody>
+          <a:bodyPr anchor="t">
+            <a:normAutofit/>
+          </a:bodyPr>
+          <a:lstStyle>
+            <a:lvl1pPr marL="0" indent="0">
+              <a:buNone/>
+              <a:defRPr sz="1400"/>
+            </a:lvl1pPr>
+            <a:lvl2pPr marL="457200" indent="0">
+              <a:buNone/>
+              <a:defRPr sz="1200"/>
+            </a:lvl2pPr>
+            <a:lvl3pPr marL="914400" indent="0">
+              <a:buNone/>
+              <a:defRPr sz="1000"/>
+            </a:lvl3pPr>
+            <a:lvl4pPr marL="1371600" indent="0">
+              <a:buNone/>
+              <a:defRPr sz="900"/>
+            </a:lvl4pPr>
+            <a:lvl5pPr marL="1828800" indent="0">
+              <a:buNone/>
+              <a:defRPr sz="900"/>
+            </a:lvl5pPr>
+            <a:lvl6pPr marL="2286000" indent="0">
+              <a:buNone/>
+              <a:defRPr sz="900"/>
+            </a:lvl6pPr>
+            <a:lvl7pPr marL="2743200" indent="0">
+              <a:buNone/>
+              <a:defRPr sz="900"/>
+            </a:lvl7pPr>
+            <a:lvl8pPr marL="3200400" indent="0">
+              <a:buNone/>
+              <a:defRPr sz="900"/>
+            </a:lvl8pPr>
+            <a:lvl9pPr marL="3657600" indent="0">
+              <a:buNone/>
+              <a:defRPr sz="900"/>
+            </a:lvl9pPr>
+          </a:lstStyle>
+          <a:p>
+            <a:pPr lvl="0"/>
+            <a:r>
+              <a:rPr lang="de-DE" smtClean="0"/>
+              <a:t>Textmasterformat bearbeiten</a:t>
+            </a:r>
+          </a:p>
+        </p:txBody>
+      </p:sp>
+      <p:sp>
+        <p:nvSpPr>
+          <p:cNvPr id="5" name="Text Placeholder 4"/>
+          <p:cNvSpPr>
+            <a:spLocks noGrp="1"/>
+          </p:cNvSpPr>
+          <p:nvPr>
+            <p:ph type="body" sz="quarter" idx="3"/>
+          </p:nvPr>
+        </p:nvSpPr>
+        <p:spPr>
+          <a:xfrm>
+            <a:off x="3883659" y="1981200"/>
+            <a:ext cx="2936241" cy="576262"/>
+          </a:xfrm>
+        </p:spPr>
+        <p:txBody>
+          <a:bodyPr anchor="b">
+            <a:noAutofit/>
+          </a:bodyPr>
+          <a:lstStyle>
+            <a:lvl1pPr marL="0" indent="0">
+              <a:buNone/>
+              <a:defRPr sz="2400" b="0">
+                <a:solidFill>
+                  <a:schemeClr val="bg2">
+                    <a:lumMod val="40000"/>
+                    <a:lumOff val="60000"/>
+                  </a:schemeClr>
+                </a:solidFill>
+              </a:defRPr>
+            </a:lvl1pPr>
+            <a:lvl2pPr marL="457200" indent="0">
+              <a:buNone/>
+              <a:defRPr sz="2000" b="1"/>
+            </a:lvl2pPr>
+            <a:lvl3pPr marL="914400" indent="0">
+              <a:buNone/>
+              <a:defRPr sz="1800" b="1"/>
+            </a:lvl3pPr>
+            <a:lvl4pPr marL="1371600" indent="0">
+              <a:buNone/>
+              <a:defRPr sz="1600" b="1"/>
+            </a:lvl4pPr>
+            <a:lvl5pPr marL="1828800" indent="0">
+              <a:buNone/>
+              <a:defRPr sz="1600" b="1"/>
+            </a:lvl5pPr>
+            <a:lvl6pPr marL="2286000" indent="0">
+              <a:buNone/>
+              <a:defRPr sz="1600" b="1"/>
+            </a:lvl6pPr>
+            <a:lvl7pPr marL="2743200" indent="0">
+              <a:buNone/>
+              <a:defRPr sz="1600" b="1"/>
+            </a:lvl7pPr>
+            <a:lvl8pPr marL="3200400" indent="0">
+              <a:buNone/>
+              <a:defRPr sz="1600" b="1"/>
+            </a:lvl8pPr>
+            <a:lvl9pPr marL="3657600" indent="0">
+              <a:buNone/>
+              <a:defRPr sz="1600" b="1"/>
+            </a:lvl9pPr>
+          </a:lstStyle>
+          <a:p>
+            <a:pPr lvl="0"/>
+            <a:r>
+              <a:rPr lang="de-DE" smtClean="0"/>
+              <a:t>Textmasterformat bearbeiten</a:t>
+            </a:r>
+          </a:p>
+        </p:txBody>
+      </p:sp>
+      <p:sp>
+        <p:nvSpPr>
+          <p:cNvPr id="19" name="Text Placeholder 3"/>
+          <p:cNvSpPr>
+            <a:spLocks noGrp="1"/>
+          </p:cNvSpPr>
+          <p:nvPr>
+            <p:ph type="body" sz="half" idx="16"/>
+          </p:nvPr>
+        </p:nvSpPr>
+        <p:spPr>
+          <a:xfrm>
+            <a:off x="3873106" y="2667000"/>
+            <a:ext cx="2946794" cy="3589338"/>
+          </a:xfrm>
+        </p:spPr>
+        <p:txBody>
+          <a:bodyPr anchor="t">
+            <a:normAutofit/>
+          </a:bodyPr>
+          <a:lstStyle>
+            <a:lvl1pPr marL="0" indent="0">
+              <a:buNone/>
+              <a:defRPr sz="1400"/>
+            </a:lvl1pPr>
+            <a:lvl2pPr marL="457200" indent="0">
+              <a:buNone/>
+              <a:defRPr sz="1200"/>
+            </a:lvl2pPr>
+            <a:lvl3pPr marL="914400" indent="0">
+              <a:buNone/>
+              <a:defRPr sz="1000"/>
+            </a:lvl3pPr>
+            <a:lvl4pPr marL="1371600" indent="0">
+              <a:buNone/>
+              <a:defRPr sz="900"/>
+            </a:lvl4pPr>
+            <a:lvl5pPr marL="1828800" indent="0">
+              <a:buNone/>
+              <a:defRPr sz="900"/>
+            </a:lvl5pPr>
+            <a:lvl6pPr marL="2286000" indent="0">
+              <a:buNone/>
+              <a:defRPr sz="900"/>
+            </a:lvl6pPr>
+            <a:lvl7pPr marL="2743200" indent="0">
+              <a:buNone/>
+              <a:defRPr sz="900"/>
+            </a:lvl7pPr>
+            <a:lvl8pPr marL="3200400" indent="0">
+              <a:buNone/>
+              <a:defRPr sz="900"/>
+            </a:lvl8pPr>
+            <a:lvl9pPr marL="3657600" indent="0">
+              <a:buNone/>
+              <a:defRPr sz="900"/>
+            </a:lvl9pPr>
+          </a:lstStyle>
+          <a:p>
+            <a:pPr lvl="0"/>
+            <a:r>
+              <a:rPr lang="de-DE" smtClean="0"/>
+              <a:t>Textmasterformat bearbeiten</a:t>
+            </a:r>
+          </a:p>
+        </p:txBody>
+      </p:sp>
+      <p:sp>
+        <p:nvSpPr>
+          <p:cNvPr id="14" name="Text Placeholder 4"/>
+          <p:cNvSpPr>
+            <a:spLocks noGrp="1"/>
+          </p:cNvSpPr>
+          <p:nvPr>
+            <p:ph type="body" sz="quarter" idx="13"/>
+          </p:nvPr>
+        </p:nvSpPr>
+        <p:spPr>
+          <a:xfrm>
+            <a:off x="7124700" y="1981200"/>
+            <a:ext cx="2932113" cy="576262"/>
+          </a:xfrm>
+        </p:spPr>
+        <p:txBody>
+          <a:bodyPr anchor="b">
+            <a:noAutofit/>
+          </a:bodyPr>
+          <a:lstStyle>
+            <a:lvl1pPr marL="0" indent="0">
+              <a:buNone/>
+              <a:defRPr sz="2400" b="0">
+                <a:solidFill>
+                  <a:schemeClr val="bg2">
+                    <a:lumMod val="40000"/>
+                    <a:lumOff val="60000"/>
+                  </a:schemeClr>
+                </a:solidFill>
+              </a:defRPr>
+            </a:lvl1pPr>
+            <a:lvl2pPr marL="457200" indent="0">
+              <a:buNone/>
+              <a:defRPr sz="2000" b="1"/>
+            </a:lvl2pPr>
+            <a:lvl3pPr marL="914400" indent="0">
+              <a:buNone/>
+              <a:defRPr sz="1800" b="1"/>
+            </a:lvl3pPr>
+            <a:lvl4pPr marL="1371600" indent="0">
+              <a:buNone/>
+              <a:defRPr sz="1600" b="1"/>
+            </a:lvl4pPr>
+            <a:lvl5pPr marL="1828800" indent="0">
+              <a:buNone/>
+              <a:defRPr sz="1600" b="1"/>
+            </a:lvl5pPr>
+            <a:lvl6pPr marL="2286000" indent="0">
+              <a:buNone/>
+              <a:defRPr sz="1600" b="1"/>
+            </a:lvl6pPr>
+            <a:lvl7pPr marL="2743200" indent="0">
+              <a:buNone/>
+              <a:defRPr sz="1600" b="1"/>
+            </a:lvl7pPr>
+            <a:lvl8pPr marL="3200400" indent="0">
+              <a:buNone/>
+              <a:defRPr sz="1600" b="1"/>
+            </a:lvl8pPr>
+            <a:lvl9pPr marL="3657600" indent="0">
+              <a:buNone/>
+              <a:defRPr sz="1600" b="1"/>
+            </a:lvl9pPr>
+          </a:lstStyle>
+          <a:p>
+            <a:pPr lvl="0"/>
+            <a:r>
+              <a:rPr lang="de-DE" smtClean="0"/>
+              <a:t>Textmasterformat bearbeiten</a:t>
+            </a:r>
+          </a:p>
+        </p:txBody>
+      </p:sp>
+      <p:sp>
+        <p:nvSpPr>
+          <p:cNvPr id="20" name="Text Placeholder 3"/>
+          <p:cNvSpPr>
+            <a:spLocks noGrp="1"/>
+          </p:cNvSpPr>
+          <p:nvPr>
+            <p:ph type="body" sz="half" idx="17"/>
+          </p:nvPr>
+        </p:nvSpPr>
+        <p:spPr>
+          <a:xfrm>
+            <a:off x="7124700" y="2667000"/>
+            <a:ext cx="2932113" cy="3589338"/>
+          </a:xfrm>
+        </p:spPr>
+        <p:txBody>
+          <a:bodyPr anchor="t">
+            <a:normAutofit/>
+          </a:bodyPr>
+          <a:lstStyle>
+            <a:lvl1pPr marL="0" indent="0">
+              <a:buNone/>
+              <a:defRPr sz="1400"/>
+            </a:lvl1pPr>
+            <a:lvl2pPr marL="457200" indent="0">
+              <a:buNone/>
+              <a:defRPr sz="1200"/>
+            </a:lvl2pPr>
+            <a:lvl3pPr marL="914400" indent="0">
+              <a:buNone/>
+              <a:defRPr sz="1000"/>
+            </a:lvl3pPr>
+            <a:lvl4pPr marL="1371600" indent="0">
+              <a:buNone/>
+              <a:defRPr sz="900"/>
+            </a:lvl4pPr>
+            <a:lvl5pPr marL="1828800" indent="0">
+              <a:buNone/>
+              <a:defRPr sz="900"/>
+            </a:lvl5pPr>
+            <a:lvl6pPr marL="2286000" indent="0">
+              <a:buNone/>
+              <a:defRPr sz="900"/>
+            </a:lvl6pPr>
+            <a:lvl7pPr marL="2743200" indent="0">
+              <a:buNone/>
+              <a:defRPr sz="900"/>
+            </a:lvl7pPr>
+            <a:lvl8pPr marL="3200400" indent="0">
+              <a:buNone/>
+              <a:defRPr sz="900"/>
+            </a:lvl8pPr>
+            <a:lvl9pPr marL="3657600" indent="0">
+              <a:buNone/>
+              <a:defRPr sz="900"/>
+            </a:lvl9pPr>
+          </a:lstStyle>
+          <a:p>
+            <a:pPr lvl="0"/>
+            <a:r>
+              <a:rPr lang="de-DE" smtClean="0"/>
+              <a:t>Textmasterformat bearbeiten</a:t>
+            </a:r>
+          </a:p>
+        </p:txBody>
+      </p:sp>
+      <p:cxnSp>
+        <p:nvCxnSpPr>
+          <p:cNvPr id="17" name="Straight Connector 16"/>
+          <p:cNvCxnSpPr/>
+          <p:nvPr/>
+        </p:nvCxnSpPr>
+        <p:spPr>
+          <a:xfrm>
+            <a:off x="3726142" y="2133600"/>
+            <a:ext cx="0" cy="3962400"/>
+          </a:xfrm>
+          <a:prstGeom prst="line">
+            <a:avLst/>
+          </a:prstGeom>
+          <a:ln w="12700" cmpd="sng">
+            <a:solidFill>
+              <a:schemeClr val="bg2">
+                <a:lumMod val="40000"/>
+                <a:lumOff val="60000"/>
+                <a:alpha val="40000"/>
+              </a:schemeClr>
+            </a:solidFill>
+          </a:ln>
+        </p:spPr>
+        <p:style>
+          <a:lnRef idx="2">
+            <a:schemeClr val="accent1"/>
+          </a:lnRef>
+          <a:fillRef idx="0">
+            <a:schemeClr val="accent1"/>
+          </a:fillRef>
+          <a:effectRef idx="1">
+            <a:schemeClr val="accent1"/>
+          </a:effectRef>
+          <a:fontRef idx="minor">
+            <a:schemeClr val="tx1"/>
+          </a:fontRef>
+        </p:style>
+      </p:cxnSp>
+      <p:cxnSp>
+        <p:nvCxnSpPr>
+          <p:cNvPr id="18" name="Straight Connector 17"/>
+          <p:cNvCxnSpPr/>
+          <p:nvPr/>
+        </p:nvCxnSpPr>
+        <p:spPr>
+          <a:xfrm>
+            <a:off x="6962227" y="2133600"/>
+            <a:ext cx="0" cy="3966882"/>
+          </a:xfrm>
+          <a:prstGeom prst="line">
+            <a:avLst/>
+          </a:prstGeom>
+          <a:ln w="12700" cmpd="sng">
+            <a:solidFill>
+              <a:schemeClr val="bg2">
+                <a:lumMod val="40000"/>
+                <a:lumOff val="60000"/>
+                <a:alpha val="40000"/>
+              </a:schemeClr>
+            </a:solidFill>
+          </a:ln>
+        </p:spPr>
+        <p:style>
+          <a:lnRef idx="2">
+            <a:schemeClr val="accent1"/>
+          </a:lnRef>
+          <a:fillRef idx="0">
+            <a:schemeClr val="accent1"/>
+          </a:fillRef>
+          <a:effectRef idx="1">
+            <a:schemeClr val="accent1"/>
+          </a:effectRef>
+          <a:fontRef idx="minor">
+            <a:schemeClr val="tx1"/>
+          </a:fontRef>
+        </p:style>
+      </p:cxnSp>
+      <p:sp>
+        <p:nvSpPr>
+          <p:cNvPr id="7" name="Date Placeholder 3"/>
+          <p:cNvSpPr>
+            <a:spLocks noGrp="1"/>
+          </p:cNvSpPr>
+          <p:nvPr>
+            <p:ph type="dt" sz="half" idx="10"/>
+          </p:nvPr>
+        </p:nvSpPr>
+        <p:spPr/>
+        <p:txBody>
+          <a:bodyPr/>
+          <a:lstStyle/>
+          <a:p>
+            <a:fld id="{1BA50D42-C9CD-4801-B293-61D1F53EC57E}" type="datetimeFigureOut">
+              <a:rPr lang="de-DE" smtClean="0"/>
+              <a:t>04.04.2014</a:t>
+            </a:fld>
+            <a:endParaRPr lang="de-DE"/>
+          </a:p>
+        </p:txBody>
+      </p:sp>
+      <p:sp>
+        <p:nvSpPr>
+          <p:cNvPr id="4" name="Footer Placeholder 4"/>
+          <p:cNvSpPr>
+            <a:spLocks noGrp="1"/>
+          </p:cNvSpPr>
+          <p:nvPr>
+            <p:ph type="ftr" sz="quarter" idx="11"/>
+          </p:nvPr>
+        </p:nvSpPr>
+        <p:spPr/>
+        <p:txBody>
+          <a:bodyPr/>
+          <a:lstStyle/>
+          <a:p>
+            <a:endParaRPr lang="de-DE"/>
+          </a:p>
+        </p:txBody>
+      </p:sp>
+      <p:sp>
+        <p:nvSpPr>
+          <p:cNvPr id="6" name="Slide Number Placeholder 5"/>
+          <p:cNvSpPr>
+            <a:spLocks noGrp="1"/>
+          </p:cNvSpPr>
+          <p:nvPr>
+            <p:ph type="sldNum" sz="quarter" idx="12"/>
+          </p:nvPr>
+        </p:nvSpPr>
+        <p:spPr/>
+        <p:txBody>
+          <a:bodyPr/>
+          <a:lstStyle/>
+          <a:p>
+            <a:fld id="{6C6AE60A-B69C-4790-82F7-3882EDF23186}" type="slidenum">
+              <a:rPr lang="de-DE" smtClean="0"/>
+              <a:t>‹Nr.›</a:t>
+            </a:fld>
+            <a:endParaRPr lang="de-DE"/>
+          </a:p>
+        </p:txBody>
+      </p:sp>
+    </p:spTree>
+    <p:extLst>
+      <p:ext uri="{BB962C8B-B14F-4D97-AF65-F5344CB8AC3E}">
+        <p14:creationId xmlns:p14="http://schemas.microsoft.com/office/powerpoint/2010/main" val="4106985155"/>
+      </p:ext>
+    </p:extLst>
+  </p:cSld>
+  <p:clrMapOvr>
+    <a:masterClrMapping/>
+  </p:clrMapOvr>
+</p:sldLayout>
+</file>
+
+<file path=ppt/slideLayouts/slideLayout15.xml><?xml version="1.0" encoding="utf-8"?>
+<p:sldLayout xmlns:a="http://schemas.openxmlformats.org/drawingml/2006/main" xmlns:r="http://schemas.openxmlformats.org/officeDocument/2006/relationships" xmlns:p="http://schemas.openxmlformats.org/presentationml/2006/main" preserve="1">
+  <p:cSld name="3 Bildspalte">
+    <p:spTree>
+      <p:nvGrpSpPr>
+        <p:cNvPr id="1" name=""/>
+        <p:cNvGrpSpPr/>
+        <p:nvPr/>
+      </p:nvGrpSpPr>
+      <p:grpSpPr>
+        <a:xfrm>
+          <a:off x="0" y="0"/>
+          <a:ext cx="0" cy="0"/>
+          <a:chOff x="0" y="0"/>
+          <a:chExt cx="0" cy="0"/>
+        </a:xfrm>
+      </p:grpSpPr>
+      <p:sp>
+        <p:nvSpPr>
+          <p:cNvPr id="2" name="Title 1"/>
+          <p:cNvSpPr>
+            <a:spLocks noGrp="1"/>
+          </p:cNvSpPr>
+          <p:nvPr>
+            <p:ph type="title"/>
+          </p:nvPr>
+        </p:nvSpPr>
+        <p:spPr/>
+        <p:txBody>
+          <a:bodyPr/>
+          <a:lstStyle>
+            <a:lvl1pPr>
+              <a:defRPr sz="4200"/>
+            </a:lvl1pPr>
+          </a:lstStyle>
+          <a:p>
+            <a:r>
+              <a:rPr lang="de-DE" smtClean="0"/>
+              <a:t>Titelmasterformat durch Klicken bearbeiten</a:t>
+            </a:r>
+            <a:endParaRPr lang="en-US" dirty="0"/>
+          </a:p>
+        </p:txBody>
+      </p:sp>
+      <p:sp>
+        <p:nvSpPr>
+          <p:cNvPr id="3" name="Text Placeholder 2"/>
+          <p:cNvSpPr>
+            <a:spLocks noGrp="1"/>
+          </p:cNvSpPr>
+          <p:nvPr>
+            <p:ph type="body" idx="1"/>
+          </p:nvPr>
+        </p:nvSpPr>
+        <p:spPr>
+          <a:xfrm>
+            <a:off x="652463" y="4250949"/>
+            <a:ext cx="2940050" cy="576262"/>
+          </a:xfrm>
+        </p:spPr>
+        <p:txBody>
+          <a:bodyPr anchor="b">
+            <a:noAutofit/>
+          </a:bodyPr>
+          <a:lstStyle>
+            <a:lvl1pPr marL="0" indent="0">
+              <a:buNone/>
+              <a:defRPr sz="2400" b="0">
+                <a:solidFill>
+                  <a:schemeClr val="bg2">
+                    <a:lumMod val="40000"/>
+                    <a:lumOff val="60000"/>
+                  </a:schemeClr>
+                </a:solidFill>
+              </a:defRPr>
+            </a:lvl1pPr>
+            <a:lvl2pPr marL="457200" indent="0">
+              <a:buNone/>
+              <a:defRPr sz="2000" b="1"/>
+            </a:lvl2pPr>
+            <a:lvl3pPr marL="914400" indent="0">
+              <a:buNone/>
+              <a:defRPr sz="1800" b="1"/>
+            </a:lvl3pPr>
+            <a:lvl4pPr marL="1371600" indent="0">
+              <a:buNone/>
+              <a:defRPr sz="1600" b="1"/>
+            </a:lvl4pPr>
+            <a:lvl5pPr marL="1828800" indent="0">
+              <a:buNone/>
+              <a:defRPr sz="1600" b="1"/>
+            </a:lvl5pPr>
+            <a:lvl6pPr marL="2286000" indent="0">
+              <a:buNone/>
+              <a:defRPr sz="1600" b="1"/>
+            </a:lvl6pPr>
+            <a:lvl7pPr marL="2743200" indent="0">
+              <a:buNone/>
+              <a:defRPr sz="1600" b="1"/>
+            </a:lvl7pPr>
+            <a:lvl8pPr marL="3200400" indent="0">
+              <a:buNone/>
+              <a:defRPr sz="1600" b="1"/>
+            </a:lvl8pPr>
+            <a:lvl9pPr marL="3657600" indent="0">
+              <a:buNone/>
+              <a:defRPr sz="1600" b="1"/>
+            </a:lvl9pPr>
+          </a:lstStyle>
+          <a:p>
+            <a:pPr lvl="0"/>
+            <a:r>
+              <a:rPr lang="de-DE" smtClean="0"/>
+              <a:t>Textmasterformat bearbeiten</a:t>
+            </a:r>
+          </a:p>
+        </p:txBody>
+      </p:sp>
+      <p:sp>
+        <p:nvSpPr>
+          <p:cNvPr id="29" name="Picture Placeholder 2"/>
+          <p:cNvSpPr>
+            <a:spLocks noGrp="1" noChangeAspect="1"/>
+          </p:cNvSpPr>
+          <p:nvPr>
+            <p:ph type="pic" idx="15"/>
+          </p:nvPr>
+        </p:nvSpPr>
+        <p:spPr>
+          <a:xfrm>
+            <a:off x="652463" y="2209800"/>
+            <a:ext cx="2940050" cy="1524000"/>
+          </a:xfrm>
+          <a:prstGeom prst="roundRect">
+            <a:avLst>
+              <a:gd name="adj" fmla="val 1858"/>
+            </a:avLst>
+          </a:prstGeom>
+          <a:effectLst>
+            <a:outerShdw blurRad="50800" dist="50800" dir="5400000" algn="tl" rotWithShape="0">
+              <a:srgbClr val="000000">
+                <a:alpha val="43000"/>
+              </a:srgbClr>
+            </a:outerShdw>
+          </a:effectLst>
+        </p:spPr>
+        <p:txBody>
+          <a:bodyPr anchor="t">
+            <a:normAutofit/>
+          </a:bodyPr>
+          <a:lstStyle>
+            <a:lvl1pPr marL="0" indent="0" algn="ctr">
+              <a:buNone/>
+              <a:defRPr sz="1600"/>
+            </a:lvl1pPr>
+            <a:lvl2pPr marL="457200" indent="0">
+              <a:buNone/>
+              <a:defRPr sz="1600"/>
+            </a:lvl2pPr>
+            <a:lvl3pPr marL="914400" indent="0">
+              <a:buNone/>
+              <a:defRPr sz="1600"/>
+            </a:lvl3pPr>
+            <a:lvl4pPr marL="1371600" indent="0">
+              <a:buNone/>
+              <a:defRPr sz="1600"/>
+            </a:lvl4pPr>
+            <a:lvl5pPr marL="1828800" indent="0">
+              <a:buNone/>
+              <a:defRPr sz="1600"/>
+            </a:lvl5pPr>
+            <a:lvl6pPr marL="2286000" indent="0">
+              <a:buNone/>
+              <a:defRPr sz="1600"/>
+            </a:lvl6pPr>
+            <a:lvl7pPr marL="2743200" indent="0">
+              <a:buNone/>
+              <a:defRPr sz="1600"/>
+            </a:lvl7pPr>
+            <a:lvl8pPr marL="3200400" indent="0">
+              <a:buNone/>
+              <a:defRPr sz="1600"/>
+            </a:lvl8pPr>
+            <a:lvl9pPr marL="3657600" indent="0">
+              <a:buNone/>
+              <a:defRPr sz="1600"/>
+            </a:lvl9pPr>
+          </a:lstStyle>
+          <a:p>
+            <a:r>
+              <a:rPr lang="de-DE" smtClean="0"/>
+              <a:t>Bild durch Klicken auf Symbol hinzufügen</a:t>
+            </a:r>
+            <a:endParaRPr lang="en-US" dirty="0"/>
+          </a:p>
+        </p:txBody>
+      </p:sp>
+      <p:sp>
+        <p:nvSpPr>
+          <p:cNvPr id="22" name="Text Placeholder 3"/>
+          <p:cNvSpPr>
+            <a:spLocks noGrp="1"/>
+          </p:cNvSpPr>
+          <p:nvPr>
+            <p:ph type="body" sz="half" idx="18"/>
+          </p:nvPr>
+        </p:nvSpPr>
+        <p:spPr>
+          <a:xfrm>
+            <a:off x="652463" y="4827211"/>
+            <a:ext cx="2940050" cy="659189"/>
+          </a:xfrm>
+        </p:spPr>
+        <p:txBody>
+          <a:bodyPr anchor="t">
+            <a:normAutofit/>
+          </a:bodyPr>
+          <a:lstStyle>
+            <a:lvl1pPr marL="0" indent="0">
+              <a:buNone/>
+              <a:defRPr sz="1400"/>
+            </a:lvl1pPr>
+            <a:lvl2pPr marL="457200" indent="0">
+              <a:buNone/>
+              <a:defRPr sz="1200"/>
+            </a:lvl2pPr>
+            <a:lvl3pPr marL="914400" indent="0">
+              <a:buNone/>
+              <a:defRPr sz="1000"/>
+            </a:lvl3pPr>
+            <a:lvl4pPr marL="1371600" indent="0">
+              <a:buNone/>
+              <a:defRPr sz="900"/>
+            </a:lvl4pPr>
+            <a:lvl5pPr marL="1828800" indent="0">
+              <a:buNone/>
+              <a:defRPr sz="900"/>
+            </a:lvl5pPr>
+            <a:lvl6pPr marL="2286000" indent="0">
+              <a:buNone/>
+              <a:defRPr sz="900"/>
+            </a:lvl6pPr>
+            <a:lvl7pPr marL="2743200" indent="0">
+              <a:buNone/>
+              <a:defRPr sz="900"/>
+            </a:lvl7pPr>
+            <a:lvl8pPr marL="3200400" indent="0">
+              <a:buNone/>
+              <a:defRPr sz="900"/>
+            </a:lvl8pPr>
+            <a:lvl9pPr marL="3657600" indent="0">
+              <a:buNone/>
+              <a:defRPr sz="900"/>
+            </a:lvl9pPr>
+          </a:lstStyle>
+          <a:p>
+            <a:pPr lvl="0"/>
+            <a:r>
+              <a:rPr lang="de-DE" smtClean="0"/>
+              <a:t>Textmasterformat bearbeiten</a:t>
+            </a:r>
+          </a:p>
+        </p:txBody>
+      </p:sp>
+      <p:sp>
+        <p:nvSpPr>
+          <p:cNvPr id="5" name="Text Placeholder 4"/>
+          <p:cNvSpPr>
+            <a:spLocks noGrp="1"/>
+          </p:cNvSpPr>
+          <p:nvPr>
+            <p:ph type="body" sz="quarter" idx="3"/>
+          </p:nvPr>
+        </p:nvSpPr>
+        <p:spPr>
+          <a:xfrm>
+            <a:off x="3889375" y="4250949"/>
+            <a:ext cx="2930525" cy="576262"/>
+          </a:xfrm>
+        </p:spPr>
+        <p:txBody>
+          <a:bodyPr anchor="b">
+            <a:noAutofit/>
+          </a:bodyPr>
+          <a:lstStyle>
+            <a:lvl1pPr marL="0" indent="0">
+              <a:buNone/>
+              <a:defRPr sz="2400" b="0">
+                <a:solidFill>
+                  <a:schemeClr val="bg2">
+                    <a:lumMod val="40000"/>
+                    <a:lumOff val="60000"/>
+                  </a:schemeClr>
+                </a:solidFill>
+              </a:defRPr>
+            </a:lvl1pPr>
+            <a:lvl2pPr marL="457200" indent="0">
+              <a:buNone/>
+              <a:defRPr sz="2000" b="1"/>
+            </a:lvl2pPr>
+            <a:lvl3pPr marL="914400" indent="0">
+              <a:buNone/>
+              <a:defRPr sz="1800" b="1"/>
+            </a:lvl3pPr>
+            <a:lvl4pPr marL="1371600" indent="0">
+              <a:buNone/>
+              <a:defRPr sz="1600" b="1"/>
+            </a:lvl4pPr>
+            <a:lvl5pPr marL="1828800" indent="0">
+              <a:buNone/>
+              <a:defRPr sz="1600" b="1"/>
+            </a:lvl5pPr>
+            <a:lvl6pPr marL="2286000" indent="0">
+              <a:buNone/>
+              <a:defRPr sz="1600" b="1"/>
+            </a:lvl6pPr>
+            <a:lvl7pPr marL="2743200" indent="0">
+              <a:buNone/>
+              <a:defRPr sz="1600" b="1"/>
+            </a:lvl7pPr>
+            <a:lvl8pPr marL="3200400" indent="0">
+              <a:buNone/>
+              <a:defRPr sz="1600" b="1"/>
+            </a:lvl8pPr>
+            <a:lvl9pPr marL="3657600" indent="0">
+              <a:buNone/>
+              <a:defRPr sz="1600" b="1"/>
+            </a:lvl9pPr>
+          </a:lstStyle>
+          <a:p>
+            <a:pPr lvl="0"/>
+            <a:r>
+              <a:rPr lang="de-DE" smtClean="0"/>
+              <a:t>Textmasterformat bearbeiten</a:t>
+            </a:r>
+          </a:p>
+        </p:txBody>
+      </p:sp>
+      <p:sp>
+        <p:nvSpPr>
+          <p:cNvPr id="30" name="Picture Placeholder 2"/>
+          <p:cNvSpPr>
+            <a:spLocks noGrp="1" noChangeAspect="1"/>
+          </p:cNvSpPr>
+          <p:nvPr>
+            <p:ph type="pic" idx="21"/>
+          </p:nvPr>
+        </p:nvSpPr>
+        <p:spPr>
+          <a:xfrm>
+            <a:off x="3889374" y="2209800"/>
+            <a:ext cx="2930525" cy="1524000"/>
+          </a:xfrm>
+          <a:prstGeom prst="roundRect">
+            <a:avLst>
+              <a:gd name="adj" fmla="val 1858"/>
+            </a:avLst>
+          </a:prstGeom>
+          <a:effectLst>
+            <a:outerShdw blurRad="50800" dist="50800" dir="5400000" algn="tl" rotWithShape="0">
+              <a:srgbClr val="000000">
+                <a:alpha val="43000"/>
+              </a:srgbClr>
+            </a:outerShdw>
+          </a:effectLst>
+        </p:spPr>
+        <p:txBody>
+          <a:bodyPr anchor="t">
+            <a:normAutofit/>
+          </a:bodyPr>
+          <a:lstStyle>
+            <a:lvl1pPr marL="0" indent="0" algn="ctr">
+              <a:buNone/>
+              <a:defRPr sz="1600"/>
+            </a:lvl1pPr>
+            <a:lvl2pPr marL="457200" indent="0">
+              <a:buNone/>
+              <a:defRPr sz="1600"/>
+            </a:lvl2pPr>
+            <a:lvl3pPr marL="914400" indent="0">
+              <a:buNone/>
+              <a:defRPr sz="1600"/>
+            </a:lvl3pPr>
+            <a:lvl4pPr marL="1371600" indent="0">
+              <a:buNone/>
+              <a:defRPr sz="1600"/>
+            </a:lvl4pPr>
+            <a:lvl5pPr marL="1828800" indent="0">
+              <a:buNone/>
+              <a:defRPr sz="1600"/>
+            </a:lvl5pPr>
+            <a:lvl6pPr marL="2286000" indent="0">
+              <a:buNone/>
+              <a:defRPr sz="1600"/>
+            </a:lvl6pPr>
+            <a:lvl7pPr marL="2743200" indent="0">
+              <a:buNone/>
+              <a:defRPr sz="1600"/>
+            </a:lvl7pPr>
+            <a:lvl8pPr marL="3200400" indent="0">
+              <a:buNone/>
+              <a:defRPr sz="1600"/>
+            </a:lvl8pPr>
+            <a:lvl9pPr marL="3657600" indent="0">
+              <a:buNone/>
+              <a:defRPr sz="1600"/>
+            </a:lvl9pPr>
+          </a:lstStyle>
+          <a:p>
+            <a:r>
+              <a:rPr lang="de-DE" smtClean="0"/>
+              <a:t>Bild durch Klicken auf Symbol hinzufügen</a:t>
+            </a:r>
+            <a:endParaRPr lang="en-US" dirty="0"/>
+          </a:p>
+        </p:txBody>
+      </p:sp>
+      <p:sp>
+        <p:nvSpPr>
+          <p:cNvPr id="23" name="Text Placeholder 3"/>
+          <p:cNvSpPr>
+            <a:spLocks noGrp="1"/>
+          </p:cNvSpPr>
+          <p:nvPr>
+            <p:ph type="body" sz="half" idx="19"/>
+          </p:nvPr>
+        </p:nvSpPr>
+        <p:spPr>
+          <a:xfrm>
+            <a:off x="3888022" y="4827210"/>
+            <a:ext cx="2934406" cy="659189"/>
+          </a:xfrm>
+        </p:spPr>
+        <p:txBody>
+          <a:bodyPr anchor="t">
+            <a:normAutofit/>
+          </a:bodyPr>
+          <a:lstStyle>
+            <a:lvl1pPr marL="0" indent="0">
+              <a:buNone/>
+              <a:defRPr sz="1400"/>
+            </a:lvl1pPr>
+            <a:lvl2pPr marL="457200" indent="0">
+              <a:buNone/>
+              <a:defRPr sz="1200"/>
+            </a:lvl2pPr>
+            <a:lvl3pPr marL="914400" indent="0">
+              <a:buNone/>
+              <a:defRPr sz="1000"/>
+            </a:lvl3pPr>
+            <a:lvl4pPr marL="1371600" indent="0">
+              <a:buNone/>
+              <a:defRPr sz="900"/>
+            </a:lvl4pPr>
+            <a:lvl5pPr marL="1828800" indent="0">
+              <a:buNone/>
+              <a:defRPr sz="900"/>
+            </a:lvl5pPr>
+            <a:lvl6pPr marL="2286000" indent="0">
+              <a:buNone/>
+              <a:defRPr sz="900"/>
+            </a:lvl6pPr>
+            <a:lvl7pPr marL="2743200" indent="0">
+              <a:buNone/>
+              <a:defRPr sz="900"/>
+            </a:lvl7pPr>
+            <a:lvl8pPr marL="3200400" indent="0">
+              <a:buNone/>
+              <a:defRPr sz="900"/>
+            </a:lvl8pPr>
+            <a:lvl9pPr marL="3657600" indent="0">
+              <a:buNone/>
+              <a:defRPr sz="900"/>
+            </a:lvl9pPr>
+          </a:lstStyle>
+          <a:p>
+            <a:pPr lvl="0"/>
+            <a:r>
+              <a:rPr lang="de-DE" smtClean="0"/>
+              <a:t>Textmasterformat bearbeiten</a:t>
+            </a:r>
+          </a:p>
+        </p:txBody>
+      </p:sp>
+      <p:sp>
+        <p:nvSpPr>
+          <p:cNvPr id="14" name="Text Placeholder 4"/>
+          <p:cNvSpPr>
+            <a:spLocks noGrp="1"/>
+          </p:cNvSpPr>
+          <p:nvPr>
+            <p:ph type="body" sz="quarter" idx="13"/>
+          </p:nvPr>
+        </p:nvSpPr>
+        <p:spPr>
+          <a:xfrm>
+            <a:off x="7124700" y="4250949"/>
+            <a:ext cx="2932113" cy="576262"/>
+          </a:xfrm>
+        </p:spPr>
+        <p:txBody>
+          <a:bodyPr anchor="b">
+            <a:noAutofit/>
+          </a:bodyPr>
+          <a:lstStyle>
+            <a:lvl1pPr marL="0" indent="0">
+              <a:buNone/>
+              <a:defRPr sz="2400" b="0">
+                <a:solidFill>
+                  <a:schemeClr val="bg2">
+                    <a:lumMod val="40000"/>
+                    <a:lumOff val="60000"/>
+                  </a:schemeClr>
+                </a:solidFill>
+              </a:defRPr>
+            </a:lvl1pPr>
+            <a:lvl2pPr marL="457200" indent="0">
+              <a:buNone/>
+              <a:defRPr sz="2000" b="1"/>
+            </a:lvl2pPr>
+            <a:lvl3pPr marL="914400" indent="0">
+              <a:buNone/>
+              <a:defRPr sz="1800" b="1"/>
+            </a:lvl3pPr>
+            <a:lvl4pPr marL="1371600" indent="0">
+              <a:buNone/>
+              <a:defRPr sz="1600" b="1"/>
+            </a:lvl4pPr>
+            <a:lvl5pPr marL="1828800" indent="0">
+              <a:buNone/>
+              <a:defRPr sz="1600" b="1"/>
+            </a:lvl5pPr>
+            <a:lvl6pPr marL="2286000" indent="0">
+              <a:buNone/>
+              <a:defRPr sz="1600" b="1"/>
+            </a:lvl6pPr>
+            <a:lvl7pPr marL="2743200" indent="0">
+              <a:buNone/>
+              <a:defRPr sz="1600" b="1"/>
+            </a:lvl7pPr>
+            <a:lvl8pPr marL="3200400" indent="0">
+              <a:buNone/>
+              <a:defRPr sz="1600" b="1"/>
+            </a:lvl8pPr>
+            <a:lvl9pPr marL="3657600" indent="0">
+              <a:buNone/>
+              <a:defRPr sz="1600" b="1"/>
+            </a:lvl9pPr>
+          </a:lstStyle>
+          <a:p>
+            <a:pPr lvl="0"/>
+            <a:r>
+              <a:rPr lang="de-DE" smtClean="0"/>
+              <a:t>Textmasterformat bearbeiten</a:t>
+            </a:r>
+          </a:p>
+        </p:txBody>
+      </p:sp>
+      <p:sp>
+        <p:nvSpPr>
+          <p:cNvPr id="31" name="Picture Placeholder 2"/>
+          <p:cNvSpPr>
+            <a:spLocks noGrp="1" noChangeAspect="1"/>
+          </p:cNvSpPr>
+          <p:nvPr>
+            <p:ph type="pic" idx="22"/>
+          </p:nvPr>
+        </p:nvSpPr>
+        <p:spPr>
+          <a:xfrm>
+            <a:off x="7124699" y="2209800"/>
+            <a:ext cx="2932113" cy="1524000"/>
+          </a:xfrm>
+          <a:prstGeom prst="roundRect">
+            <a:avLst>
+              <a:gd name="adj" fmla="val 1858"/>
+            </a:avLst>
+          </a:prstGeom>
+          <a:effectLst>
+            <a:outerShdw blurRad="50800" dist="50800" dir="5400000" algn="tl" rotWithShape="0">
+              <a:srgbClr val="000000">
+                <a:alpha val="43000"/>
+              </a:srgbClr>
+            </a:outerShdw>
+          </a:effectLst>
+        </p:spPr>
+        <p:txBody>
+          <a:bodyPr anchor="t">
+            <a:normAutofit/>
+          </a:bodyPr>
+          <a:lstStyle>
+            <a:lvl1pPr marL="0" indent="0" algn="ctr">
+              <a:buNone/>
+              <a:defRPr sz="1600"/>
+            </a:lvl1pPr>
+            <a:lvl2pPr marL="457200" indent="0">
+              <a:buNone/>
+              <a:defRPr sz="1600"/>
+            </a:lvl2pPr>
+            <a:lvl3pPr marL="914400" indent="0">
+              <a:buNone/>
+              <a:defRPr sz="1600"/>
+            </a:lvl3pPr>
+            <a:lvl4pPr marL="1371600" indent="0">
+              <a:buNone/>
+              <a:defRPr sz="1600"/>
+            </a:lvl4pPr>
+            <a:lvl5pPr marL="1828800" indent="0">
+              <a:buNone/>
+              <a:defRPr sz="1600"/>
+            </a:lvl5pPr>
+            <a:lvl6pPr marL="2286000" indent="0">
+              <a:buNone/>
+              <a:defRPr sz="1600"/>
+            </a:lvl6pPr>
+            <a:lvl7pPr marL="2743200" indent="0">
+              <a:buNone/>
+              <a:defRPr sz="1600"/>
+            </a:lvl7pPr>
+            <a:lvl8pPr marL="3200400" indent="0">
+              <a:buNone/>
+              <a:defRPr sz="1600"/>
+            </a:lvl8pPr>
+            <a:lvl9pPr marL="3657600" indent="0">
+              <a:buNone/>
+              <a:defRPr sz="1600"/>
+            </a:lvl9pPr>
+          </a:lstStyle>
+          <a:p>
+            <a:r>
+              <a:rPr lang="de-DE" smtClean="0"/>
+              <a:t>Bild durch Klicken auf Symbol hinzufügen</a:t>
+            </a:r>
+            <a:endParaRPr lang="en-US" dirty="0"/>
+          </a:p>
+        </p:txBody>
+      </p:sp>
+      <p:sp>
+        <p:nvSpPr>
+          <p:cNvPr id="24" name="Text Placeholder 3"/>
+          <p:cNvSpPr>
+            <a:spLocks noGrp="1"/>
+          </p:cNvSpPr>
+          <p:nvPr>
+            <p:ph type="body" sz="half" idx="20"/>
+          </p:nvPr>
+        </p:nvSpPr>
+        <p:spPr>
+          <a:xfrm>
+            <a:off x="7124575" y="4827208"/>
+            <a:ext cx="2935997" cy="659189"/>
+          </a:xfrm>
+        </p:spPr>
+        <p:txBody>
+          <a:bodyPr anchor="t">
+            <a:normAutofit/>
+          </a:bodyPr>
+          <a:lstStyle>
+            <a:lvl1pPr marL="0" indent="0">
+              <a:buNone/>
+              <a:defRPr sz="1400"/>
+            </a:lvl1pPr>
+            <a:lvl2pPr marL="457200" indent="0">
+              <a:buNone/>
+              <a:defRPr sz="1200"/>
+            </a:lvl2pPr>
+            <a:lvl3pPr marL="914400" indent="0">
+              <a:buNone/>
+              <a:defRPr sz="1000"/>
+            </a:lvl3pPr>
+            <a:lvl4pPr marL="1371600" indent="0">
+              <a:buNone/>
+              <a:defRPr sz="900"/>
+            </a:lvl4pPr>
+            <a:lvl5pPr marL="1828800" indent="0">
+              <a:buNone/>
+              <a:defRPr sz="900"/>
+            </a:lvl5pPr>
+            <a:lvl6pPr marL="2286000" indent="0">
+              <a:buNone/>
+              <a:defRPr sz="900"/>
+            </a:lvl6pPr>
+            <a:lvl7pPr marL="2743200" indent="0">
+              <a:buNone/>
+              <a:defRPr sz="900"/>
+            </a:lvl7pPr>
+            <a:lvl8pPr marL="3200400" indent="0">
+              <a:buNone/>
+              <a:defRPr sz="900"/>
+            </a:lvl8pPr>
+            <a:lvl9pPr marL="3657600" indent="0">
+              <a:buNone/>
+              <a:defRPr sz="900"/>
+            </a:lvl9pPr>
+          </a:lstStyle>
+          <a:p>
+            <a:pPr lvl="0"/>
+            <a:r>
+              <a:rPr lang="de-DE" smtClean="0"/>
+              <a:t>Textmasterformat bearbeiten</a:t>
+            </a:r>
+          </a:p>
+        </p:txBody>
+      </p:sp>
+      <p:cxnSp>
+        <p:nvCxnSpPr>
+          <p:cNvPr id="19" name="Straight Connector 18"/>
+          <p:cNvCxnSpPr/>
+          <p:nvPr/>
+        </p:nvCxnSpPr>
+        <p:spPr>
+          <a:xfrm>
+            <a:off x="3726142" y="2133600"/>
+            <a:ext cx="0" cy="3962400"/>
+          </a:xfrm>
+          <a:prstGeom prst="line">
+            <a:avLst/>
+          </a:prstGeom>
+          <a:ln w="12700" cmpd="sng">
+            <a:solidFill>
+              <a:schemeClr val="bg2">
+                <a:lumMod val="40000"/>
+                <a:lumOff val="60000"/>
+                <a:alpha val="40000"/>
+              </a:schemeClr>
+            </a:solidFill>
+          </a:ln>
+        </p:spPr>
+        <p:style>
+          <a:lnRef idx="2">
+            <a:schemeClr val="accent1"/>
+          </a:lnRef>
+          <a:fillRef idx="0">
+            <a:schemeClr val="accent1"/>
+          </a:fillRef>
+          <a:effectRef idx="1">
+            <a:schemeClr val="accent1"/>
+          </a:effectRef>
+          <a:fontRef idx="minor">
+            <a:schemeClr val="tx1"/>
+          </a:fontRef>
+        </p:style>
+      </p:cxnSp>
+      <p:cxnSp>
+        <p:nvCxnSpPr>
+          <p:cNvPr id="20" name="Straight Connector 19"/>
+          <p:cNvCxnSpPr/>
+          <p:nvPr/>
+        </p:nvCxnSpPr>
+        <p:spPr>
+          <a:xfrm>
+            <a:off x="6962227" y="2133600"/>
+            <a:ext cx="0" cy="3966882"/>
+          </a:xfrm>
+          <a:prstGeom prst="line">
+            <a:avLst/>
+          </a:prstGeom>
+          <a:ln w="12700" cmpd="sng">
+            <a:solidFill>
+              <a:schemeClr val="bg2">
+                <a:lumMod val="40000"/>
+                <a:lumOff val="60000"/>
+                <a:alpha val="40000"/>
+              </a:schemeClr>
+            </a:solidFill>
+          </a:ln>
+        </p:spPr>
+        <p:style>
+          <a:lnRef idx="2">
+            <a:schemeClr val="accent1"/>
+          </a:lnRef>
+          <a:fillRef idx="0">
+            <a:schemeClr val="accent1"/>
+          </a:fillRef>
+          <a:effectRef idx="1">
+            <a:schemeClr val="accent1"/>
+          </a:effectRef>
+          <a:fontRef idx="minor">
+            <a:schemeClr val="tx1"/>
+          </a:fontRef>
+        </p:style>
+      </p:cxnSp>
+      <p:sp>
+        <p:nvSpPr>
+          <p:cNvPr id="7" name="Date Placeholder 3"/>
+          <p:cNvSpPr>
+            <a:spLocks noGrp="1"/>
+          </p:cNvSpPr>
+          <p:nvPr>
+            <p:ph type="dt" sz="half" idx="10"/>
+          </p:nvPr>
+        </p:nvSpPr>
+        <p:spPr/>
+        <p:txBody>
+          <a:bodyPr/>
+          <a:lstStyle/>
+          <a:p>
+            <a:fld id="{1BA50D42-C9CD-4801-B293-61D1F53EC57E}" type="datetimeFigureOut">
+              <a:rPr lang="de-DE" smtClean="0"/>
+              <a:t>04.04.2014</a:t>
+            </a:fld>
+            <a:endParaRPr lang="de-DE"/>
+          </a:p>
+        </p:txBody>
+      </p:sp>
+      <p:sp>
+        <p:nvSpPr>
+          <p:cNvPr id="4" name="Footer Placeholder 4"/>
+          <p:cNvSpPr>
+            <a:spLocks noGrp="1"/>
+          </p:cNvSpPr>
+          <p:nvPr>
+            <p:ph type="ftr" sz="quarter" idx="11"/>
+          </p:nvPr>
+        </p:nvSpPr>
+        <p:spPr/>
+        <p:txBody>
+          <a:bodyPr/>
+          <a:lstStyle/>
+          <a:p>
+            <a:endParaRPr lang="de-DE"/>
+          </a:p>
+        </p:txBody>
+      </p:sp>
+      <p:sp>
+        <p:nvSpPr>
+          <p:cNvPr id="6" name="Slide Number Placeholder 5"/>
+          <p:cNvSpPr>
+            <a:spLocks noGrp="1"/>
+          </p:cNvSpPr>
+          <p:nvPr>
+            <p:ph type="sldNum" sz="quarter" idx="12"/>
+          </p:nvPr>
+        </p:nvSpPr>
+        <p:spPr/>
+        <p:txBody>
+          <a:bodyPr/>
+          <a:lstStyle/>
+          <a:p>
+            <a:fld id="{6C6AE60A-B69C-4790-82F7-3882EDF23186}" type="slidenum">
+              <a:rPr lang="de-DE" smtClean="0"/>
+              <a:t>‹Nr.›</a:t>
+            </a:fld>
+            <a:endParaRPr lang="de-DE"/>
+          </a:p>
+        </p:txBody>
+      </p:sp>
+    </p:spTree>
+    <p:extLst>
+      <p:ext uri="{BB962C8B-B14F-4D97-AF65-F5344CB8AC3E}">
+        <p14:creationId xmlns:p14="http://schemas.microsoft.com/office/powerpoint/2010/main" val="549478959"/>
+      </p:ext>
+    </p:extLst>
+  </p:cSld>
+  <p:clrMapOvr>
+    <a:masterClrMapping/>
+  </p:clrMapOvr>
+</p:sldLayout>
+</file>
+
+<file path=ppt/slideLayouts/slideLayout16.xml><?xml version="1.0" encoding="utf-8"?>
 <p:sldLayout xmlns:a="http://schemas.openxmlformats.org/drawingml/2006/main" xmlns:r="http://schemas.openxmlformats.org/officeDocument/2006/relationships" xmlns:p="http://schemas.openxmlformats.org/presentationml/2006/main" type="vertTx" preserve="1">
   <p:cSld name="Titel und vertikaler Text">
     <p:spTree>
@@ -369,7 +2985,7 @@
               <a:rPr lang="de-DE" smtClean="0"/>
               <a:t>Titelmasterformat durch Klicken bearbeiten</a:t>
             </a:r>
-            <a:endParaRPr lang="en-US"/>
+            <a:endParaRPr lang="en-US" dirty="0"/>
           </a:p>
         </p:txBody>
       </p:sp>
@@ -385,7 +3001,7 @@
         </p:nvSpPr>
         <p:spPr/>
         <p:txBody>
-          <a:bodyPr vert="eaVert"/>
+          <a:bodyPr vert="eaVert" anchor="t" anchorCtr="0"/>
           <a:lstStyle/>
           <a:p>
             <a:pPr lvl="0"/>
@@ -421,7 +3037,7 @@
               <a:rPr lang="de-DE" smtClean="0"/>
               <a:t>Fünfte Ebene</a:t>
             </a:r>
-            <a:endParaRPr lang="en-US"/>
+            <a:endParaRPr lang="en-US" dirty="0"/>
           </a:p>
         </p:txBody>
       </p:sp>
@@ -442,7 +3058,7 @@
           <a:p>
             <a:fld id="{1BA50D42-C9CD-4801-B293-61D1F53EC57E}" type="datetimeFigureOut">
               <a:rPr lang="de-DE" smtClean="0"/>
-              <a:t>03.04.2014</a:t>
+              <a:t>04.04.2014</a:t>
             </a:fld>
             <a:endParaRPr lang="de-DE"/>
           </a:p>
@@ -491,6 +3107,11 @@
         </p:txBody>
       </p:sp>
     </p:spTree>
+    <p:extLst>
+      <p:ext uri="{BB962C8B-B14F-4D97-AF65-F5344CB8AC3E}">
+        <p14:creationId xmlns:p14="http://schemas.microsoft.com/office/powerpoint/2010/main" val="320126205"/>
+      </p:ext>
+    </p:extLst>
   </p:cSld>
   <p:clrMapOvr>
     <a:masterClrMapping/>
@@ -498,7 +3119,7 @@
 </p:sldLayout>
 </file>
 
-<file path=ppt/slideLayouts/slideLayout11.xml><?xml version="1.0" encoding="utf-8"?>
+<file path=ppt/slideLayouts/slideLayout17.xml><?xml version="1.0" encoding="utf-8"?>
 <p:sldLayout xmlns:a="http://schemas.openxmlformats.org/drawingml/2006/main" xmlns:r="http://schemas.openxmlformats.org/officeDocument/2006/relationships" xmlns:p="http://schemas.openxmlformats.org/presentationml/2006/main" type="vertTitleAndTx" preserve="1">
   <p:cSld name="Vertikaler Titel und Text">
     <p:spTree>
@@ -527,19 +3148,19 @@
         </p:nvSpPr>
         <p:spPr>
           <a:xfrm>
-            <a:off x="6248400" y="1826709"/>
-            <a:ext cx="1492499" cy="4484454"/>
+            <a:off x="8304212" y="430213"/>
+            <a:ext cx="1752601" cy="5826125"/>
           </a:xfrm>
         </p:spPr>
         <p:txBody>
-          <a:bodyPr vert="eaVert"/>
+          <a:bodyPr vert="eaVert" anchor="b" anchorCtr="0"/>
           <a:lstStyle/>
           <a:p>
             <a:r>
               <a:rPr lang="de-DE" smtClean="0"/>
               <a:t>Titelmasterformat durch Klicken bearbeiten</a:t>
             </a:r>
-            <a:endParaRPr lang="en-US"/>
+            <a:endParaRPr lang="en-US" dirty="0"/>
           </a:p>
         </p:txBody>
       </p:sp>
@@ -555,8 +3176,8 @@
         </p:nvSpPr>
         <p:spPr>
           <a:xfrm>
-            <a:off x="854524" y="1826709"/>
-            <a:ext cx="5241476" cy="4484454"/>
+            <a:off x="652463" y="887414"/>
+            <a:ext cx="7423149" cy="5368924"/>
           </a:xfrm>
         </p:spPr>
         <p:txBody>
@@ -596,7 +3217,7 @@
               <a:rPr lang="de-DE" smtClean="0"/>
               <a:t>Fünfte Ebene</a:t>
             </a:r>
-            <a:endParaRPr lang="en-US"/>
+            <a:endParaRPr lang="en-US" dirty="0"/>
           </a:p>
         </p:txBody>
       </p:sp>
@@ -617,7 +3238,7 @@
           <a:p>
             <a:fld id="{1BA50D42-C9CD-4801-B293-61D1F53EC57E}" type="datetimeFigureOut">
               <a:rPr lang="de-DE" smtClean="0"/>
-              <a:t>03.04.2014</a:t>
+              <a:t>04.04.2014</a:t>
             </a:fld>
             <a:endParaRPr lang="de-DE"/>
           </a:p>
@@ -666,17 +3287,15 @@
         </p:txBody>
       </p:sp>
     </p:spTree>
+    <p:extLst>
+      <p:ext uri="{BB962C8B-B14F-4D97-AF65-F5344CB8AC3E}">
+        <p14:creationId xmlns:p14="http://schemas.microsoft.com/office/powerpoint/2010/main" val="3257892540"/>
+      </p:ext>
+    </p:extLst>
   </p:cSld>
   <p:clrMapOvr>
     <a:masterClrMapping/>
   </p:clrMapOvr>
-  <p:timing>
-    <p:tnLst>
-      <p:par>
-        <p:cTn id="1" dur="indefinite" restart="never" nodeType="tmRoot"/>
-      </p:par>
-    </p:tnLst>
-  </p:timing>
 </p:sldLayout>
 </file>
 
@@ -709,17 +3328,11 @@
         </p:nvSpPr>
         <p:spPr/>
         <p:txBody>
-          <a:bodyPr>
-            <a:noAutofit/>
-          </a:bodyPr>
-          <a:lstStyle>
-            <a:lvl1pPr>
-              <a:defRPr sz="4800"/>
-            </a:lvl1pPr>
-          </a:lstStyle>
-          <a:p>
-            <a:r>
-              <a:rPr lang="de-DE" dirty="0" smtClean="0"/>
+          <a:bodyPr/>
+          <a:lstStyle/>
+          <a:p>
+            <a:r>
+              <a:rPr lang="de-DE" smtClean="0"/>
               <a:t>Titelmasterformat durch Klicken bearbeiten</a:t>
             </a:r>
             <a:endParaRPr lang="en-US" dirty="0"/>
@@ -780,7 +3393,7 @@
       </p:sp>
       <p:sp>
         <p:nvSpPr>
-          <p:cNvPr id="4" name="Date Placeholder 3"/>
+          <p:cNvPr id="7" name="Date Placeholder 3"/>
           <p:cNvSpPr>
             <a:spLocks noGrp="1"/>
           </p:cNvSpPr>
@@ -795,7 +3408,7 @@
           <a:p>
             <a:fld id="{1BA50D42-C9CD-4801-B293-61D1F53EC57E}" type="datetimeFigureOut">
               <a:rPr lang="de-DE" smtClean="0"/>
-              <a:t>03.04.2014</a:t>
+              <a:t>04.04.2014</a:t>
             </a:fld>
             <a:endParaRPr lang="de-DE"/>
           </a:p>
@@ -844,17 +3457,15 @@
         </p:txBody>
       </p:sp>
     </p:spTree>
+    <p:extLst>
+      <p:ext uri="{BB962C8B-B14F-4D97-AF65-F5344CB8AC3E}">
+        <p14:creationId xmlns:p14="http://schemas.microsoft.com/office/powerpoint/2010/main" val="1670783722"/>
+      </p:ext>
+    </p:extLst>
   </p:cSld>
   <p:clrMapOvr>
     <a:masterClrMapping/>
   </p:clrMapOvr>
-  <p:timing>
-    <p:tnLst>
-      <p:par>
-        <p:cTn id="1" dur="indefinite" restart="never" nodeType="tmRoot"/>
-      </p:par>
-    </p:tnLst>
-  </p:timing>
 </p:sldLayout>
 </file>
 
@@ -887,12 +3498,12 @@
         </p:nvSpPr>
         <p:spPr>
           <a:xfrm>
-            <a:off x="914400" y="5017572"/>
-            <a:ext cx="7315200" cy="1293592"/>
+            <a:off x="1154956" y="2861733"/>
+            <a:ext cx="8825657" cy="1915647"/>
           </a:xfrm>
         </p:spPr>
         <p:txBody>
-          <a:bodyPr anchor="t"/>
+          <a:bodyPr anchor="b"/>
           <a:lstStyle>
             <a:lvl1pPr algn="l">
               <a:defRPr sz="4000" b="0" cap="none"/>
@@ -903,7 +3514,7 @@
               <a:rPr lang="de-DE" smtClean="0"/>
               <a:t>Titelmasterformat durch Klicken bearbeiten</a:t>
             </a:r>
-            <a:endParaRPr lang="en-US"/>
+            <a:endParaRPr lang="en-US" dirty="0"/>
           </a:p>
         </p:txBody>
       </p:sp>
@@ -919,18 +3530,21 @@
         </p:nvSpPr>
         <p:spPr>
           <a:xfrm>
-            <a:off x="914400" y="3865097"/>
-            <a:ext cx="7315200" cy="1098439"/>
+            <a:off x="1154955" y="4777381"/>
+            <a:ext cx="8825658" cy="860400"/>
           </a:xfrm>
         </p:spPr>
         <p:txBody>
-          <a:bodyPr anchor="b"/>
+          <a:bodyPr anchor="t"/>
           <a:lstStyle>
-            <a:lvl1pPr marL="0" indent="0">
-              <a:buNone/>
-              <a:defRPr sz="2000">
+            <a:lvl1pPr marL="0" indent="0" algn="l">
+              <a:buNone/>
+              <a:defRPr sz="2000" cap="all">
                 <a:solidFill>
-                  <a:schemeClr val="tx1"/>
+                  <a:schemeClr val="bg2">
+                    <a:lumMod val="40000"/>
+                    <a:lumOff val="60000"/>
+                  </a:schemeClr>
                 </a:solidFill>
               </a:defRPr>
             </a:lvl1pPr>
@@ -1041,7 +3655,7 @@
           <a:p>
             <a:fld id="{1BA50D42-C9CD-4801-B293-61D1F53EC57E}" type="datetimeFigureOut">
               <a:rPr lang="de-DE" smtClean="0"/>
-              <a:t>03.04.2014</a:t>
+              <a:t>04.04.2014</a:t>
             </a:fld>
             <a:endParaRPr lang="de-DE"/>
           </a:p>
@@ -1090,6 +3704,11 @@
         </p:txBody>
       </p:sp>
     </p:spTree>
+    <p:extLst>
+      <p:ext uri="{BB962C8B-B14F-4D97-AF65-F5344CB8AC3E}">
+        <p14:creationId xmlns:p14="http://schemas.microsoft.com/office/powerpoint/2010/main" val="3794733673"/>
+      </p:ext>
+    </p:extLst>
   </p:cSld>
   <p:clrMapOvr>
     <a:masterClrMapping/>
@@ -1116,6 +3735,203 @@
       </p:grpSpPr>
       <p:sp>
         <p:nvSpPr>
+          <p:cNvPr id="2" name="Title 1"/>
+          <p:cNvSpPr>
+            <a:spLocks noGrp="1"/>
+          </p:cNvSpPr>
+          <p:nvPr>
+            <p:ph type="title"/>
+          </p:nvPr>
+        </p:nvSpPr>
+        <p:spPr/>
+        <p:txBody>
+          <a:bodyPr/>
+          <a:lstStyle/>
+          <a:p>
+            <a:r>
+              <a:rPr lang="de-DE" smtClean="0"/>
+              <a:t>Titelmasterformat durch Klicken bearbeiten</a:t>
+            </a:r>
+            <a:endParaRPr lang="en-US" dirty="0"/>
+          </a:p>
+        </p:txBody>
+      </p:sp>
+      <p:sp>
+        <p:nvSpPr>
+          <p:cNvPr id="3" name="Content Placeholder 2"/>
+          <p:cNvSpPr>
+            <a:spLocks noGrp="1"/>
+          </p:cNvSpPr>
+          <p:nvPr>
+            <p:ph sz="half" idx="1"/>
+          </p:nvPr>
+        </p:nvSpPr>
+        <p:spPr>
+          <a:xfrm>
+            <a:off x="1103312" y="2060575"/>
+            <a:ext cx="4396339" cy="4195763"/>
+          </a:xfrm>
+        </p:spPr>
+        <p:txBody>
+          <a:bodyPr>
+            <a:normAutofit/>
+          </a:bodyPr>
+          <a:lstStyle>
+            <a:lvl1pPr>
+              <a:defRPr sz="1800"/>
+            </a:lvl1pPr>
+            <a:lvl2pPr>
+              <a:defRPr sz="1600"/>
+            </a:lvl2pPr>
+            <a:lvl3pPr>
+              <a:defRPr sz="1400"/>
+            </a:lvl3pPr>
+            <a:lvl4pPr>
+              <a:defRPr sz="1200"/>
+            </a:lvl4pPr>
+            <a:lvl5pPr>
+              <a:defRPr sz="1200"/>
+            </a:lvl5pPr>
+            <a:lvl6pPr>
+              <a:defRPr sz="1200"/>
+            </a:lvl6pPr>
+            <a:lvl7pPr>
+              <a:defRPr sz="1200"/>
+            </a:lvl7pPr>
+            <a:lvl8pPr>
+              <a:defRPr sz="1200"/>
+            </a:lvl8pPr>
+            <a:lvl9pPr>
+              <a:defRPr sz="1200"/>
+            </a:lvl9pPr>
+          </a:lstStyle>
+          <a:p>
+            <a:pPr lvl="0"/>
+            <a:r>
+              <a:rPr lang="de-DE" smtClean="0"/>
+              <a:t>Textmasterformat bearbeiten</a:t>
+            </a:r>
+          </a:p>
+          <a:p>
+            <a:pPr lvl="1"/>
+            <a:r>
+              <a:rPr lang="de-DE" smtClean="0"/>
+              <a:t>Zweite Ebene</a:t>
+            </a:r>
+          </a:p>
+          <a:p>
+            <a:pPr lvl="2"/>
+            <a:r>
+              <a:rPr lang="de-DE" smtClean="0"/>
+              <a:t>Dritte Ebene</a:t>
+            </a:r>
+          </a:p>
+          <a:p>
+            <a:pPr lvl="3"/>
+            <a:r>
+              <a:rPr lang="de-DE" smtClean="0"/>
+              <a:t>Vierte Ebene</a:t>
+            </a:r>
+          </a:p>
+          <a:p>
+            <a:pPr lvl="4"/>
+            <a:r>
+              <a:rPr lang="de-DE" smtClean="0"/>
+              <a:t>Fünfte Ebene</a:t>
+            </a:r>
+            <a:endParaRPr lang="en-US" dirty="0"/>
+          </a:p>
+        </p:txBody>
+      </p:sp>
+      <p:sp>
+        <p:nvSpPr>
+          <p:cNvPr id="4" name="Content Placeholder 3"/>
+          <p:cNvSpPr>
+            <a:spLocks noGrp="1"/>
+          </p:cNvSpPr>
+          <p:nvPr>
+            <p:ph sz="half" idx="2"/>
+          </p:nvPr>
+        </p:nvSpPr>
+        <p:spPr>
+          <a:xfrm>
+            <a:off x="5654493" y="2056092"/>
+            <a:ext cx="4396341" cy="4200245"/>
+          </a:xfrm>
+        </p:spPr>
+        <p:txBody>
+          <a:bodyPr>
+            <a:normAutofit/>
+          </a:bodyPr>
+          <a:lstStyle>
+            <a:lvl1pPr>
+              <a:defRPr sz="1800"/>
+            </a:lvl1pPr>
+            <a:lvl2pPr>
+              <a:defRPr sz="1600"/>
+            </a:lvl2pPr>
+            <a:lvl3pPr>
+              <a:defRPr sz="1400"/>
+            </a:lvl3pPr>
+            <a:lvl4pPr>
+              <a:defRPr sz="1200"/>
+            </a:lvl4pPr>
+            <a:lvl5pPr>
+              <a:defRPr sz="1200"/>
+            </a:lvl5pPr>
+            <a:lvl6pPr>
+              <a:defRPr sz="1200"/>
+            </a:lvl6pPr>
+            <a:lvl7pPr>
+              <a:defRPr sz="1200"/>
+            </a:lvl7pPr>
+            <a:lvl8pPr>
+              <a:defRPr sz="1200"/>
+            </a:lvl8pPr>
+            <a:lvl9pPr>
+              <a:defRPr sz="1200"/>
+            </a:lvl9pPr>
+          </a:lstStyle>
+          <a:p>
+            <a:pPr lvl="0"/>
+            <a:r>
+              <a:rPr lang="de-DE" smtClean="0"/>
+              <a:t>Textmasterformat bearbeiten</a:t>
+            </a:r>
+          </a:p>
+          <a:p>
+            <a:pPr lvl="1"/>
+            <a:r>
+              <a:rPr lang="de-DE" smtClean="0"/>
+              <a:t>Zweite Ebene</a:t>
+            </a:r>
+          </a:p>
+          <a:p>
+            <a:pPr lvl="2"/>
+            <a:r>
+              <a:rPr lang="de-DE" smtClean="0"/>
+              <a:t>Dritte Ebene</a:t>
+            </a:r>
+          </a:p>
+          <a:p>
+            <a:pPr lvl="3"/>
+            <a:r>
+              <a:rPr lang="de-DE" smtClean="0"/>
+              <a:t>Vierte Ebene</a:t>
+            </a:r>
+          </a:p>
+          <a:p>
+            <a:pPr lvl="4"/>
+            <a:r>
+              <a:rPr lang="de-DE" smtClean="0"/>
+              <a:t>Fünfte Ebene</a:t>
+            </a:r>
+            <a:endParaRPr lang="en-US" dirty="0"/>
+          </a:p>
+        </p:txBody>
+      </p:sp>
+      <p:sp>
+        <p:nvSpPr>
           <p:cNvPr id="5" name="Date Placeholder 4"/>
           <p:cNvSpPr>
             <a:spLocks noGrp="1"/>
@@ -1131,7 +3947,7 @@
           <a:p>
             <a:fld id="{1BA50D42-C9CD-4801-B293-61D1F53EC57E}" type="datetimeFigureOut">
               <a:rPr lang="de-DE" smtClean="0"/>
-              <a:t>03.04.2014</a:t>
+              <a:t>04.04.2014</a:t>
             </a:fld>
             <a:endParaRPr lang="de-DE"/>
           </a:p>
@@ -1179,149 +3995,12 @@
           </a:p>
         </p:txBody>
       </p:sp>
-      <p:sp>
-        <p:nvSpPr>
-          <p:cNvPr id="9" name="Title 8"/>
-          <p:cNvSpPr>
-            <a:spLocks noGrp="1"/>
-          </p:cNvSpPr>
-          <p:nvPr>
-            <p:ph type="title"/>
-          </p:nvPr>
-        </p:nvSpPr>
-        <p:spPr>
-          <a:xfrm>
-            <a:off x="914400" y="1544715"/>
-            <a:ext cx="7315200" cy="1154097"/>
-          </a:xfrm>
-        </p:spPr>
-        <p:txBody>
-          <a:bodyPr/>
-          <a:lstStyle/>
-          <a:p>
-            <a:r>
-              <a:rPr lang="de-DE" smtClean="0"/>
-              <a:t>Titelmasterformat durch Klicken bearbeiten</a:t>
-            </a:r>
-            <a:endParaRPr lang="en-US"/>
-          </a:p>
-        </p:txBody>
-      </p:sp>
-      <p:sp>
-        <p:nvSpPr>
-          <p:cNvPr id="8" name="Content Placeholder 7"/>
-          <p:cNvSpPr>
-            <a:spLocks noGrp="1"/>
-          </p:cNvSpPr>
-          <p:nvPr>
-            <p:ph sz="quarter" idx="13"/>
-          </p:nvPr>
-        </p:nvSpPr>
-        <p:spPr>
-          <a:xfrm>
-            <a:off x="914400" y="2743200"/>
-            <a:ext cx="3566160" cy="3593592"/>
-          </a:xfrm>
-        </p:spPr>
-        <p:txBody>
-          <a:bodyPr/>
-          <a:lstStyle/>
-          <a:p>
-            <a:pPr lvl="0"/>
-            <a:r>
-              <a:rPr lang="de-DE" smtClean="0"/>
-              <a:t>Textmasterformat bearbeiten</a:t>
-            </a:r>
-          </a:p>
-          <a:p>
-            <a:pPr lvl="1"/>
-            <a:r>
-              <a:rPr lang="de-DE" smtClean="0"/>
-              <a:t>Zweite Ebene</a:t>
-            </a:r>
-          </a:p>
-          <a:p>
-            <a:pPr lvl="2"/>
-            <a:r>
-              <a:rPr lang="de-DE" smtClean="0"/>
-              <a:t>Dritte Ebene</a:t>
-            </a:r>
-          </a:p>
-          <a:p>
-            <a:pPr lvl="3"/>
-            <a:r>
-              <a:rPr lang="de-DE" smtClean="0"/>
-              <a:t>Vierte Ebene</a:t>
-            </a:r>
-          </a:p>
-          <a:p>
-            <a:pPr lvl="4"/>
-            <a:r>
-              <a:rPr lang="de-DE" smtClean="0"/>
-              <a:t>Fünfte Ebene</a:t>
-            </a:r>
-            <a:endParaRPr lang="en-US"/>
-          </a:p>
-        </p:txBody>
-      </p:sp>
-      <p:sp>
-        <p:nvSpPr>
-          <p:cNvPr id="11" name="Content Placeholder 10"/>
-          <p:cNvSpPr>
-            <a:spLocks noGrp="1"/>
-          </p:cNvSpPr>
-          <p:nvPr>
-            <p:ph sz="quarter" idx="14"/>
-          </p:nvPr>
-        </p:nvSpPr>
-        <p:spPr>
-          <a:xfrm>
-            <a:off x="4681728" y="2743200"/>
-            <a:ext cx="3566160" cy="3595687"/>
-          </a:xfrm>
-        </p:spPr>
-        <p:txBody>
-          <a:bodyPr/>
-          <a:lstStyle/>
-          <a:p>
-            <a:pPr lvl="0"/>
-            <a:r>
-              <a:rPr lang="de-DE" smtClean="0"/>
-              <a:t>Textmasterformat bearbeiten</a:t>
-            </a:r>
-          </a:p>
-          <a:p>
-            <a:pPr lvl="1"/>
-            <a:r>
-              <a:rPr lang="de-DE" smtClean="0"/>
-              <a:t>Zweite Ebene</a:t>
-            </a:r>
-          </a:p>
-          <a:p>
-            <a:pPr lvl="2"/>
-            <a:r>
-              <a:rPr lang="de-DE" smtClean="0"/>
-              <a:t>Dritte Ebene</a:t>
-            </a:r>
-          </a:p>
-          <a:p>
-            <a:pPr lvl="3"/>
-            <a:r>
-              <a:rPr lang="de-DE" smtClean="0"/>
-              <a:t>Vierte Ebene</a:t>
-            </a:r>
-          </a:p>
-          <a:p>
-            <a:pPr lvl="4"/>
-            <a:r>
-              <a:rPr lang="de-DE" smtClean="0"/>
-              <a:t>Fünfte Ebene</a:t>
-            </a:r>
-            <a:endParaRPr lang="en-US"/>
-          </a:p>
-        </p:txBody>
-      </p:sp>
     </p:spTree>
+    <p:extLst>
+      <p:ext uri="{BB962C8B-B14F-4D97-AF65-F5344CB8AC3E}">
+        <p14:creationId xmlns:p14="http://schemas.microsoft.com/office/powerpoint/2010/main" val="70876450"/>
+      </p:ext>
+    </p:extLst>
   </p:cSld>
   <p:clrMapOvr>
     <a:masterClrMapping/>
@@ -1348,6 +4027,33 @@
       </p:grpSpPr>
       <p:sp>
         <p:nvSpPr>
+          <p:cNvPr id="2" name="Title 1"/>
+          <p:cNvSpPr>
+            <a:spLocks noGrp="1"/>
+          </p:cNvSpPr>
+          <p:nvPr>
+            <p:ph type="title"/>
+          </p:nvPr>
+        </p:nvSpPr>
+        <p:spPr/>
+        <p:txBody>
+          <a:bodyPr/>
+          <a:lstStyle>
+            <a:lvl1pPr>
+              <a:defRPr/>
+            </a:lvl1pPr>
+          </a:lstStyle>
+          <a:p>
+            <a:r>
+              <a:rPr lang="de-DE" smtClean="0"/>
+              <a:t>Titelmasterformat durch Klicken bearbeiten</a:t>
+            </a:r>
+            <a:endParaRPr lang="en-US" dirty="0"/>
+          </a:p>
+        </p:txBody>
+      </p:sp>
+      <p:sp>
+        <p:nvSpPr>
           <p:cNvPr id="3" name="Text Placeholder 2"/>
           <p:cNvSpPr>
             <a:spLocks noGrp="1"/>
@@ -1358,8 +4064,8 @@
         </p:nvSpPr>
         <p:spPr>
           <a:xfrm>
-            <a:off x="1116348" y="2743200"/>
-            <a:ext cx="3364992" cy="621792"/>
+            <a:off x="1103313" y="1905000"/>
+            <a:ext cx="4396338" cy="576262"/>
           </a:xfrm>
         </p:spPr>
         <p:txBody>
@@ -1369,9 +4075,12 @@
           <a:lstStyle>
             <a:lvl1pPr marL="0" indent="0">
               <a:buNone/>
-              <a:defRPr sz="2000" b="1">
+              <a:defRPr sz="2400" b="0">
                 <a:solidFill>
-                  <a:schemeClr val="tx2"/>
+                  <a:schemeClr val="bg2">
+                    <a:lumMod val="40000"/>
+                    <a:lumOff val="60000"/>
+                  </a:schemeClr>
                 </a:solidFill>
               </a:defRPr>
             </a:lvl1pPr>
@@ -1419,18 +4128,105 @@
       </p:sp>
       <p:sp>
         <p:nvSpPr>
-          <p:cNvPr id="5" name="Text Placeholder 4"/>
-          <p:cNvSpPr>
-            <a:spLocks noGrp="1"/>
-          </p:cNvSpPr>
-          <p:nvPr>
-            <p:ph type="body" sz="quarter" idx="3"/>
+          <p:cNvPr id="4" name="Content Placeholder 3"/>
+          <p:cNvSpPr>
+            <a:spLocks noGrp="1"/>
+          </p:cNvSpPr>
+          <p:nvPr>
+            <p:ph sz="half" idx="2"/>
           </p:nvPr>
         </p:nvSpPr>
         <p:spPr>
           <a:xfrm>
-            <a:off x="4885144" y="2743200"/>
-            <a:ext cx="3362062" cy="621792"/>
+            <a:off x="1103312" y="2514600"/>
+            <a:ext cx="4396339" cy="3741738"/>
+          </a:xfrm>
+        </p:spPr>
+        <p:txBody>
+          <a:bodyPr>
+            <a:normAutofit/>
+          </a:bodyPr>
+          <a:lstStyle>
+            <a:lvl1pPr>
+              <a:defRPr sz="1800"/>
+            </a:lvl1pPr>
+            <a:lvl2pPr>
+              <a:defRPr sz="1600"/>
+            </a:lvl2pPr>
+            <a:lvl3pPr>
+              <a:defRPr sz="1400"/>
+            </a:lvl3pPr>
+            <a:lvl4pPr>
+              <a:defRPr sz="1200"/>
+            </a:lvl4pPr>
+            <a:lvl5pPr>
+              <a:defRPr sz="1200"/>
+            </a:lvl5pPr>
+            <a:lvl6pPr>
+              <a:defRPr sz="1200"/>
+            </a:lvl6pPr>
+            <a:lvl7pPr>
+              <a:defRPr sz="1200"/>
+            </a:lvl7pPr>
+            <a:lvl8pPr>
+              <a:defRPr sz="1200"/>
+            </a:lvl8pPr>
+            <a:lvl9pPr>
+              <a:defRPr sz="1200"/>
+            </a:lvl9pPr>
+          </a:lstStyle>
+          <a:p>
+            <a:pPr lvl="0"/>
+            <a:r>
+              <a:rPr lang="de-DE" smtClean="0"/>
+              <a:t>Textmasterformat bearbeiten</a:t>
+            </a:r>
+          </a:p>
+          <a:p>
+            <a:pPr lvl="1"/>
+            <a:r>
+              <a:rPr lang="de-DE" smtClean="0"/>
+              <a:t>Zweite Ebene</a:t>
+            </a:r>
+          </a:p>
+          <a:p>
+            <a:pPr lvl="2"/>
+            <a:r>
+              <a:rPr lang="de-DE" smtClean="0"/>
+              <a:t>Dritte Ebene</a:t>
+            </a:r>
+          </a:p>
+          <a:p>
+            <a:pPr lvl="3"/>
+            <a:r>
+              <a:rPr lang="de-DE" smtClean="0"/>
+              <a:t>Vierte Ebene</a:t>
+            </a:r>
+          </a:p>
+          <a:p>
+            <a:pPr lvl="4"/>
+            <a:r>
+              <a:rPr lang="de-DE" smtClean="0"/>
+              <a:t>Fünfte Ebene</a:t>
+            </a:r>
+            <a:endParaRPr lang="en-US" dirty="0"/>
+          </a:p>
+        </p:txBody>
+      </p:sp>
+      <p:sp>
+        <p:nvSpPr>
+          <p:cNvPr id="5" name="Text Placeholder 4"/>
+          <p:cNvSpPr>
+            <a:spLocks noGrp="1"/>
+          </p:cNvSpPr>
+          <p:nvPr>
+            <p:ph type="body" sz="quarter" idx="3"/>
+          </p:nvPr>
+        </p:nvSpPr>
+        <p:spPr>
+          <a:xfrm>
+            <a:off x="5654495" y="1905000"/>
+            <a:ext cx="4396339" cy="576262"/>
           </a:xfrm>
         </p:spPr>
         <p:txBody>
@@ -1440,9 +4236,12 @@
           <a:lstStyle>
             <a:lvl1pPr marL="0" indent="0">
               <a:buNone/>
-              <a:defRPr sz="2000" b="1">
+              <a:defRPr sz="2400" b="0">
                 <a:solidFill>
-                  <a:schemeClr val="tx2"/>
+                  <a:schemeClr val="bg2">
+                    <a:lumMod val="40000"/>
+                    <a:lumOff val="60000"/>
+                  </a:schemeClr>
                 </a:solidFill>
               </a:defRPr>
             </a:lvl1pPr>
@@ -1490,6 +4289,93 @@
       </p:sp>
       <p:sp>
         <p:nvSpPr>
+          <p:cNvPr id="6" name="Content Placeholder 5"/>
+          <p:cNvSpPr>
+            <a:spLocks noGrp="1"/>
+          </p:cNvSpPr>
+          <p:nvPr>
+            <p:ph sz="quarter" idx="4"/>
+          </p:nvPr>
+        </p:nvSpPr>
+        <p:spPr>
+          <a:xfrm>
+            <a:off x="5654495" y="2514600"/>
+            <a:ext cx="4396339" cy="3741738"/>
+          </a:xfrm>
+        </p:spPr>
+        <p:txBody>
+          <a:bodyPr>
+            <a:normAutofit/>
+          </a:bodyPr>
+          <a:lstStyle>
+            <a:lvl1pPr>
+              <a:defRPr sz="1800"/>
+            </a:lvl1pPr>
+            <a:lvl2pPr>
+              <a:defRPr sz="1600"/>
+            </a:lvl2pPr>
+            <a:lvl3pPr>
+              <a:defRPr sz="1400"/>
+            </a:lvl3pPr>
+            <a:lvl4pPr>
+              <a:defRPr sz="1200"/>
+            </a:lvl4pPr>
+            <a:lvl5pPr>
+              <a:defRPr sz="1200"/>
+            </a:lvl5pPr>
+            <a:lvl6pPr>
+              <a:defRPr sz="1200"/>
+            </a:lvl6pPr>
+            <a:lvl7pPr>
+              <a:defRPr sz="1200"/>
+            </a:lvl7pPr>
+            <a:lvl8pPr>
+              <a:defRPr sz="1200"/>
+            </a:lvl8pPr>
+            <a:lvl9pPr>
+              <a:defRPr sz="1200"/>
+            </a:lvl9pPr>
+          </a:lstStyle>
+          <a:p>
+            <a:pPr lvl="0"/>
+            <a:r>
+              <a:rPr lang="de-DE" smtClean="0"/>
+              <a:t>Textmasterformat bearbeiten</a:t>
+            </a:r>
+          </a:p>
+          <a:p>
+            <a:pPr lvl="1"/>
+            <a:r>
+              <a:rPr lang="de-DE" smtClean="0"/>
+              <a:t>Zweite Ebene</a:t>
+            </a:r>
+          </a:p>
+          <a:p>
+            <a:pPr lvl="2"/>
+            <a:r>
+              <a:rPr lang="de-DE" smtClean="0"/>
+              <a:t>Dritte Ebene</a:t>
+            </a:r>
+          </a:p>
+          <a:p>
+            <a:pPr lvl="3"/>
+            <a:r>
+              <a:rPr lang="de-DE" smtClean="0"/>
+              <a:t>Vierte Ebene</a:t>
+            </a:r>
+          </a:p>
+          <a:p>
+            <a:pPr lvl="4"/>
+            <a:r>
+              <a:rPr lang="de-DE" smtClean="0"/>
+              <a:t>Fünfte Ebene</a:t>
+            </a:r>
+            <a:endParaRPr lang="en-US" dirty="0"/>
+          </a:p>
+        </p:txBody>
+      </p:sp>
+      <p:sp>
+        <p:nvSpPr>
           <p:cNvPr id="7" name="Date Placeholder 6"/>
           <p:cNvSpPr>
             <a:spLocks noGrp="1"/>
@@ -1505,7 +4391,7 @@
           <a:p>
             <a:fld id="{1BA50D42-C9CD-4801-B293-61D1F53EC57E}" type="datetimeFigureOut">
               <a:rPr lang="de-DE" smtClean="0"/>
-              <a:t>03.04.2014</a:t>
+              <a:t>04.04.2014</a:t>
             </a:fld>
             <a:endParaRPr lang="de-DE"/>
           </a:p>
@@ -1553,149 +4439,12 @@
           </a:p>
         </p:txBody>
       </p:sp>
-      <p:sp>
-        <p:nvSpPr>
-          <p:cNvPr id="10" name="Title 9"/>
-          <p:cNvSpPr>
-            <a:spLocks noGrp="1"/>
-          </p:cNvSpPr>
-          <p:nvPr>
-            <p:ph type="title"/>
-          </p:nvPr>
-        </p:nvSpPr>
-        <p:spPr>
-          <a:xfrm>
-            <a:off x="914400" y="1544715"/>
-            <a:ext cx="7315200" cy="1154097"/>
-          </a:xfrm>
-        </p:spPr>
-        <p:txBody>
-          <a:bodyPr/>
-          <a:lstStyle/>
-          <a:p>
-            <a:r>
-              <a:rPr lang="de-DE" smtClean="0"/>
-              <a:t>Titelmasterformat durch Klicken bearbeiten</a:t>
-            </a:r>
-            <a:endParaRPr lang="en-US" dirty="0"/>
-          </a:p>
-        </p:txBody>
-      </p:sp>
-      <p:sp>
-        <p:nvSpPr>
-          <p:cNvPr id="11" name="Content Placeholder 10"/>
-          <p:cNvSpPr>
-            <a:spLocks noGrp="1"/>
-          </p:cNvSpPr>
-          <p:nvPr>
-            <p:ph sz="quarter" idx="13"/>
-          </p:nvPr>
-        </p:nvSpPr>
-        <p:spPr>
-          <a:xfrm>
-            <a:off x="914400" y="3383280"/>
-            <a:ext cx="3566160" cy="2953512"/>
-          </a:xfrm>
-        </p:spPr>
-        <p:txBody>
-          <a:bodyPr/>
-          <a:lstStyle/>
-          <a:p>
-            <a:pPr lvl="0"/>
-            <a:r>
-              <a:rPr lang="de-DE" smtClean="0"/>
-              <a:t>Textmasterformat bearbeiten</a:t>
-            </a:r>
-          </a:p>
-          <a:p>
-            <a:pPr lvl="1"/>
-            <a:r>
-              <a:rPr lang="de-DE" smtClean="0"/>
-              <a:t>Zweite Ebene</a:t>
-            </a:r>
-          </a:p>
-          <a:p>
-            <a:pPr lvl="2"/>
-            <a:r>
-              <a:rPr lang="de-DE" smtClean="0"/>
-              <a:t>Dritte Ebene</a:t>
-            </a:r>
-          </a:p>
-          <a:p>
-            <a:pPr lvl="3"/>
-            <a:r>
-              <a:rPr lang="de-DE" smtClean="0"/>
-              <a:t>Vierte Ebene</a:t>
-            </a:r>
-          </a:p>
-          <a:p>
-            <a:pPr lvl="4"/>
-            <a:r>
-              <a:rPr lang="de-DE" smtClean="0"/>
-              <a:t>Fünfte Ebene</a:t>
-            </a:r>
-            <a:endParaRPr lang="en-US" dirty="0"/>
-          </a:p>
-        </p:txBody>
-      </p:sp>
-      <p:sp>
-        <p:nvSpPr>
-          <p:cNvPr id="13" name="Content Placeholder 12"/>
-          <p:cNvSpPr>
-            <a:spLocks noGrp="1"/>
-          </p:cNvSpPr>
-          <p:nvPr>
-            <p:ph sz="quarter" idx="14"/>
-          </p:nvPr>
-        </p:nvSpPr>
-        <p:spPr>
-          <a:xfrm>
-            <a:off x="4681727" y="3383280"/>
-            <a:ext cx="3566160" cy="2953512"/>
-          </a:xfrm>
-        </p:spPr>
-        <p:txBody>
-          <a:bodyPr/>
-          <a:lstStyle/>
-          <a:p>
-            <a:pPr lvl="0"/>
-            <a:r>
-              <a:rPr lang="de-DE" smtClean="0"/>
-              <a:t>Textmasterformat bearbeiten</a:t>
-            </a:r>
-          </a:p>
-          <a:p>
-            <a:pPr lvl="1"/>
-            <a:r>
-              <a:rPr lang="de-DE" smtClean="0"/>
-              <a:t>Zweite Ebene</a:t>
-            </a:r>
-          </a:p>
-          <a:p>
-            <a:pPr lvl="2"/>
-            <a:r>
-              <a:rPr lang="de-DE" smtClean="0"/>
-              <a:t>Dritte Ebene</a:t>
-            </a:r>
-          </a:p>
-          <a:p>
-            <a:pPr lvl="3"/>
-            <a:r>
-              <a:rPr lang="de-DE" smtClean="0"/>
-              <a:t>Vierte Ebene</a:t>
-            </a:r>
-          </a:p>
-          <a:p>
-            <a:pPr lvl="4"/>
-            <a:r>
-              <a:rPr lang="de-DE" smtClean="0"/>
-              <a:t>Fünfte Ebene</a:t>
-            </a:r>
-            <a:endParaRPr lang="en-US" dirty="0"/>
-          </a:p>
-        </p:txBody>
-      </p:sp>
     </p:spTree>
+    <p:extLst>
+      <p:ext uri="{BB962C8B-B14F-4D97-AF65-F5344CB8AC3E}">
+        <p14:creationId xmlns:p14="http://schemas.microsoft.com/office/powerpoint/2010/main" val="2511277570"/>
+      </p:ext>
+    </p:extLst>
   </p:cSld>
   <p:clrMapOvr>
     <a:masterClrMapping/>
@@ -1739,13 +4488,13 @@
               <a:rPr lang="de-DE" smtClean="0"/>
               <a:t>Titelmasterformat durch Klicken bearbeiten</a:t>
             </a:r>
-            <a:endParaRPr lang="en-US"/>
-          </a:p>
-        </p:txBody>
-      </p:sp>
-      <p:sp>
-        <p:nvSpPr>
-          <p:cNvPr id="3" name="Date Placeholder 2"/>
+            <a:endParaRPr lang="en-US" dirty="0"/>
+          </a:p>
+        </p:txBody>
+      </p:sp>
+      <p:sp>
+        <p:nvSpPr>
+          <p:cNvPr id="7" name="Date Placeholder 2"/>
           <p:cNvSpPr>
             <a:spLocks noGrp="1"/>
           </p:cNvSpPr>
@@ -1760,7 +4509,7 @@
           <a:p>
             <a:fld id="{1BA50D42-C9CD-4801-B293-61D1F53EC57E}" type="datetimeFigureOut">
               <a:rPr lang="de-DE" smtClean="0"/>
-              <a:t>03.04.2014</a:t>
+              <a:t>04.04.2014</a:t>
             </a:fld>
             <a:endParaRPr lang="de-DE"/>
           </a:p>
@@ -1768,7 +4517,7 @@
       </p:sp>
       <p:sp>
         <p:nvSpPr>
-          <p:cNvPr id="4" name="Footer Placeholder 3"/>
+          <p:cNvPr id="5" name="Footer Placeholder 3"/>
           <p:cNvSpPr>
             <a:spLocks noGrp="1"/>
           </p:cNvSpPr>
@@ -1787,7 +4536,7 @@
       </p:sp>
       <p:sp>
         <p:nvSpPr>
-          <p:cNvPr id="5" name="Slide Number Placeholder 4"/>
+          <p:cNvPr id="6" name="Slide Number Placeholder 4"/>
           <p:cNvSpPr>
             <a:spLocks noGrp="1"/>
           </p:cNvSpPr>
@@ -1809,6 +4558,11 @@
         </p:txBody>
       </p:sp>
     </p:spTree>
+    <p:extLst>
+      <p:ext uri="{BB962C8B-B14F-4D97-AF65-F5344CB8AC3E}">
+        <p14:creationId xmlns:p14="http://schemas.microsoft.com/office/powerpoint/2010/main" val="3311503352"/>
+      </p:ext>
+    </p:extLst>
   </p:cSld>
   <p:clrMapOvr>
     <a:masterClrMapping/>
@@ -1835,7 +4589,7 @@
       </p:grpSpPr>
       <p:sp>
         <p:nvSpPr>
-          <p:cNvPr id="2" name="Date Placeholder 1"/>
+          <p:cNvPr id="7" name="Date Placeholder 1"/>
           <p:cNvSpPr>
             <a:spLocks noGrp="1"/>
           </p:cNvSpPr>
@@ -1850,7 +4604,7 @@
           <a:p>
             <a:fld id="{1BA50D42-C9CD-4801-B293-61D1F53EC57E}" type="datetimeFigureOut">
               <a:rPr lang="de-DE" smtClean="0"/>
-              <a:t>03.04.2014</a:t>
+              <a:t>04.04.2014</a:t>
             </a:fld>
             <a:endParaRPr lang="de-DE"/>
           </a:p>
@@ -1858,7 +4612,7 @@
       </p:sp>
       <p:sp>
         <p:nvSpPr>
-          <p:cNvPr id="3" name="Footer Placeholder 2"/>
+          <p:cNvPr id="5" name="Footer Placeholder 2"/>
           <p:cNvSpPr>
             <a:spLocks noGrp="1"/>
           </p:cNvSpPr>
@@ -1877,7 +4631,7 @@
       </p:sp>
       <p:sp>
         <p:nvSpPr>
-          <p:cNvPr id="4" name="Slide Number Placeholder 3"/>
+          <p:cNvPr id="6" name="Slide Number Placeholder 3"/>
           <p:cNvSpPr>
             <a:spLocks noGrp="1"/>
           </p:cNvSpPr>
@@ -1899,6 +4653,11 @@
         </p:txBody>
       </p:sp>
     </p:spTree>
+    <p:extLst>
+      <p:ext uri="{BB962C8B-B14F-4D97-AF65-F5344CB8AC3E}">
+        <p14:creationId xmlns:p14="http://schemas.microsoft.com/office/powerpoint/2010/main" val="1652363288"/>
+      </p:ext>
+    </p:extLst>
   </p:cSld>
   <p:clrMapOvr>
     <a:masterClrMapping/>
@@ -1935,46 +4694,46 @@
         </p:nvSpPr>
         <p:spPr>
           <a:xfrm>
-            <a:off x="914400" y="1825362"/>
-            <a:ext cx="2950936" cy="2173015"/>
+            <a:off x="1154953" y="1447800"/>
+            <a:ext cx="3401064" cy="1447800"/>
           </a:xfrm>
         </p:spPr>
         <p:txBody>
-          <a:bodyPr anchor="b">
+          <a:bodyPr anchor="b"/>
+          <a:lstStyle>
+            <a:lvl1pPr algn="l">
+              <a:defRPr sz="2400" b="0"/>
+            </a:lvl1pPr>
+          </a:lstStyle>
+          <a:p>
+            <a:r>
+              <a:rPr lang="de-DE" smtClean="0"/>
+              <a:t>Titelmasterformat durch Klicken bearbeiten</a:t>
+            </a:r>
+            <a:endParaRPr lang="en-US" dirty="0"/>
+          </a:p>
+        </p:txBody>
+      </p:sp>
+      <p:sp>
+        <p:nvSpPr>
+          <p:cNvPr id="3" name="Content Placeholder 2"/>
+          <p:cNvSpPr>
+            <a:spLocks noGrp="1"/>
+          </p:cNvSpPr>
+          <p:nvPr>
+            <p:ph idx="1"/>
+          </p:nvPr>
+        </p:nvSpPr>
+        <p:spPr>
+          <a:xfrm>
+            <a:off x="4784616" y="1447800"/>
+            <a:ext cx="5195997" cy="4572000"/>
+          </a:xfrm>
+        </p:spPr>
+        <p:txBody>
+          <a:bodyPr anchor="ctr">
             <a:normAutofit/>
           </a:bodyPr>
-          <a:lstStyle>
-            <a:lvl1pPr algn="l">
-              <a:defRPr sz="2800" b="0"/>
-            </a:lvl1pPr>
-          </a:lstStyle>
-          <a:p>
-            <a:r>
-              <a:rPr lang="de-DE" smtClean="0"/>
-              <a:t>Titelmasterformat durch Klicken bearbeiten</a:t>
-            </a:r>
-            <a:endParaRPr lang="en-US" dirty="0"/>
-          </a:p>
-        </p:txBody>
-      </p:sp>
-      <p:sp>
-        <p:nvSpPr>
-          <p:cNvPr id="3" name="Content Placeholder 2"/>
-          <p:cNvSpPr>
-            <a:spLocks noGrp="1"/>
-          </p:cNvSpPr>
-          <p:nvPr>
-            <p:ph idx="1"/>
-          </p:nvPr>
-        </p:nvSpPr>
-        <p:spPr>
-          <a:xfrm>
-            <a:off x="4021752" y="1826709"/>
-            <a:ext cx="4207848" cy="4476614"/>
-          </a:xfrm>
-        </p:spPr>
-        <p:txBody>
-          <a:bodyPr anchor="ctr"/>
           <a:lstStyle>
             <a:lvl1pPr>
               <a:defRPr sz="2000"/>
@@ -1992,16 +4751,16 @@
               <a:defRPr sz="1400"/>
             </a:lvl5pPr>
             <a:lvl6pPr>
-              <a:defRPr sz="2000"/>
+              <a:defRPr sz="1400"/>
             </a:lvl6pPr>
             <a:lvl7pPr>
-              <a:defRPr sz="2000"/>
+              <a:defRPr sz="1400"/>
             </a:lvl7pPr>
             <a:lvl8pPr>
-              <a:defRPr sz="2000"/>
+              <a:defRPr sz="1400"/>
             </a:lvl8pPr>
             <a:lvl9pPr>
-              <a:defRPr sz="2000"/>
+              <a:defRPr sz="1400"/>
             </a:lvl9pPr>
           </a:lstStyle>
           <a:p>
@@ -2054,8 +4813,8 @@
         </p:nvSpPr>
         <p:spPr>
           <a:xfrm>
-            <a:off x="914400" y="4061095"/>
-            <a:ext cx="2950936" cy="2245387"/>
+            <a:off x="1154953" y="3129280"/>
+            <a:ext cx="3401063" cy="2895599"/>
           </a:xfrm>
         </p:spPr>
         <p:txBody>
@@ -2109,7 +4868,7 @@
       </p:sp>
       <p:sp>
         <p:nvSpPr>
-          <p:cNvPr id="5" name="Date Placeholder 4"/>
+          <p:cNvPr id="7" name="Date Placeholder 4"/>
           <p:cNvSpPr>
             <a:spLocks noGrp="1"/>
           </p:cNvSpPr>
@@ -2124,7 +4883,7 @@
           <a:p>
             <a:fld id="{1BA50D42-C9CD-4801-B293-61D1F53EC57E}" type="datetimeFigureOut">
               <a:rPr lang="de-DE" smtClean="0"/>
-              <a:t>03.04.2014</a:t>
+              <a:t>04.04.2014</a:t>
             </a:fld>
             <a:endParaRPr lang="de-DE"/>
           </a:p>
@@ -2132,7 +4891,7 @@
       </p:sp>
       <p:sp>
         <p:nvSpPr>
-          <p:cNvPr id="6" name="Footer Placeholder 5"/>
+          <p:cNvPr id="5" name="Footer Placeholder 5"/>
           <p:cNvSpPr>
             <a:spLocks noGrp="1"/>
           </p:cNvSpPr>
@@ -2151,7 +4910,7 @@
       </p:sp>
       <p:sp>
         <p:nvSpPr>
-          <p:cNvPr id="7" name="Slide Number Placeholder 6"/>
+          <p:cNvPr id="6" name="Slide Number Placeholder 6"/>
           <p:cNvSpPr>
             <a:spLocks noGrp="1"/>
           </p:cNvSpPr>
@@ -2173,6 +4932,11 @@
         </p:txBody>
       </p:sp>
     </p:spTree>
+    <p:extLst>
+      <p:ext uri="{BB962C8B-B14F-4D97-AF65-F5344CB8AC3E}">
+        <p14:creationId xmlns:p14="http://schemas.microsoft.com/office/powerpoint/2010/main" val="3399880947"/>
+      </p:ext>
+    </p:extLst>
   </p:cSld>
   <p:clrMapOvr>
     <a:masterClrMapping/>
@@ -2209,8 +4973,8 @@
         </p:nvSpPr>
         <p:spPr>
           <a:xfrm>
-            <a:off x="914400" y="1828800"/>
-            <a:ext cx="2953512" cy="2176272"/>
+            <a:off x="1153907" y="1854192"/>
+            <a:ext cx="5092906" cy="1574808"/>
           </a:xfrm>
         </p:spPr>
         <p:txBody>
@@ -2219,7 +4983,7 @@
           </a:bodyPr>
           <a:lstStyle>
             <a:lvl1pPr algn="l">
-              <a:defRPr sz="2800" b="0"/>
+              <a:defRPr sz="3600" b="0"/>
             </a:lvl1pPr>
           </a:lstStyle>
           <a:p>
@@ -2235,7 +4999,7 @@
         <p:nvSpPr>
           <p:cNvPr id="3" name="Picture Placeholder 2"/>
           <p:cNvSpPr>
-            <a:spLocks noGrp="1"/>
+            <a:spLocks noGrp="1" noChangeAspect="1"/>
           </p:cNvSpPr>
           <p:nvPr>
             <p:ph type="pic" idx="1"/>
@@ -2243,66 +5007,62 @@
         </p:nvSpPr>
         <p:spPr>
           <a:xfrm>
-            <a:off x="4191000" y="2286000"/>
-            <a:ext cx="4038600" cy="3352800"/>
+            <a:off x="6949546" y="1143000"/>
+            <a:ext cx="3200400" cy="4572000"/>
           </a:xfrm>
-          <a:solidFill>
-            <a:schemeClr val="accent2"/>
-          </a:solidFill>
-          <a:ln w="12700">
-            <a:noFill/>
-          </a:ln>
+          <a:prstGeom prst="roundRect">
+            <a:avLst>
+              <a:gd name="adj" fmla="val 1858"/>
+            </a:avLst>
+          </a:prstGeom>
           <a:effectLst>
-            <a:reflection blurRad="12700" stA="30000" endPos="30000" dist="31750" dir="5400000" sy="-100000" algn="bl" rotWithShape="0"/>
+            <a:outerShdw blurRad="50800" dist="50800" dir="5400000" algn="tl" rotWithShape="0">
+              <a:srgbClr val="000000">
+                <a:alpha val="43000"/>
+              </a:srgbClr>
+            </a:outerShdw>
           </a:effectLst>
-          <a:scene3d>
-            <a:camera prst="perspectiveRight" fov="2700000">
-              <a:rot lat="240000" lon="900000" rev="0"/>
-            </a:camera>
-            <a:lightRig rig="threePt" dir="t">
-              <a:rot lat="0" lon="0" rev="2700000"/>
-            </a:lightRig>
-          </a:scene3d>
-          <a:sp3d/>
         </p:spPr>
         <p:txBody>
-          <a:bodyPr/>
+          <a:bodyPr anchor="t">
+            <a:normAutofit/>
+          </a:bodyPr>
           <a:lstStyle>
-            <a:lvl1pPr marL="0" indent="0">
-              <a:buNone/>
-              <a:defRPr sz="3200"/>
+            <a:lvl1pPr marL="0" indent="0" algn="ctr">
+              <a:buNone/>
+              <a:defRPr sz="1600"/>
             </a:lvl1pPr>
             <a:lvl2pPr marL="457200" indent="0">
               <a:buNone/>
-              <a:defRPr sz="2800"/>
+              <a:defRPr sz="1600"/>
             </a:lvl2pPr>
             <a:lvl3pPr marL="914400" indent="0">
               <a:buNone/>
-              <a:defRPr sz="2400"/>
+              <a:defRPr sz="1600"/>
             </a:lvl3pPr>
             <a:lvl4pPr marL="1371600" indent="0">
               <a:buNone/>
-              <a:defRPr sz="2000"/>
+              <a:defRPr sz="1600"/>
             </a:lvl4pPr>
             <a:lvl5pPr marL="1828800" indent="0">
               <a:buNone/>
-              <a:defRPr sz="2000"/>
+              <a:defRPr sz="1600"/>
             </a:lvl5pPr>
             <a:lvl6pPr marL="2286000" indent="0">
               <a:buNone/>
-              <a:defRPr sz="2000"/>
+              <a:defRPr sz="1600"/>
             </a:lvl6pPr>
             <a:lvl7pPr marL="2743200" indent="0">
               <a:buNone/>
-              <a:defRPr sz="2000"/>
+              <a:defRPr sz="1600"/>
             </a:lvl7pPr>
             <a:lvl8pPr marL="3200400" indent="0">
               <a:buNone/>
-              <a:defRPr sz="2000"/>
+              <a:defRPr sz="1600"/>
             </a:lvl8pPr>
             <a:lvl9pPr marL="3657600" indent="0">
               <a:buNone/>
-              <a:defRPr sz="2000"/>
+              <a:defRPr sz="1600"/>
             </a:lvl9pPr>
           </a:lstStyle>
           <a:p>
@@ -2326,12 +5086,14 @@
         </p:nvSpPr>
         <p:spPr>
           <a:xfrm>
-            <a:off x="914400" y="4059936"/>
-            <a:ext cx="2953512" cy="2249424"/>
+            <a:off x="1154954" y="3657600"/>
+            <a:ext cx="5084979" cy="1371600"/>
           </a:xfrm>
         </p:spPr>
         <p:txBody>
-          <a:bodyPr/>
+          <a:bodyPr>
+            <a:normAutofit/>
+          </a:bodyPr>
           <a:lstStyle>
             <a:lvl1pPr marL="0" indent="0">
               <a:buNone/>
@@ -2396,7 +5158,7 @@
           <a:p>
             <a:fld id="{1BA50D42-C9CD-4801-B293-61D1F53EC57E}" type="datetimeFigureOut">
               <a:rPr lang="de-DE" smtClean="0"/>
-              <a:t>03.04.2014</a:t>
+              <a:t>04.04.2014</a:t>
             </a:fld>
             <a:endParaRPr lang="de-DE"/>
           </a:p>
@@ -2445,6 +5207,11 @@
         </p:txBody>
       </p:sp>
     </p:spTree>
+    <p:extLst>
+      <p:ext uri="{BB962C8B-B14F-4D97-AF65-F5344CB8AC3E}">
+        <p14:creationId xmlns:p14="http://schemas.microsoft.com/office/powerpoint/2010/main" val="180046199"/>
+      </p:ext>
+    </p:extLst>
   </p:cSld>
   <p:clrMapOvr>
     <a:masterClrMapping/>
@@ -2456,7 +5223,7 @@
 <p:sldMaster xmlns:a="http://schemas.openxmlformats.org/drawingml/2006/main" xmlns:r="http://schemas.openxmlformats.org/officeDocument/2006/relationships" xmlns:p="http://schemas.openxmlformats.org/presentationml/2006/main">
   <p:cSld>
     <p:bg>
-      <p:bgRef idx="1002">
+      <p:bgRef idx="1003">
         <a:schemeClr val="bg2"/>
       </p:bgRef>
     </p:bg>
@@ -2474,120 +5241,243 @@
           <a:chExt cx="0" cy="0"/>
         </a:xfrm>
       </p:grpSpPr>
-      <p:sp>
-        <p:nvSpPr>
-          <p:cNvPr id="10" name="Rectangle 9"/>
+      <p:pic>
+        <p:nvPicPr>
+          <p:cNvPr id="8" name="Picture 7"/>
+          <p:cNvPicPr>
+            <a:picLocks noChangeAspect="1"/>
+          </p:cNvPicPr>
+          <p:nvPr/>
+        </p:nvPicPr>
+        <p:blipFill rotWithShape="1">
+          <a:blip r:embed="rId19">
+            <a:extLst>
+              <a:ext uri="{28A0092B-C50C-407E-A947-70E740481C1C}">
+                <a14:useLocalDpi xmlns:a14="http://schemas.microsoft.com/office/drawing/2010/main" val="0"/>
+              </a:ext>
+            </a:extLst>
+          </a:blip>
+          <a:srcRect l="3613"/>
+          <a:stretch/>
+        </p:blipFill>
+        <p:spPr>
+          <a:xfrm>
+            <a:off x="0" y="2669685"/>
+            <a:ext cx="4037012" cy="4188315"/>
+          </a:xfrm>
+          <a:prstGeom prst="rect">
+            <a:avLst/>
+          </a:prstGeom>
+        </p:spPr>
+      </p:pic>
+      <p:pic>
+        <p:nvPicPr>
+          <p:cNvPr id="7" name="Picture 6"/>
+          <p:cNvPicPr>
+            <a:picLocks noChangeAspect="1"/>
+          </p:cNvPicPr>
+          <p:nvPr/>
+        </p:nvPicPr>
+        <p:blipFill rotWithShape="1">
+          <a:blip r:embed="rId20">
+            <a:extLst>
+              <a:ext uri="{28A0092B-C50C-407E-A947-70E740481C1C}">
+                <a14:useLocalDpi xmlns:a14="http://schemas.microsoft.com/office/drawing/2010/main" val="0"/>
+              </a:ext>
+            </a:extLst>
+          </a:blip>
+          <a:srcRect l="35640"/>
+          <a:stretch/>
+        </p:blipFill>
+        <p:spPr>
+          <a:xfrm>
+            <a:off x="0" y="2892347"/>
+            <a:ext cx="1522412" cy="2365453"/>
+          </a:xfrm>
+          <a:prstGeom prst="rect">
+            <a:avLst/>
+          </a:prstGeom>
+        </p:spPr>
+      </p:pic>
+      <p:sp>
+        <p:nvSpPr>
+          <p:cNvPr id="16" name="Oval 15"/>
           <p:cNvSpPr/>
           <p:nvPr/>
         </p:nvSpPr>
         <p:spPr>
           <a:xfrm>
-            <a:off x="8435268" y="573807"/>
-            <a:ext cx="86236" cy="572316"/>
+            <a:off x="8609012" y="1676400"/>
+            <a:ext cx="2819400" cy="2819400"/>
+          </a:xfrm>
+          <a:prstGeom prst="ellipse">
+            <a:avLst/>
+          </a:prstGeom>
+          <a:gradFill flip="none" rotWithShape="1">
+            <a:gsLst>
+              <a:gs pos="0">
+                <a:schemeClr val="bg2">
+                  <a:lumMod val="60000"/>
+                  <a:lumOff val="40000"/>
+                  <a:alpha val="7000"/>
+                </a:schemeClr>
+              </a:gs>
+              <a:gs pos="69000">
+                <a:schemeClr val="bg2">
+                  <a:lumMod val="60000"/>
+                  <a:lumOff val="40000"/>
+                  <a:alpha val="0"/>
+                </a:schemeClr>
+              </a:gs>
+              <a:gs pos="36000">
+                <a:schemeClr val="bg2">
+                  <a:lumMod val="60000"/>
+                  <a:lumOff val="40000"/>
+                  <a:alpha val="6000"/>
+                </a:schemeClr>
+              </a:gs>
+            </a:gsLst>
+            <a:path path="circle">
+              <a:fillToRect l="50000" t="50000" r="50000" b="50000"/>
+            </a:path>
+            <a:tileRect/>
+          </a:gradFill>
+          <a:ln>
+            <a:noFill/>
+          </a:ln>
+          <a:effectLst/>
+        </p:spPr>
+        <p:style>
+          <a:lnRef idx="1">
+            <a:schemeClr val="accent1"/>
+          </a:lnRef>
+          <a:fillRef idx="3">
+            <a:schemeClr val="accent1"/>
+          </a:fillRef>
+          <a:effectRef idx="2">
+            <a:schemeClr val="accent1"/>
+          </a:effectRef>
+          <a:fontRef idx="minor">
+            <a:schemeClr val="lt1"/>
+          </a:fontRef>
+        </p:style>
+      </p:sp>
+      <p:pic>
+        <p:nvPicPr>
+          <p:cNvPr id="9" name="Picture 8"/>
+          <p:cNvPicPr>
+            <a:picLocks noChangeAspect="1"/>
+          </p:cNvPicPr>
+          <p:nvPr/>
+        </p:nvPicPr>
+        <p:blipFill rotWithShape="1">
+          <a:blip r:embed="rId21">
+            <a:extLst>
+              <a:ext uri="{28A0092B-C50C-407E-A947-70E740481C1C}">
+                <a14:useLocalDpi xmlns:a14="http://schemas.microsoft.com/office/drawing/2010/main" val="0"/>
+              </a:ext>
+            </a:extLst>
+          </a:blip>
+          <a:srcRect t="28813"/>
+          <a:stretch/>
+        </p:blipFill>
+        <p:spPr>
+          <a:xfrm>
+            <a:off x="7999412" y="0"/>
+            <a:ext cx="1603387" cy="1141407"/>
+          </a:xfrm>
+          <a:prstGeom prst="rect">
+            <a:avLst/>
+          </a:prstGeom>
+        </p:spPr>
+      </p:pic>
+      <p:pic>
+        <p:nvPicPr>
+          <p:cNvPr id="10" name="Picture 9"/>
+          <p:cNvPicPr>
+            <a:picLocks noChangeAspect="1"/>
+          </p:cNvPicPr>
+          <p:nvPr/>
+        </p:nvPicPr>
+        <p:blipFill rotWithShape="1">
+          <a:blip r:embed="rId22">
+            <a:extLst>
+              <a:ext uri="{28A0092B-C50C-407E-A947-70E740481C1C}">
+                <a14:useLocalDpi xmlns:a14="http://schemas.microsoft.com/office/drawing/2010/main" val="0"/>
+              </a:ext>
+            </a:extLst>
+          </a:blip>
+          <a:srcRect b="23320"/>
+          <a:stretch/>
+        </p:blipFill>
+        <p:spPr>
+          <a:xfrm>
+            <a:off x="8605878" y="6096000"/>
+            <a:ext cx="993734" cy="762000"/>
+          </a:xfrm>
+          <a:prstGeom prst="rect">
+            <a:avLst/>
+          </a:prstGeom>
+        </p:spPr>
+      </p:pic>
+      <p:sp>
+        <p:nvSpPr>
+          <p:cNvPr id="14" name="Rectangle 13"/>
+          <p:cNvSpPr/>
+          <p:nvPr/>
+        </p:nvSpPr>
+        <p:spPr>
+          <a:xfrm>
+            <a:off x="10437812" y="0"/>
+            <a:ext cx="685800" cy="1143000"/>
           </a:xfrm>
           <a:prstGeom prst="rect">
             <a:avLst/>
           </a:prstGeom>
           <a:solidFill>
-            <a:schemeClr val="tx2"/>
+            <a:schemeClr val="accent1"/>
           </a:solidFill>
           <a:ln>
             <a:noFill/>
           </a:ln>
         </p:spPr>
         <p:style>
-          <a:lnRef idx="2">
-            <a:schemeClr val="accent1">
-              <a:shade val="50000"/>
-            </a:schemeClr>
+          <a:lnRef idx="1">
+            <a:schemeClr val="accent1"/>
           </a:lnRef>
-          <a:fillRef idx="1">
+          <a:fillRef idx="3">
             <a:schemeClr val="accent1"/>
           </a:fillRef>
-          <a:effectRef idx="0">
+          <a:effectRef idx="2">
             <a:schemeClr val="accent1"/>
           </a:effectRef>
           <a:fontRef idx="minor">
             <a:schemeClr val="lt1"/>
           </a:fontRef>
         </p:style>
-        <p:txBody>
-          <a:bodyPr rtlCol="0" anchor="ctr"/>
-          <a:lstStyle/>
-          <a:p>
-            <a:pPr algn="ctr"/>
-            <a:endParaRPr lang="en-US"/>
-          </a:p>
-        </p:txBody>
-      </p:sp>
-      <p:sp>
-        <p:nvSpPr>
-          <p:cNvPr id="11" name="Rectangle 10"/>
-          <p:cNvSpPr/>
-          <p:nvPr/>
+      </p:sp>
+      <p:sp>
+        <p:nvSpPr>
+          <p:cNvPr id="2" name="Title Placeholder 1"/>
+          <p:cNvSpPr>
+            <a:spLocks noGrp="1"/>
+          </p:cNvSpPr>
+          <p:nvPr>
+            <p:ph type="title"/>
+          </p:nvPr>
         </p:nvSpPr>
         <p:spPr>
           <a:xfrm>
-            <a:off x="8569419" y="573807"/>
-            <a:ext cx="576072" cy="572316"/>
-          </a:xfrm>
-          <a:prstGeom prst="rect">
-            <a:avLst/>
-          </a:prstGeom>
-          <a:solidFill>
-            <a:schemeClr val="tx2"/>
-          </a:solidFill>
-          <a:ln>
-            <a:noFill/>
-          </a:ln>
-        </p:spPr>
-        <p:style>
-          <a:lnRef idx="2">
-            <a:schemeClr val="accent1">
-              <a:shade val="50000"/>
-            </a:schemeClr>
-          </a:lnRef>
-          <a:fillRef idx="1">
-            <a:schemeClr val="accent1"/>
-          </a:fillRef>
-          <a:effectRef idx="0">
-            <a:schemeClr val="accent1"/>
-          </a:effectRef>
-          <a:fontRef idx="minor">
-            <a:schemeClr val="lt1"/>
-          </a:fontRef>
-        </p:style>
-        <p:txBody>
-          <a:bodyPr rtlCol="0" anchor="ctr"/>
-          <a:lstStyle/>
-          <a:p>
-            <a:pPr algn="ctr"/>
-            <a:endParaRPr lang="en-US"/>
-          </a:p>
-        </p:txBody>
-      </p:sp>
-      <p:sp>
-        <p:nvSpPr>
-          <p:cNvPr id="2" name="Title Placeholder 1"/>
-          <p:cNvSpPr>
-            <a:spLocks noGrp="1"/>
-          </p:cNvSpPr>
-          <p:nvPr>
-            <p:ph type="title"/>
-          </p:nvPr>
-        </p:nvSpPr>
-        <p:spPr>
-          <a:xfrm>
-            <a:off x="914400" y="1544715"/>
-            <a:ext cx="7315200" cy="1154097"/>
+            <a:off x="646111" y="452718"/>
+            <a:ext cx="9404723" cy="1400530"/>
           </a:xfrm>
           <a:prstGeom prst="rect">
             <a:avLst/>
           </a:prstGeom>
         </p:spPr>
         <p:txBody>
-          <a:bodyPr vert="horz" lIns="91440" tIns="45720" rIns="91440" bIns="45720" rtlCol="0" anchor="b">
-            <a:normAutofit/>
+          <a:bodyPr vert="horz" lIns="91440" tIns="45720" rIns="91440" bIns="45720" rtlCol="0" anchor="t">
+            <a:noAutofit/>
           </a:bodyPr>
           <a:lstStyle/>
           <a:p>
@@ -2611,8 +5501,8 @@
         </p:nvSpPr>
         <p:spPr>
           <a:xfrm>
-            <a:off x="914400" y="2769833"/>
-            <a:ext cx="7315200" cy="3539527"/>
+            <a:off x="1103312" y="2052918"/>
+            <a:ext cx="8946541" cy="4195481"/>
           </a:xfrm>
           <a:prstGeom prst="rect">
             <a:avLst/>
@@ -2657,7 +5547,7 @@
               <a:rPr lang="de-DE" smtClean="0"/>
               <a:t>Fünfte Ebene</a:t>
             </a:r>
-            <a:endParaRPr lang="en-US" dirty="0" smtClean="0"/>
+            <a:endParaRPr lang="en-US" dirty="0"/>
           </a:p>
         </p:txBody>
       </p:sp>
@@ -2672,22 +5562,23 @@
           </p:nvPr>
         </p:nvSpPr>
         <p:spPr>
-          <a:xfrm>
-            <a:off x="6007690" y="548797"/>
-            <a:ext cx="1189132" cy="297918"/>
+          <a:xfrm rot="5400000">
+            <a:off x="10155639" y="1790701"/>
+            <a:ext cx="990599" cy="304799"/>
           </a:xfrm>
           <a:prstGeom prst="rect">
             <a:avLst/>
           </a:prstGeom>
         </p:spPr>
         <p:txBody>
-          <a:bodyPr vert="horz" lIns="91440" tIns="45720" rIns="91440" bIns="45720" rtlCol="0" anchor="ctr"/>
+          <a:bodyPr vert="horz" lIns="91440" tIns="45720" rIns="91440" bIns="45720" rtlCol="0" anchor="t"/>
           <a:lstStyle>
             <a:lvl1pPr algn="l">
-              <a:defRPr sz="1200">
+              <a:defRPr sz="1100" b="0" i="0">
                 <a:solidFill>
                   <a:schemeClr val="tx1">
-                    <a:alpha val="50000"/>
+                    <a:tint val="75000"/>
+                    <a:alpha val="60000"/>
                   </a:schemeClr>
                 </a:solidFill>
               </a:defRPr>
@@ -2696,7 +5587,7 @@
           <a:p>
             <a:fld id="{1BA50D42-C9CD-4801-B293-61D1F53EC57E}" type="datetimeFigureOut">
               <a:rPr lang="de-DE" smtClean="0"/>
-              <a:t>03.04.2014</a:t>
+              <a:t>04.04.2014</a:t>
             </a:fld>
             <a:endParaRPr lang="de-DE"/>
           </a:p>
@@ -2704,102 +5595,118 @@
       </p:sp>
       <p:sp>
         <p:nvSpPr>
-          <p:cNvPr id="6" name="Slide Number Placeholder 5"/>
-          <p:cNvSpPr>
-            <a:spLocks noGrp="1"/>
-          </p:cNvSpPr>
-          <p:nvPr>
-            <p:ph type="sldNum" sz="quarter" idx="4"/>
+          <p:cNvPr id="5" name="Footer Placeholder 4"/>
+          <p:cNvSpPr>
+            <a:spLocks noGrp="1"/>
+          </p:cNvSpPr>
+          <p:nvPr>
+            <p:ph type="ftr" sz="quarter" idx="3"/>
           </p:nvPr>
         </p:nvSpPr>
         <p:spPr>
-          <a:xfrm>
-            <a:off x="7314415" y="548797"/>
-            <a:ext cx="941203" cy="301752"/>
+          <a:xfrm rot="5400000">
+            <a:off x="8951573" y="3225297"/>
+            <a:ext cx="3859795" cy="304801"/>
           </a:xfrm>
           <a:prstGeom prst="rect">
             <a:avLst/>
           </a:prstGeom>
         </p:spPr>
         <p:txBody>
-          <a:bodyPr vert="horz" lIns="91440" tIns="45720" rIns="91440" bIns="45720" rtlCol="0" anchor="ctr"/>
+          <a:bodyPr vert="horz" lIns="91440" tIns="45720" rIns="91440" bIns="45720" rtlCol="0" anchor="b"/>
           <a:lstStyle>
-            <a:lvl1pPr algn="r">
-              <a:defRPr sz="1200">
+            <a:lvl1pPr algn="l">
+              <a:defRPr sz="1100" b="0" i="0">
                 <a:solidFill>
-                  <a:schemeClr val="tx1"/>
+                  <a:schemeClr val="tx1">
+                    <a:tint val="75000"/>
+                    <a:alpha val="60000"/>
+                  </a:schemeClr>
                 </a:solidFill>
               </a:defRPr>
             </a:lvl1pPr>
           </a:lstStyle>
           <a:p>
-            <a:fld id="{6C6AE60A-B69C-4790-82F7-3882EDF23186}" type="slidenum">
-              <a:rPr lang="de-DE" smtClean="0"/>
-              <a:t>‹Nr.›</a:t>
-            </a:fld>
             <a:endParaRPr lang="de-DE"/>
           </a:p>
         </p:txBody>
       </p:sp>
       <p:sp>
         <p:nvSpPr>
-          <p:cNvPr id="5" name="Footer Placeholder 4"/>
-          <p:cNvSpPr>
-            <a:spLocks noGrp="1"/>
-          </p:cNvSpPr>
-          <p:nvPr>
-            <p:ph type="ftr" sz="quarter" idx="3"/>
-          </p:nvPr>
-        </p:nvSpPr>
-        <p:spPr>
+          <p:cNvPr id="6" name="Slide Number Placeholder 5"/>
+          <p:cNvSpPr>
+            <a:spLocks noGrp="1"/>
+          </p:cNvSpPr>
+          <p:nvPr>
+            <p:ph type="sldNum" sz="quarter" idx="4"/>
+          </p:nvPr>
+        </p:nvSpPr>
+        <p:spPr bwMode="gray">
           <a:xfrm>
-            <a:off x="6008688" y="855956"/>
-            <a:ext cx="2246489" cy="301227"/>
+            <a:off x="10352540" y="295729"/>
+            <a:ext cx="838199" cy="767687"/>
           </a:xfrm>
           <a:prstGeom prst="rect">
             <a:avLst/>
           </a:prstGeom>
         </p:spPr>
         <p:txBody>
-          <a:bodyPr vert="horz" lIns="91440" tIns="0" rIns="91440" bIns="45720" rtlCol="0" anchor="t"/>
+          <a:bodyPr vert="horz" lIns="91440" tIns="45720" rIns="91440" bIns="45720" rtlCol="0" anchor="b"/>
           <a:lstStyle>
-            <a:lvl1pPr algn="l">
-              <a:defRPr sz="1000">
+            <a:lvl1pPr algn="ctr">
+              <a:defRPr sz="2800" b="0" i="0">
                 <a:solidFill>
-                  <a:schemeClr val="tx1"/>
+                  <a:schemeClr val="tx1">
+                    <a:tint val="75000"/>
+                  </a:schemeClr>
                 </a:solidFill>
               </a:defRPr>
             </a:lvl1pPr>
           </a:lstStyle>
           <a:p>
+            <a:fld id="{6C6AE60A-B69C-4790-82F7-3882EDF23186}" type="slidenum">
+              <a:rPr lang="de-DE" smtClean="0"/>
+              <a:t>‹Nr.›</a:t>
+            </a:fld>
             <a:endParaRPr lang="de-DE"/>
           </a:p>
         </p:txBody>
       </p:sp>
     </p:spTree>
+    <p:extLst>
+      <p:ext uri="{BB962C8B-B14F-4D97-AF65-F5344CB8AC3E}">
+        <p14:creationId xmlns:p14="http://schemas.microsoft.com/office/powerpoint/2010/main" val="3653921492"/>
+      </p:ext>
+    </p:extLst>
   </p:cSld>
   <p:clrMap bg1="dk1" tx1="lt1" bg2="dk2" tx2="lt2" accent1="accent1" accent2="accent2" accent3="accent3" accent4="accent4" accent5="accent5" accent6="accent6" hlink="hlink" folHlink="folHlink"/>
   <p:sldLayoutIdLst>
-    <p:sldLayoutId id="2147483661" r:id="rId1"/>
-    <p:sldLayoutId id="2147483662" r:id="rId2"/>
-    <p:sldLayoutId id="2147483663" r:id="rId3"/>
-    <p:sldLayoutId id="2147483664" r:id="rId4"/>
-    <p:sldLayoutId id="2147483665" r:id="rId5"/>
-    <p:sldLayoutId id="2147483666" r:id="rId6"/>
-    <p:sldLayoutId id="2147483667" r:id="rId7"/>
-    <p:sldLayoutId id="2147483668" r:id="rId8"/>
-    <p:sldLayoutId id="2147483669" r:id="rId9"/>
-    <p:sldLayoutId id="2147483670" r:id="rId10"/>
-    <p:sldLayoutId id="2147483671" r:id="rId11"/>
+    <p:sldLayoutId id="2147483691" r:id="rId1"/>
+    <p:sldLayoutId id="2147483692" r:id="rId2"/>
+    <p:sldLayoutId id="2147483693" r:id="rId3"/>
+    <p:sldLayoutId id="2147483694" r:id="rId4"/>
+    <p:sldLayoutId id="2147483695" r:id="rId5"/>
+    <p:sldLayoutId id="2147483696" r:id="rId6"/>
+    <p:sldLayoutId id="2147483697" r:id="rId7"/>
+    <p:sldLayoutId id="2147483698" r:id="rId8"/>
+    <p:sldLayoutId id="2147483699" r:id="rId9"/>
+    <p:sldLayoutId id="2147483700" r:id="rId10"/>
+    <p:sldLayoutId id="2147483701" r:id="rId11"/>
+    <p:sldLayoutId id="2147483702" r:id="rId12"/>
+    <p:sldLayoutId id="2147483703" r:id="rId13"/>
+    <p:sldLayoutId id="2147483704" r:id="rId14"/>
+    <p:sldLayoutId id="2147483705" r:id="rId15"/>
+    <p:sldLayoutId id="2147483706" r:id="rId16"/>
+    <p:sldLayoutId id="2147483707" r:id="rId17"/>
   </p:sldLayoutIdLst>
   <p:txStyles>
     <p:titleStyle>
-      <a:lvl1pPr algn="l" defTabSz="914400" rtl="0" eaLnBrk="1" latinLnBrk="0" hangingPunct="1">
+      <a:lvl1pPr algn="l" defTabSz="457200" rtl="0" eaLnBrk="1" latinLnBrk="0" hangingPunct="1">
         <a:spcBef>
           <a:spcPct val="0"/>
         </a:spcBef>
         <a:buNone/>
-        <a:defRPr sz="4000" kern="1200">
+        <a:defRPr sz="4200" b="0" i="0" kern="1200">
           <a:solidFill>
             <a:schemeClr val="tx2"/>
           </a:solidFill>
@@ -2866,16 +5773,238 @@
       </a:lvl9pPr>
     </p:titleStyle>
     <p:bodyStyle>
-      <a:lvl1pPr marL="228600" indent="-182880" algn="l" defTabSz="914400" rtl="0" eaLnBrk="1" latinLnBrk="0" hangingPunct="1">
+      <a:lvl1pPr marL="342900" indent="-342900" algn="l" defTabSz="457200" rtl="0" eaLnBrk="1" latinLnBrk="0" hangingPunct="1">
         <a:spcBef>
-          <a:spcPct val="20000"/>
+          <a:spcPts val="1000"/>
         </a:spcBef>
+        <a:spcAft>
+          <a:spcPts val="0"/>
+        </a:spcAft>
         <a:buClr>
-          <a:schemeClr val="tx2"/>
+          <a:schemeClr val="bg2">
+            <a:lumMod val="40000"/>
+            <a:lumOff val="60000"/>
+          </a:schemeClr>
         </a:buClr>
-        <a:buFont typeface="Wingdings" charset="2"/>
-        <a:buChar char="§"/>
-        <a:defRPr sz="2000" kern="1200">
+        <a:buSzPct val="80000"/>
+        <a:buFont typeface="Wingdings 3" charset="2"/>
+        <a:buChar char=""/>
+        <a:defRPr sz="2000" b="0" i="0" kern="1200">
+          <a:solidFill>
+            <a:schemeClr val="tx1"/>
+          </a:solidFill>
+          <a:latin typeface="+mj-lt"/>
+          <a:ea typeface="+mj-ea"/>
+          <a:cs typeface="+mj-cs"/>
+        </a:defRPr>
+      </a:lvl1pPr>
+      <a:lvl2pPr marL="742950" indent="-285750" algn="l" defTabSz="457200" rtl="0" eaLnBrk="1" latinLnBrk="0" hangingPunct="1">
+        <a:spcBef>
+          <a:spcPts val="1000"/>
+        </a:spcBef>
+        <a:spcAft>
+          <a:spcPts val="0"/>
+        </a:spcAft>
+        <a:buClr>
+          <a:schemeClr val="bg2">
+            <a:lumMod val="40000"/>
+            <a:lumOff val="60000"/>
+          </a:schemeClr>
+        </a:buClr>
+        <a:buSzPct val="80000"/>
+        <a:buFont typeface="Wingdings 3" charset="2"/>
+        <a:buChar char=""/>
+        <a:defRPr sz="1800" b="0" i="0" kern="1200">
+          <a:solidFill>
+            <a:schemeClr val="tx1"/>
+          </a:solidFill>
+          <a:latin typeface="+mj-lt"/>
+          <a:ea typeface="+mj-ea"/>
+          <a:cs typeface="+mj-cs"/>
+        </a:defRPr>
+      </a:lvl2pPr>
+      <a:lvl3pPr marL="1143000" indent="-228600" algn="l" defTabSz="457200" rtl="0" eaLnBrk="1" latinLnBrk="0" hangingPunct="1">
+        <a:spcBef>
+          <a:spcPts val="1000"/>
+        </a:spcBef>
+        <a:spcAft>
+          <a:spcPts val="0"/>
+        </a:spcAft>
+        <a:buClr>
+          <a:schemeClr val="bg2">
+            <a:lumMod val="40000"/>
+            <a:lumOff val="60000"/>
+          </a:schemeClr>
+        </a:buClr>
+        <a:buSzPct val="80000"/>
+        <a:buFont typeface="Wingdings 3" charset="2"/>
+        <a:buChar char=""/>
+        <a:defRPr sz="1600" b="0" i="0" kern="1200">
+          <a:solidFill>
+            <a:schemeClr val="tx1"/>
+          </a:solidFill>
+          <a:latin typeface="+mj-lt"/>
+          <a:ea typeface="+mj-ea"/>
+          <a:cs typeface="+mj-cs"/>
+        </a:defRPr>
+      </a:lvl3pPr>
+      <a:lvl4pPr marL="1600200" indent="-228600" algn="l" defTabSz="457200" rtl="0" eaLnBrk="1" latinLnBrk="0" hangingPunct="1">
+        <a:spcBef>
+          <a:spcPts val="1000"/>
+        </a:spcBef>
+        <a:spcAft>
+          <a:spcPts val="0"/>
+        </a:spcAft>
+        <a:buClr>
+          <a:schemeClr val="bg2">
+            <a:lumMod val="40000"/>
+            <a:lumOff val="60000"/>
+          </a:schemeClr>
+        </a:buClr>
+        <a:buSzPct val="80000"/>
+        <a:buFont typeface="Wingdings 3" charset="2"/>
+        <a:buChar char=""/>
+        <a:defRPr sz="1400" b="0" i="0" kern="1200">
+          <a:solidFill>
+            <a:schemeClr val="tx1"/>
+          </a:solidFill>
+          <a:latin typeface="+mj-lt"/>
+          <a:ea typeface="+mj-ea"/>
+          <a:cs typeface="+mj-cs"/>
+        </a:defRPr>
+      </a:lvl4pPr>
+      <a:lvl5pPr marL="2057400" indent="-228600" algn="l" defTabSz="457200" rtl="0" eaLnBrk="1" latinLnBrk="0" hangingPunct="1">
+        <a:spcBef>
+          <a:spcPts val="1000"/>
+        </a:spcBef>
+        <a:spcAft>
+          <a:spcPts val="0"/>
+        </a:spcAft>
+        <a:buClr>
+          <a:schemeClr val="bg2">
+            <a:lumMod val="40000"/>
+            <a:lumOff val="60000"/>
+          </a:schemeClr>
+        </a:buClr>
+        <a:buSzPct val="80000"/>
+        <a:buFont typeface="Wingdings 3" charset="2"/>
+        <a:buChar char=""/>
+        <a:defRPr sz="1400" b="0" i="0" kern="1200">
+          <a:solidFill>
+            <a:schemeClr val="tx1"/>
+          </a:solidFill>
+          <a:latin typeface="+mj-lt"/>
+          <a:ea typeface="+mj-ea"/>
+          <a:cs typeface="+mj-cs"/>
+        </a:defRPr>
+      </a:lvl5pPr>
+      <a:lvl6pPr marL="2506000" indent="-228600" algn="l" defTabSz="457200" rtl="0" eaLnBrk="1" latinLnBrk="0" hangingPunct="1">
+        <a:spcBef>
+          <a:spcPts val="1000"/>
+        </a:spcBef>
+        <a:spcAft>
+          <a:spcPts val="0"/>
+        </a:spcAft>
+        <a:buClr>
+          <a:schemeClr val="bg2">
+            <a:lumMod val="40000"/>
+            <a:lumOff val="60000"/>
+          </a:schemeClr>
+        </a:buClr>
+        <a:buSzPct val="80000"/>
+        <a:buFont typeface="Wingdings 3" charset="2"/>
+        <a:buChar char=""/>
+        <a:defRPr sz="1400" b="0" i="0" kern="1200">
+          <a:solidFill>
+            <a:schemeClr val="tx1"/>
+          </a:solidFill>
+          <a:latin typeface="+mj-lt"/>
+          <a:ea typeface="+mj-ea"/>
+          <a:cs typeface="+mj-cs"/>
+        </a:defRPr>
+      </a:lvl6pPr>
+      <a:lvl7pPr marL="2971800" indent="-228600" algn="l" defTabSz="457200" rtl="0" eaLnBrk="1" latinLnBrk="0" hangingPunct="1">
+        <a:spcBef>
+          <a:spcPts val="1000"/>
+        </a:spcBef>
+        <a:spcAft>
+          <a:spcPts val="0"/>
+        </a:spcAft>
+        <a:buClr>
+          <a:schemeClr val="bg2">
+            <a:lumMod val="40000"/>
+            <a:lumOff val="60000"/>
+          </a:schemeClr>
+        </a:buClr>
+        <a:buSzPct val="80000"/>
+        <a:buFont typeface="Wingdings 3" charset="2"/>
+        <a:buChar char=""/>
+        <a:defRPr sz="1400" b="0" i="0" kern="1200">
+          <a:solidFill>
+            <a:schemeClr val="tx1"/>
+          </a:solidFill>
+          <a:latin typeface="+mj-lt"/>
+          <a:ea typeface="+mj-ea"/>
+          <a:cs typeface="+mj-cs"/>
+        </a:defRPr>
+      </a:lvl7pPr>
+      <a:lvl8pPr marL="3429000" indent="-228600" algn="l" defTabSz="457200" rtl="0" eaLnBrk="1" latinLnBrk="0" hangingPunct="1">
+        <a:spcBef>
+          <a:spcPts val="1000"/>
+        </a:spcBef>
+        <a:spcAft>
+          <a:spcPts val="0"/>
+        </a:spcAft>
+        <a:buClr>
+          <a:schemeClr val="bg2">
+            <a:lumMod val="40000"/>
+            <a:lumOff val="60000"/>
+          </a:schemeClr>
+        </a:buClr>
+        <a:buSzPct val="80000"/>
+        <a:buFont typeface="Wingdings 3" charset="2"/>
+        <a:buChar char=""/>
+        <a:defRPr sz="1400" b="0" i="0" kern="1200">
+          <a:solidFill>
+            <a:schemeClr val="tx1"/>
+          </a:solidFill>
+          <a:latin typeface="+mj-lt"/>
+          <a:ea typeface="+mj-ea"/>
+          <a:cs typeface="+mj-cs"/>
+        </a:defRPr>
+      </a:lvl8pPr>
+      <a:lvl9pPr marL="3886200" indent="-228600" algn="l" defTabSz="457200" rtl="0" eaLnBrk="1" latinLnBrk="0" hangingPunct="1">
+        <a:spcBef>
+          <a:spcPts val="1000"/>
+        </a:spcBef>
+        <a:spcAft>
+          <a:spcPts val="0"/>
+        </a:spcAft>
+        <a:buClr>
+          <a:schemeClr val="bg2">
+            <a:lumMod val="40000"/>
+            <a:lumOff val="60000"/>
+          </a:schemeClr>
+        </a:buClr>
+        <a:buSzPct val="80000"/>
+        <a:buFont typeface="Wingdings 3" charset="2"/>
+        <a:buChar char=""/>
+        <a:defRPr sz="1400" b="0" i="0" kern="1200">
+          <a:solidFill>
+            <a:schemeClr val="tx1"/>
+          </a:solidFill>
+          <a:latin typeface="+mj-lt"/>
+          <a:ea typeface="+mj-ea"/>
+          <a:cs typeface="+mj-cs"/>
+        </a:defRPr>
+      </a:lvl9pPr>
+    </p:bodyStyle>
+    <p:otherStyle>
+      <a:defPPr>
+        <a:defRPr lang="en-US"/>
+      </a:defPPr>
+      <a:lvl1pPr marL="0" algn="l" defTabSz="457200" rtl="0" eaLnBrk="1" latinLnBrk="0" hangingPunct="1">
+        <a:defRPr sz="1800" kern="1200">
           <a:solidFill>
             <a:schemeClr val="tx1"/>
           </a:solidFill>
@@ -2884,15 +6013,7 @@
           <a:cs typeface="+mn-cs"/>
         </a:defRPr>
       </a:lvl1pPr>
-      <a:lvl2pPr marL="502920" indent="-182880" algn="l" defTabSz="914400" rtl="0" eaLnBrk="1" latinLnBrk="0" hangingPunct="1">
-        <a:spcBef>
-          <a:spcPct val="20000"/>
-        </a:spcBef>
-        <a:buClr>
-          <a:schemeClr val="tx2"/>
-        </a:buClr>
-        <a:buFont typeface="Wingdings" charset="2"/>
-        <a:buChar char="§"/>
+      <a:lvl2pPr marL="457200" algn="l" defTabSz="457200" rtl="0" eaLnBrk="1" latinLnBrk="0" hangingPunct="1">
         <a:defRPr sz="1800" kern="1200">
           <a:solidFill>
             <a:schemeClr val="tx1"/>
@@ -2902,158 +6023,7 @@
           <a:cs typeface="+mn-cs"/>
         </a:defRPr>
       </a:lvl2pPr>
-      <a:lvl3pPr marL="685800" indent="-182880" algn="l" defTabSz="914400" rtl="0" eaLnBrk="1" latinLnBrk="0" hangingPunct="1">
-        <a:spcBef>
-          <a:spcPct val="20000"/>
-        </a:spcBef>
-        <a:buClr>
-          <a:schemeClr val="tx2"/>
-        </a:buClr>
-        <a:buFont typeface="Wingdings" charset="2"/>
-        <a:buChar char="§"/>
-        <a:defRPr sz="1600" kern="1200">
-          <a:solidFill>
-            <a:schemeClr val="tx1"/>
-          </a:solidFill>
-          <a:latin typeface="+mn-lt"/>
-          <a:ea typeface="+mn-ea"/>
-          <a:cs typeface="+mn-cs"/>
-        </a:defRPr>
-      </a:lvl3pPr>
-      <a:lvl4pPr marL="914400" indent="-182880" algn="l" defTabSz="914400" rtl="0" eaLnBrk="1" latinLnBrk="0" hangingPunct="1">
-        <a:spcBef>
-          <a:spcPct val="20000"/>
-        </a:spcBef>
-        <a:buClr>
-          <a:schemeClr val="tx2"/>
-        </a:buClr>
-        <a:buFont typeface="Wingdings" charset="2"/>
-        <a:buChar char="§"/>
-        <a:defRPr sz="1400" kern="1200">
-          <a:solidFill>
-            <a:schemeClr val="tx1"/>
-          </a:solidFill>
-          <a:latin typeface="+mn-lt"/>
-          <a:ea typeface="+mn-ea"/>
-          <a:cs typeface="+mn-cs"/>
-        </a:defRPr>
-      </a:lvl4pPr>
-      <a:lvl5pPr marL="1143000" indent="-182880" algn="l" defTabSz="914400" rtl="0" eaLnBrk="1" latinLnBrk="0" hangingPunct="1">
-        <a:spcBef>
-          <a:spcPct val="20000"/>
-        </a:spcBef>
-        <a:buClr>
-          <a:schemeClr val="tx2"/>
-        </a:buClr>
-        <a:buFont typeface="Wingdings" charset="2"/>
-        <a:buChar char="§"/>
-        <a:defRPr sz="1400" kern="1200">
-          <a:solidFill>
-            <a:schemeClr val="tx1"/>
-          </a:solidFill>
-          <a:latin typeface="+mn-lt"/>
-          <a:ea typeface="+mn-ea"/>
-          <a:cs typeface="+mn-cs"/>
-        </a:defRPr>
-      </a:lvl5pPr>
-      <a:lvl6pPr marL="1371600" indent="-182880" algn="l" defTabSz="914400" rtl="0" eaLnBrk="1" latinLnBrk="0" hangingPunct="1">
-        <a:spcBef>
-          <a:spcPct val="20000"/>
-        </a:spcBef>
-        <a:buClr>
-          <a:schemeClr val="tx2"/>
-        </a:buClr>
-        <a:buFont typeface="Wingdings" pitchFamily="2" charset="2"/>
-        <a:buChar char="§"/>
-        <a:defRPr sz="1400" kern="1200">
-          <a:solidFill>
-            <a:schemeClr val="tx1"/>
-          </a:solidFill>
-          <a:latin typeface="+mn-lt"/>
-          <a:ea typeface="+mn-ea"/>
-          <a:cs typeface="+mn-cs"/>
-        </a:defRPr>
-      </a:lvl6pPr>
-      <a:lvl7pPr marL="1600200" indent="-182880" algn="l" defTabSz="914400" rtl="0" eaLnBrk="1" latinLnBrk="0" hangingPunct="1">
-        <a:spcBef>
-          <a:spcPct val="20000"/>
-        </a:spcBef>
-        <a:buClr>
-          <a:schemeClr val="tx2"/>
-        </a:buClr>
-        <a:buFont typeface="Wingdings" pitchFamily="2" charset="2"/>
-        <a:buChar char="§"/>
-        <a:defRPr sz="1400" kern="1200">
-          <a:solidFill>
-            <a:schemeClr val="tx1"/>
-          </a:solidFill>
-          <a:latin typeface="+mn-lt"/>
-          <a:ea typeface="+mn-ea"/>
-          <a:cs typeface="+mn-cs"/>
-        </a:defRPr>
-      </a:lvl7pPr>
-      <a:lvl8pPr marL="1828800" indent="-182880" algn="l" defTabSz="914400" rtl="0" eaLnBrk="1" latinLnBrk="0" hangingPunct="1">
-        <a:spcBef>
-          <a:spcPct val="20000"/>
-        </a:spcBef>
-        <a:buClr>
-          <a:schemeClr val="tx2"/>
-        </a:buClr>
-        <a:buFont typeface="Wingdings" pitchFamily="2" charset="2"/>
-        <a:buChar char="§"/>
-        <a:defRPr sz="1400" kern="1200">
-          <a:solidFill>
-            <a:schemeClr val="tx1"/>
-          </a:solidFill>
-          <a:latin typeface="+mn-lt"/>
-          <a:ea typeface="+mn-ea"/>
-          <a:cs typeface="+mn-cs"/>
-        </a:defRPr>
-      </a:lvl8pPr>
-      <a:lvl9pPr marL="2057400" indent="-182880" algn="l" defTabSz="914400" rtl="0" eaLnBrk="1" latinLnBrk="0" hangingPunct="1">
-        <a:spcBef>
-          <a:spcPct val="20000"/>
-        </a:spcBef>
-        <a:buClr>
-          <a:schemeClr val="tx2"/>
-        </a:buClr>
-        <a:buFont typeface="Wingdings" pitchFamily="2" charset="2"/>
-        <a:buChar char="§"/>
-        <a:defRPr sz="1400" kern="1200">
-          <a:solidFill>
-            <a:schemeClr val="tx1"/>
-          </a:solidFill>
-          <a:latin typeface="+mn-lt"/>
-          <a:ea typeface="+mn-ea"/>
-          <a:cs typeface="+mn-cs"/>
-        </a:defRPr>
-      </a:lvl9pPr>
-    </p:bodyStyle>
-    <p:otherStyle>
-      <a:defPPr>
-        <a:defRPr lang="en-US"/>
-      </a:defPPr>
-      <a:lvl1pPr marL="0" algn="l" defTabSz="914400" rtl="0" eaLnBrk="1" latinLnBrk="0" hangingPunct="1">
-        <a:defRPr sz="1800" kern="1200">
-          <a:solidFill>
-            <a:schemeClr val="tx1"/>
-          </a:solidFill>
-          <a:latin typeface="+mn-lt"/>
-          <a:ea typeface="+mn-ea"/>
-          <a:cs typeface="+mn-cs"/>
-        </a:defRPr>
-      </a:lvl1pPr>
-      <a:lvl2pPr marL="457200" algn="l" defTabSz="914400" rtl="0" eaLnBrk="1" latinLnBrk="0" hangingPunct="1">
-        <a:defRPr sz="1800" kern="1200">
-          <a:solidFill>
-            <a:schemeClr val="tx1"/>
-          </a:solidFill>
-          <a:latin typeface="+mn-lt"/>
-          <a:ea typeface="+mn-ea"/>
-          <a:cs typeface="+mn-cs"/>
-        </a:defRPr>
-      </a:lvl2pPr>
-      <a:lvl3pPr marL="914400" algn="l" defTabSz="914400" rtl="0" eaLnBrk="1" latinLnBrk="0" hangingPunct="1">
+      <a:lvl3pPr marL="914400" algn="l" defTabSz="457200" rtl="0" eaLnBrk="1" latinLnBrk="0" hangingPunct="1">
         <a:defRPr sz="1800" kern="1200">
           <a:solidFill>
             <a:schemeClr val="tx1"/>
@@ -3063,7 +6033,7 @@
           <a:cs typeface="+mn-cs"/>
         </a:defRPr>
       </a:lvl3pPr>
-      <a:lvl4pPr marL="1371600" algn="l" defTabSz="914400" rtl="0" eaLnBrk="1" latinLnBrk="0" hangingPunct="1">
+      <a:lvl4pPr marL="1371600" algn="l" defTabSz="457200" rtl="0" eaLnBrk="1" latinLnBrk="0" hangingPunct="1">
         <a:defRPr sz="1800" kern="1200">
           <a:solidFill>
             <a:schemeClr val="tx1"/>
@@ -3073,7 +6043,7 @@
           <a:cs typeface="+mn-cs"/>
         </a:defRPr>
       </a:lvl4pPr>
-      <a:lvl5pPr marL="1828800" algn="l" defTabSz="914400" rtl="0" eaLnBrk="1" latinLnBrk="0" hangingPunct="1">
+      <a:lvl5pPr marL="1828800" algn="l" defTabSz="457200" rtl="0" eaLnBrk="1" latinLnBrk="0" hangingPunct="1">
         <a:defRPr sz="1800" kern="1200">
           <a:solidFill>
             <a:schemeClr val="tx1"/>
@@ -3083,7 +6053,7 @@
           <a:cs typeface="+mn-cs"/>
         </a:defRPr>
       </a:lvl5pPr>
-      <a:lvl6pPr marL="2286000" algn="l" defTabSz="914400" rtl="0" eaLnBrk="1" latinLnBrk="0" hangingPunct="1">
+      <a:lvl6pPr marL="2286000" algn="l" defTabSz="457200" rtl="0" eaLnBrk="1" latinLnBrk="0" hangingPunct="1">
         <a:defRPr sz="1800" kern="1200">
           <a:solidFill>
             <a:schemeClr val="tx1"/>
@@ -3093,7 +6063,7 @@
           <a:cs typeface="+mn-cs"/>
         </a:defRPr>
       </a:lvl6pPr>
-      <a:lvl7pPr marL="2743200" algn="l" defTabSz="914400" rtl="0" eaLnBrk="1" latinLnBrk="0" hangingPunct="1">
+      <a:lvl7pPr marL="2743200" algn="l" defTabSz="457200" rtl="0" eaLnBrk="1" latinLnBrk="0" hangingPunct="1">
         <a:defRPr sz="1800" kern="1200">
           <a:solidFill>
             <a:schemeClr val="tx1"/>
@@ -3103,7 +6073,7 @@
           <a:cs typeface="+mn-cs"/>
         </a:defRPr>
       </a:lvl7pPr>
-      <a:lvl8pPr marL="3200400" algn="l" defTabSz="914400" rtl="0" eaLnBrk="1" latinLnBrk="0" hangingPunct="1">
+      <a:lvl8pPr marL="3200400" algn="l" defTabSz="457200" rtl="0" eaLnBrk="1" latinLnBrk="0" hangingPunct="1">
         <a:defRPr sz="1800" kern="1200">
           <a:solidFill>
             <a:schemeClr val="tx1"/>
@@ -3113,7 +6083,7 @@
           <a:cs typeface="+mn-cs"/>
         </a:defRPr>
       </a:lvl8pPr>
-      <a:lvl9pPr marL="3657600" algn="l" defTabSz="914400" rtl="0" eaLnBrk="1" latinLnBrk="0" hangingPunct="1">
+      <a:lvl9pPr marL="3657600" algn="l" defTabSz="457200" rtl="0" eaLnBrk="1" latinLnBrk="0" hangingPunct="1">
         <a:defRPr sz="1800" kern="1200">
           <a:solidFill>
             <a:schemeClr val="tx1"/>
@@ -3157,7 +6127,7 @@
         </p:nvSpPr>
         <p:spPr>
           <a:xfrm>
-            <a:off x="1259632" y="2348880"/>
+            <a:off x="2783632" y="2348881"/>
             <a:ext cx="6264696" cy="1106585"/>
           </a:xfrm>
         </p:spPr>
@@ -3193,12 +6163,14 @@
         </p:nvSpPr>
         <p:spPr>
           <a:xfrm>
-            <a:off x="1475656" y="3717032"/>
+            <a:off x="2999656" y="3717032"/>
             <a:ext cx="5544616" cy="648072"/>
           </a:xfrm>
         </p:spPr>
         <p:txBody>
-          <a:bodyPr/>
+          <a:bodyPr>
+            <a:normAutofit lnSpcReduction="10000"/>
+          </a:bodyPr>
           <a:lstStyle/>
           <a:p>
             <a:r>
@@ -3227,12 +6199,7 @@
             <p:ph type="dt" sz="half" idx="10"/>
           </p:nvPr>
         </p:nvSpPr>
-        <p:spPr>
-          <a:xfrm>
-            <a:off x="7236296" y="548680"/>
-            <a:ext cx="1189132" cy="297918"/>
-          </a:xfrm>
-        </p:spPr>
+        <p:spPr/>
         <p:txBody>
           <a:bodyPr/>
           <a:lstStyle/>
@@ -3540,7 +6507,7 @@
         </p:nvSpPr>
         <p:spPr>
           <a:xfrm>
-            <a:off x="900000" y="3142800"/>
+            <a:off x="2424000" y="3142801"/>
             <a:ext cx="7488832" cy="1154097"/>
           </a:xfrm>
         </p:spPr>
@@ -3791,12 +6758,14 @@
         </p:nvSpPr>
         <p:spPr>
           <a:xfrm>
-            <a:off x="914400" y="2769833"/>
+            <a:off x="2438400" y="2769834"/>
             <a:ext cx="7315200" cy="2963423"/>
           </a:xfrm>
         </p:spPr>
         <p:txBody>
-          <a:bodyPr/>
+          <a:bodyPr>
+            <a:normAutofit lnSpcReduction="10000"/>
+          </a:bodyPr>
           <a:lstStyle/>
           <a:p>
             <a:r>
@@ -4209,8 +7178,8 @@
         </p:blipFill>
         <p:spPr>
           <a:xfrm>
-            <a:off x="566065" y="2852936"/>
-            <a:ext cx="8011870" cy="3373040"/>
+            <a:off x="1103313" y="2267120"/>
+            <a:ext cx="8947150" cy="3766798"/>
           </a:xfrm>
           <a:prstGeom prst="rect">
             <a:avLst/>
@@ -4266,7 +7235,7 @@
         </p:nvSpPr>
         <p:spPr>
           <a:xfrm>
-            <a:off x="899592" y="3140968"/>
+            <a:off x="2423592" y="3140969"/>
             <a:ext cx="7315200" cy="1154097"/>
           </a:xfrm>
         </p:spPr>
@@ -4469,9 +7438,9 @@
 </file>
 
 <file path=ppt/theme/theme1.xml><?xml version="1.0" encoding="utf-8"?>
-<a:theme xmlns:a="http://schemas.openxmlformats.org/drawingml/2006/main" name="Perspektive">
+<a:theme xmlns:a="http://schemas.openxmlformats.org/drawingml/2006/main" name="Ion">
   <a:themeElements>
-    <a:clrScheme name="Perspektive">
+    <a:clrScheme name="Ion">
       <a:dk1>
         <a:sysClr val="windowText" lastClr="000000"/>
       </a:dk1>
@@ -4479,52 +7448,52 @@
         <a:sysClr val="window" lastClr="FFFFFF"/>
       </a:lt1>
       <a:dk2>
-        <a:srgbClr val="283138"/>
+        <a:srgbClr val="1E5155"/>
       </a:dk2>
       <a:lt2>
-        <a:srgbClr val="FF8600"/>
+        <a:srgbClr val="EBEBEB"/>
       </a:lt2>
       <a:accent1>
-        <a:srgbClr val="838D9B"/>
+        <a:srgbClr val="B01513"/>
       </a:accent1>
       <a:accent2>
-        <a:srgbClr val="D2610C"/>
+        <a:srgbClr val="EA6312"/>
       </a:accent2>
       <a:accent3>
-        <a:srgbClr val="80716A"/>
+        <a:srgbClr val="E6B729"/>
       </a:accent3>
       <a:accent4>
-        <a:srgbClr val="94147C"/>
+        <a:srgbClr val="6AAC90"/>
       </a:accent4>
       <a:accent5>
-        <a:srgbClr val="5D5AD2"/>
+        <a:srgbClr val="54849A"/>
       </a:accent5>
       <a:accent6>
-        <a:srgbClr val="6F6C7D"/>
+        <a:srgbClr val="9E5E9B"/>
       </a:accent6>
       <a:hlink>
-        <a:srgbClr val="6187E3"/>
+        <a:srgbClr val="58C1BA"/>
       </a:hlink>
       <a:folHlink>
-        <a:srgbClr val="7B8EB8"/>
+        <a:srgbClr val="9DFFCB"/>
       </a:folHlink>
     </a:clrScheme>
-    <a:fontScheme name="Larissa Klassisch 2">
+    <a:fontScheme name="Ion">
       <a:majorFont>
-        <a:latin typeface="Arial"/>
+        <a:latin typeface="Century Gothic" panose="020B0502020202020204"/>
         <a:ea typeface=""/>
         <a:cs typeface=""/>
-        <a:font script="Jpan" typeface="ＭＳ Ｐゴシック"/>
-        <a:font script="Hang" typeface="돋움"/>
-        <a:font script="Hans" typeface="方正舒体"/>
-        <a:font script="Hant" typeface="微軟正黑體"/>
-        <a:font script="Arab" typeface="Arial"/>
-        <a:font script="Hebr" typeface="Arial"/>
-        <a:font script="Thai" typeface="Cordia New"/>
+        <a:font script="Jpan" typeface="メイリオ"/>
+        <a:font script="Hang" typeface="맑은 고딕"/>
+        <a:font script="Hans" typeface="宋体"/>
+        <a:font script="Hant" typeface="新細明體"/>
+        <a:font script="Arab" typeface="Times New Roman"/>
+        <a:font script="Hebr" typeface="Times New Roman"/>
+        <a:font script="Thai" typeface="Angsana New"/>
         <a:font script="Ethi" typeface="Nyala"/>
         <a:font script="Beng" typeface="Vrinda"/>
         <a:font script="Gujr" typeface="Shruti"/>
-        <a:font script="Khmr" typeface="DaunPenh"/>
+        <a:font script="Khmr" typeface="MoolBoran"/>
         <a:font script="Knda" typeface="Tunga"/>
         <a:font script="Guru" typeface="Raavi"/>
         <a:font script="Cans" typeface="Euphemia"/>
@@ -4541,18 +7510,18 @@
         <a:font script="Laoo" typeface="DokChampa"/>
         <a:font script="Sinh" typeface="Iskoola Pota"/>
         <a:font script="Mong" typeface="Mongolian Baiti"/>
-        <a:font script="Viet" typeface="Arial"/>
+        <a:font script="Viet" typeface="Times New Roman"/>
         <a:font script="Uigh" typeface="Microsoft Uighur"/>
         <a:font script="Geor" typeface="Sylfaen"/>
       </a:majorFont>
       <a:minorFont>
-        <a:latin typeface="Arial"/>
+        <a:latin typeface="Century Gothic" panose="020B0502020202020204"/>
         <a:ea typeface=""/>
         <a:cs typeface=""/>
-        <a:font script="Jpan" typeface="ＭＳ Ｐゴシック"/>
-        <a:font script="Hang" typeface="돋움"/>
-        <a:font script="Hans" typeface="方正舒体"/>
-        <a:font script="Hant" typeface="微軟正黑體"/>
+        <a:font script="Jpan" typeface="メイリオ"/>
+        <a:font script="Hang" typeface="맑은 고딕"/>
+        <a:font script="Hans" typeface="宋体"/>
+        <a:font script="Hant" typeface="新細明體"/>
         <a:font script="Arab" typeface="Arial"/>
         <a:font script="Hebr" typeface="Arial"/>
         <a:font script="Thai" typeface="Cordia New"/>
@@ -4581,7 +7550,7 @@
         <a:font script="Geor" typeface="Sylfaen"/>
       </a:minorFont>
     </a:fontScheme>
-    <a:fmtScheme name="Perspektive">
+    <a:fmtScheme name="Ion">
       <a:fillStyleLst>
         <a:solidFill>
           <a:schemeClr val="phClr"/>
@@ -4590,66 +7559,52 @@
           <a:gsLst>
             <a:gs pos="0">
               <a:schemeClr val="phClr">
-                <a:tint val="50000"/>
-                <a:alpha val="100000"/>
-                <a:satMod val="160000"/>
-                <a:lumMod val="105000"/>
-              </a:schemeClr>
-            </a:gs>
-            <a:gs pos="41000">
-              <a:schemeClr val="phClr">
-                <a:tint val="57000"/>
-                <a:satMod val="180000"/>
-                <a:lumMod val="99000"/>
+                <a:tint val="64000"/>
+                <a:lumMod val="118000"/>
               </a:schemeClr>
             </a:gs>
             <a:gs pos="100000">
               <a:schemeClr val="phClr">
-                <a:tint val="80000"/>
-                <a:satMod val="200000"/>
-                <a:lumMod val="104000"/>
+                <a:tint val="92000"/>
+                <a:alpha val="100000"/>
+                <a:lumMod val="110000"/>
               </a:schemeClr>
             </a:gs>
           </a:gsLst>
-          <a:lin ang="5400000" scaled="1"/>
+          <a:lin ang="5400000" scaled="0"/>
         </a:gradFill>
         <a:gradFill rotWithShape="1">
           <a:gsLst>
             <a:gs pos="0">
               <a:schemeClr val="phClr">
-                <a:tint val="96000"/>
-                <a:satMod val="130000"/>
+                <a:tint val="98000"/>
                 <a:lumMod val="114000"/>
               </a:schemeClr>
             </a:gs>
-            <a:gs pos="60000">
+            <a:gs pos="100000">
               <a:schemeClr val="phClr">
-                <a:tint val="100000"/>
-                <a:satMod val="106000"/>
-                <a:lumMod val="110000"/>
+                <a:shade val="90000"/>
+                <a:lumMod val="84000"/>
               </a:schemeClr>
-            </a:gs>
-            <a:gs pos="100000">
-              <a:schemeClr val="phClr"/>
             </a:gs>
           </a:gsLst>
           <a:lin ang="5400000" scaled="0"/>
         </a:gradFill>
       </a:fillStyleLst>
       <a:lnStyleLst>
-        <a:ln w="12700" cap="flat" cmpd="sng" algn="ctr">
+        <a:ln w="9525" cap="rnd" cmpd="sng" algn="ctr">
           <a:solidFill>
             <a:schemeClr val="phClr"/>
           </a:solidFill>
           <a:prstDash val="solid"/>
         </a:ln>
-        <a:ln w="19050" cap="flat" cmpd="sng" algn="ctr">
+        <a:ln w="19050" cap="rnd" cmpd="sng" algn="ctr">
           <a:solidFill>
             <a:schemeClr val="phClr"/>
           </a:solidFill>
           <a:prstDash val="solid"/>
         </a:ln>
-        <a:ln w="28575" cap="flat" cmpd="sng" algn="ctr">
+        <a:ln w="28575" cap="rnd" cmpd="sng" algn="ctr">
           <a:solidFill>
             <a:schemeClr val="phClr"/>
           </a:solidFill>
@@ -4658,19 +7613,22 @@
       </a:lnStyleLst>
       <a:effectStyleLst>
         <a:effectStyle>
+          <a:effectLst/>
+        </a:effectStyle>
+        <a:effectStyle>
           <a:effectLst>
-            <a:outerShdw blurRad="50800" dist="38100" dir="5400000" rotWithShape="0">
+            <a:outerShdw blurRad="38100" dist="25400" dir="5400000" rotWithShape="0">
               <a:srgbClr val="000000">
-                <a:alpha val="28000"/>
+                <a:alpha val="45000"/>
               </a:srgbClr>
             </a:outerShdw>
           </a:effectLst>
         </a:effectStyle>
         <a:effectStyle>
           <a:effectLst>
-            <a:outerShdw blurRad="47625" dist="38100" dir="5400000" sy="98000" rotWithShape="0">
+            <a:outerShdw blurRad="63500" dist="38100" dir="5400000" rotWithShape="0">
               <a:srgbClr val="000000">
-                <a:alpha val="48000"/>
+                <a:alpha val="60000"/>
               </a:srgbClr>
             </a:outerShdw>
           </a:effectLst>
@@ -4678,28 +7636,10 @@
             <a:camera prst="orthographicFront">
               <a:rot lat="0" lon="0" rev="0"/>
             </a:camera>
-            <a:lightRig rig="twoPt" dir="br">
-              <a:rot lat="0" lon="0" rev="8700000"/>
-            </a:lightRig>
+            <a:lightRig rig="threePt" dir="tl"/>
           </a:scene3d>
-          <a:sp3d prstMaterial="matte">
-            <a:bevelT w="25400" h="53975"/>
-          </a:sp3d>
-        </a:effectStyle>
-        <a:effectStyle>
-          <a:effectLst>
-            <a:reflection blurRad="12700" stA="24000" endPos="28000" dist="50800" dir="5400000" sy="-100000" rotWithShape="0"/>
-          </a:effectLst>
-          <a:scene3d>
-            <a:camera prst="orthographicFront">
-              <a:rot lat="0" lon="0" rev="0"/>
-            </a:camera>
-            <a:lightRig rig="threePt" dir="t">
-              <a:rot lat="0" lon="0" rev="4800000"/>
-            </a:lightRig>
-          </a:scene3d>
-          <a:sp3d>
-            <a:bevelT w="69850" h="31750"/>
+          <a:sp3d prstMaterial="plastic">
+            <a:bevelT w="0" h="0"/>
           </a:sp3d>
         </a:effectStyle>
       </a:effectStyleLst>
@@ -4711,49 +7651,54 @@
           <a:gsLst>
             <a:gs pos="0">
               <a:schemeClr val="phClr">
-                <a:tint val="100000"/>
-                <a:shade val="80000"/>
-                <a:satMod val="100000"/>
-                <a:lumMod val="100000"/>
-              </a:schemeClr>
-            </a:gs>
-            <a:gs pos="65000">
-              <a:schemeClr val="phClr">
-                <a:tint val="100000"/>
-                <a:shade val="95000"/>
-                <a:satMod val="100000"/>
-                <a:lumMod val="100000"/>
+                <a:tint val="97000"/>
+                <a:hueMod val="88000"/>
+                <a:satMod val="130000"/>
+                <a:lumMod val="124000"/>
               </a:schemeClr>
             </a:gs>
             <a:gs pos="100000">
               <a:schemeClr val="phClr">
-                <a:tint val="88000"/>
-                <a:shade val="100000"/>
-                <a:satMod val="400000"/>
-                <a:lumMod val="100000"/>
+                <a:tint val="96000"/>
+                <a:shade val="88000"/>
+                <a:hueMod val="108000"/>
+                <a:satMod val="164000"/>
+                <a:lumMod val="76000"/>
               </a:schemeClr>
             </a:gs>
           </a:gsLst>
-          <a:lin ang="5400000" scaled="0"/>
+          <a:path path="circle">
+            <a:fillToRect l="45000" t="65000" r="125000" b="100000"/>
+          </a:path>
         </a:gradFill>
         <a:blipFill rotWithShape="1">
           <a:blip xmlns:r="http://schemas.openxmlformats.org/officeDocument/2006/relationships" r:embed="rId1">
             <a:duotone>
               <a:schemeClr val="phClr">
-                <a:tint val="95000"/>
-                <a:satMod val="90000"/>
+                <a:shade val="69000"/>
+                <a:hueMod val="108000"/>
+                <a:satMod val="164000"/>
+                <a:lumMod val="74000"/>
               </a:schemeClr>
               <a:schemeClr val="phClr">
-                <a:shade val="92000"/>
+                <a:tint val="96000"/>
+                <a:hueMod val="88000"/>
+                <a:satMod val="140000"/>
+                <a:lumMod val="132000"/>
               </a:schemeClr>
             </a:duotone>
           </a:blip>
-          <a:tile tx="0" ty="0" sx="100000" sy="100000" flip="none" algn="tl"/>
+          <a:stretch/>
         </a:blipFill>
       </a:bgFillStyleLst>
     </a:fmtScheme>
   </a:themeElements>
   <a:objectDefaults/>
   <a:extraClrSchemeLst/>
+  <a:extLst>
+    <a:ext uri="{05A4C25C-085E-4340-85A3-A5531E510DB2}">
+      <thm15:themeFamily xmlns:thm15="http://schemas.microsoft.com/office/thememl/2012/main" name="Ion" id="{B8441ADB-2E43-4AF7-B97A-BD870242C6A8}" vid="{292E63A9-BB86-4E3D-B92A-7223C6510D2E}"/>
+    </a:ext>
+  </a:extLst>
 </a:theme>
 </file>
--- a/second_semester/secure_webdevelopment/grill_lehner_murrent/Präsentation.pptx
+++ b/second_semester/secure_webdevelopment/grill_lehner_murrent/Präsentation.pptx
@@ -6223,6 +6223,18 @@
   <p:clrMapOvr>
     <a:masterClrMapping/>
   </p:clrMapOvr>
+  <mc:AlternateContent xmlns:mc="http://schemas.openxmlformats.org/markup-compatibility/2006">
+    <mc:Choice xmlns:p14="http://schemas.microsoft.com/office/powerpoint/2010/main" Requires="p14">
+      <p:transition spd="med" p14:dur="700">
+        <p:fade/>
+      </p:transition>
+    </mc:Choice>
+    <mc:Fallback>
+      <p:transition spd="med">
+        <p:fade/>
+      </p:transition>
+    </mc:Fallback>
+  </mc:AlternateContent>
   <p:timing>
     <p:tnLst>
       <p:par>
@@ -6306,6 +6318,18 @@
   <p:clrMapOvr>
     <a:masterClrMapping/>
   </p:clrMapOvr>
+  <mc:AlternateContent xmlns:mc="http://schemas.openxmlformats.org/markup-compatibility/2006">
+    <mc:Choice xmlns:p14="http://schemas.microsoft.com/office/powerpoint/2010/main" Requires="p14">
+      <p:transition spd="med" p14:dur="700">
+        <p:fade/>
+      </p:transition>
+    </mc:Choice>
+    <mc:Fallback>
+      <p:transition spd="med">
+        <p:fade/>
+      </p:transition>
+    </mc:Fallback>
+  </mc:AlternateContent>
   <p:timing>
     <p:tnLst>
       <p:par>
@@ -6385,6 +6409,18 @@
   <p:clrMapOvr>
     <a:masterClrMapping/>
   </p:clrMapOvr>
+  <mc:AlternateContent xmlns:mc="http://schemas.openxmlformats.org/markup-compatibility/2006">
+    <mc:Choice xmlns:p14="http://schemas.microsoft.com/office/powerpoint/2010/main" Requires="p14">
+      <p:transition spd="med" p14:dur="700">
+        <p:fade/>
+      </p:transition>
+    </mc:Choice>
+    <mc:Fallback>
+      <p:transition spd="med">
+        <p:fade/>
+      </p:transition>
+    </mc:Fallback>
+  </mc:AlternateContent>
   <p:timing>
     <p:tnLst>
       <p:par>
@@ -6468,6 +6504,18 @@
   <p:clrMapOvr>
     <a:masterClrMapping/>
   </p:clrMapOvr>
+  <mc:AlternateContent xmlns:mc="http://schemas.openxmlformats.org/markup-compatibility/2006">
+    <mc:Choice xmlns:p14="http://schemas.microsoft.com/office/powerpoint/2010/main" Requires="p14">
+      <p:transition spd="med" p14:dur="700">
+        <p:fade/>
+      </p:transition>
+    </mc:Choice>
+    <mc:Fallback>
+      <p:transition spd="med">
+        <p:fade/>
+      </p:transition>
+    </mc:Fallback>
+  </mc:AlternateContent>
   <p:timing>
     <p:tnLst>
       <p:par>
@@ -6537,6 +6585,18 @@
   <p:clrMapOvr>
     <a:masterClrMapping/>
   </p:clrMapOvr>
+  <mc:AlternateContent xmlns:mc="http://schemas.openxmlformats.org/markup-compatibility/2006">
+    <mc:Choice xmlns:p14="http://schemas.microsoft.com/office/powerpoint/2010/main" Requires="p14">
+      <p:transition spd="med" p14:dur="700">
+        <p:fade/>
+      </p:transition>
+    </mc:Choice>
+    <mc:Fallback>
+      <p:transition spd="med">
+        <p:fade/>
+      </p:transition>
+    </mc:Fallback>
+  </mc:AlternateContent>
   <p:timing>
     <p:tnLst>
       <p:par>
@@ -6696,6 +6756,18 @@
   <p:clrMapOvr>
     <a:masterClrMapping/>
   </p:clrMapOvr>
+  <mc:AlternateContent xmlns:mc="http://schemas.openxmlformats.org/markup-compatibility/2006">
+    <mc:Choice xmlns:p14="http://schemas.microsoft.com/office/powerpoint/2010/main" Requires="p14">
+      <p:transition spd="med" p14:dur="700">
+        <p:fade/>
+      </p:transition>
+    </mc:Choice>
+    <mc:Fallback>
+      <p:transition spd="med">
+        <p:fade/>
+      </p:transition>
+    </mc:Fallback>
+  </mc:AlternateContent>
   <p:timing>
     <p:tnLst>
       <p:par>
@@ -6758,7 +6830,7 @@
         </p:nvSpPr>
         <p:spPr>
           <a:xfrm>
-            <a:off x="2438400" y="2769834"/>
+            <a:off x="983432" y="2780928"/>
             <a:ext cx="7315200" cy="2963423"/>
           </a:xfrm>
         </p:spPr>
@@ -6815,6 +6887,18 @@
   <p:clrMapOvr>
     <a:masterClrMapping/>
   </p:clrMapOvr>
+  <mc:AlternateContent xmlns:mc="http://schemas.openxmlformats.org/markup-compatibility/2006">
+    <mc:Choice xmlns:p14="http://schemas.microsoft.com/office/powerpoint/2010/main" Requires="p14">
+      <p:transition spd="med" p14:dur="700">
+        <p:fade/>
+      </p:transition>
+    </mc:Choice>
+    <mc:Fallback>
+      <p:transition spd="med">
+        <p:fade/>
+      </p:transition>
+    </mc:Fallback>
+  </mc:AlternateContent>
   <p:timing>
     <p:tnLst>
       <p:par>
@@ -6901,7 +6985,11 @@
           <a:p>
             <a:r>
               <a:rPr lang="de-DE" dirty="0" smtClean="0"/>
-              <a:t>Apache Web Server mit PHP Extension</a:t>
+              <a:t>Apache Web </a:t>
+            </a:r>
+            <a:r>
+              <a:rPr lang="de-DE" dirty="0" smtClean="0"/>
+              <a:t>Server mit PHP Extension</a:t>
             </a:r>
           </a:p>
           <a:p>
@@ -6931,6 +7019,18 @@
   <p:clrMapOvr>
     <a:masterClrMapping/>
   </p:clrMapOvr>
+  <mc:AlternateContent xmlns:mc="http://schemas.openxmlformats.org/markup-compatibility/2006">
+    <mc:Choice xmlns:p14="http://schemas.microsoft.com/office/powerpoint/2010/main" Requires="p14">
+      <p:transition spd="med" p14:dur="700">
+        <p:fade/>
+      </p:transition>
+    </mc:Choice>
+    <mc:Fallback>
+      <p:transition spd="med">
+        <p:fade/>
+      </p:transition>
+    </mc:Fallback>
+  </mc:AlternateContent>
   <p:timing>
     <p:tnLst>
       <p:par>
@@ -7106,6 +7206,18 @@
   <p:clrMapOvr>
     <a:masterClrMapping/>
   </p:clrMapOvr>
+  <mc:AlternateContent xmlns:mc="http://schemas.openxmlformats.org/markup-compatibility/2006">
+    <mc:Choice xmlns:p14="http://schemas.microsoft.com/office/powerpoint/2010/main" Requires="p14">
+      <p:transition spd="med" p14:dur="700">
+        <p:fade/>
+      </p:transition>
+    </mc:Choice>
+    <mc:Fallback>
+      <p:transition spd="med">
+        <p:fade/>
+      </p:transition>
+    </mc:Fallback>
+  </mc:AlternateContent>
   <p:timing>
     <p:tnLst>
       <p:par>
@@ -7196,6 +7308,18 @@
   <p:clrMapOvr>
     <a:masterClrMapping/>
   </p:clrMapOvr>
+  <mc:AlternateContent xmlns:mc="http://schemas.openxmlformats.org/markup-compatibility/2006">
+    <mc:Choice xmlns:p14="http://schemas.microsoft.com/office/powerpoint/2010/main" Requires="p14">
+      <p:transition spd="med" p14:dur="700">
+        <p:fade/>
+      </p:transition>
+    </mc:Choice>
+    <mc:Fallback>
+      <p:transition spd="med">
+        <p:fade/>
+      </p:transition>
+    </mc:Fallback>
+  </mc:AlternateContent>
   <p:timing>
     <p:tnLst>
       <p:par>
@@ -7265,6 +7389,18 @@
   <p:clrMapOvr>
     <a:masterClrMapping/>
   </p:clrMapOvr>
+  <mc:AlternateContent xmlns:mc="http://schemas.openxmlformats.org/markup-compatibility/2006">
+    <mc:Choice xmlns:p14="http://schemas.microsoft.com/office/powerpoint/2010/main" Requires="p14">
+      <p:transition spd="med" p14:dur="700">
+        <p:fade/>
+      </p:transition>
+    </mc:Choice>
+    <mc:Fallback>
+      <p:transition spd="med">
+        <p:fade/>
+      </p:transition>
+    </mc:Fallback>
+  </mc:AlternateContent>
   <p:timing>
     <p:tnLst>
       <p:par>
@@ -7344,6 +7480,18 @@
   <p:clrMapOvr>
     <a:masterClrMapping/>
   </p:clrMapOvr>
+  <mc:AlternateContent xmlns:mc="http://schemas.openxmlformats.org/markup-compatibility/2006">
+    <mc:Choice xmlns:p14="http://schemas.microsoft.com/office/powerpoint/2010/main" Requires="p14">
+      <p:transition spd="med" p14:dur="700">
+        <p:fade/>
+      </p:transition>
+    </mc:Choice>
+    <mc:Fallback>
+      <p:transition spd="med">
+        <p:fade/>
+      </p:transition>
+    </mc:Fallback>
+  </mc:AlternateContent>
   <p:timing>
     <p:tnLst>
       <p:par>
@@ -7427,6 +7575,18 @@
   <p:clrMapOvr>
     <a:masterClrMapping/>
   </p:clrMapOvr>
+  <mc:AlternateContent xmlns:mc="http://schemas.openxmlformats.org/markup-compatibility/2006">
+    <mc:Choice xmlns:p14="http://schemas.microsoft.com/office/powerpoint/2010/main" Requires="p14">
+      <p:transition spd="med" p14:dur="700">
+        <p:fade/>
+      </p:transition>
+    </mc:Choice>
+    <mc:Fallback>
+      <p:transition spd="med">
+        <p:fade/>
+      </p:transition>
+    </mc:Fallback>
+  </mc:AlternateContent>
   <p:timing>
     <p:tnLst>
       <p:par>

--- a/second_semester/secure_webdevelopment/grill_lehner_murrent/Präsentation.pptx
+++ b/second_semester/secure_webdevelopment/grill_lehner_murrent/Präsentation.pptx
@@ -16,8 +16,7 @@
     <p:sldId id="264" r:id="rId10"/>
     <p:sldId id="265" r:id="rId11"/>
     <p:sldId id="267" r:id="rId12"/>
-    <p:sldId id="268" r:id="rId13"/>
-    <p:sldId id="269" r:id="rId14"/>
+    <p:sldId id="269" r:id="rId13"/>
   </p:sldIdLst>
   <p:sldSz cx="12192000" cy="6858000"/>
   <p:notesSz cx="6858000" cy="9144000"/>
@@ -364,7 +363,7 @@
           <a:p>
             <a:fld id="{D57F1E4F-1CFF-5643-939E-02111984F565}" type="slidenum">
               <a:rPr lang="en-US" smtClean="0"/>
-              <a:t>‹Nr.›</a:t>
+              <a:t>‹#›</a:t>
             </a:fld>
             <a:endParaRPr lang="en-US" dirty="0"/>
           </a:p>
@@ -639,7 +638,7 @@
           <a:p>
             <a:fld id="{6C6AE60A-B69C-4790-82F7-3882EDF23186}" type="slidenum">
               <a:rPr lang="de-DE" smtClean="0"/>
-              <a:t>‹Nr.›</a:t>
+              <a:t>‹#›</a:t>
             </a:fld>
             <a:endParaRPr lang="de-DE"/>
           </a:p>
@@ -833,7 +832,7 @@
           <a:p>
             <a:fld id="{6C6AE60A-B69C-4790-82F7-3882EDF23186}" type="slidenum">
               <a:rPr lang="de-DE" smtClean="0"/>
-              <a:t>‹Nr.›</a:t>
+              <a:t>‹#›</a:t>
             </a:fld>
             <a:endParaRPr lang="de-DE"/>
           </a:p>
@@ -1106,7 +1105,7 @@
           <a:p>
             <a:fld id="{6C6AE60A-B69C-4790-82F7-3882EDF23186}" type="slidenum">
               <a:rPr lang="de-DE" smtClean="0"/>
-              <a:t>‹Nr.›</a:t>
+              <a:t>‹#›</a:t>
             </a:fld>
             <a:endParaRPr lang="de-DE"/>
           </a:p>
@@ -1447,7 +1446,7 @@
           <a:p>
             <a:fld id="{6C6AE60A-B69C-4790-82F7-3882EDF23186}" type="slidenum">
               <a:rPr lang="de-DE" smtClean="0"/>
-              <a:t>‹Nr.›</a:t>
+              <a:t>‹#›</a:t>
             </a:fld>
             <a:endParaRPr lang="de-DE"/>
           </a:p>
@@ -2070,7 +2069,7 @@
           <a:p>
             <a:fld id="{6C6AE60A-B69C-4790-82F7-3882EDF23186}" type="slidenum">
               <a:rPr lang="de-DE" smtClean="0"/>
-              <a:t>‹Nr.›</a:t>
+              <a:t>‹#›</a:t>
             </a:fld>
             <a:endParaRPr lang="de-DE"/>
           </a:p>
@@ -2930,7 +2929,7 @@
           <a:p>
             <a:fld id="{6C6AE60A-B69C-4790-82F7-3882EDF23186}" type="slidenum">
               <a:rPr lang="de-DE" smtClean="0"/>
-              <a:t>‹Nr.›</a:t>
+              <a:t>‹#›</a:t>
             </a:fld>
             <a:endParaRPr lang="de-DE"/>
           </a:p>
@@ -3100,7 +3099,7 @@
           <a:p>
             <a:fld id="{6C6AE60A-B69C-4790-82F7-3882EDF23186}" type="slidenum">
               <a:rPr lang="de-DE" smtClean="0"/>
-              <a:t>‹Nr.›</a:t>
+              <a:t>‹#›</a:t>
             </a:fld>
             <a:endParaRPr lang="de-DE"/>
           </a:p>
@@ -3280,7 +3279,7 @@
           <a:p>
             <a:fld id="{6C6AE60A-B69C-4790-82F7-3882EDF23186}" type="slidenum">
               <a:rPr lang="de-DE" smtClean="0"/>
-              <a:t>‹Nr.›</a:t>
+              <a:t>‹#›</a:t>
             </a:fld>
             <a:endParaRPr lang="de-DE"/>
           </a:p>
@@ -3450,7 +3449,7 @@
           <a:p>
             <a:fld id="{6C6AE60A-B69C-4790-82F7-3882EDF23186}" type="slidenum">
               <a:rPr lang="de-DE" smtClean="0"/>
-              <a:t>‹Nr.›</a:t>
+              <a:t>‹#›</a:t>
             </a:fld>
             <a:endParaRPr lang="de-DE"/>
           </a:p>
@@ -3697,7 +3696,7 @@
           <a:p>
             <a:fld id="{6C6AE60A-B69C-4790-82F7-3882EDF23186}" type="slidenum">
               <a:rPr lang="de-DE" smtClean="0"/>
-              <a:t>‹Nr.›</a:t>
+              <a:t>‹#›</a:t>
             </a:fld>
             <a:endParaRPr lang="de-DE"/>
           </a:p>
@@ -3989,7 +3988,7 @@
           <a:p>
             <a:fld id="{6C6AE60A-B69C-4790-82F7-3882EDF23186}" type="slidenum">
               <a:rPr lang="de-DE" smtClean="0"/>
-              <a:t>‹Nr.›</a:t>
+              <a:t>‹#›</a:t>
             </a:fld>
             <a:endParaRPr lang="de-DE"/>
           </a:p>
@@ -4433,7 +4432,7 @@
           <a:p>
             <a:fld id="{6C6AE60A-B69C-4790-82F7-3882EDF23186}" type="slidenum">
               <a:rPr lang="de-DE" smtClean="0"/>
-              <a:t>‹Nr.›</a:t>
+              <a:t>‹#›</a:t>
             </a:fld>
             <a:endParaRPr lang="de-DE"/>
           </a:p>
@@ -4551,7 +4550,7 @@
           <a:p>
             <a:fld id="{6C6AE60A-B69C-4790-82F7-3882EDF23186}" type="slidenum">
               <a:rPr lang="de-DE" smtClean="0"/>
-              <a:t>‹Nr.›</a:t>
+              <a:t>‹#›</a:t>
             </a:fld>
             <a:endParaRPr lang="de-DE"/>
           </a:p>
@@ -4646,7 +4645,7 @@
           <a:p>
             <a:fld id="{6C6AE60A-B69C-4790-82F7-3882EDF23186}" type="slidenum">
               <a:rPr lang="de-DE" smtClean="0"/>
-              <a:t>‹Nr.›</a:t>
+              <a:t>‹#›</a:t>
             </a:fld>
             <a:endParaRPr lang="de-DE"/>
           </a:p>
@@ -4925,7 +4924,7 @@
           <a:p>
             <a:fld id="{6C6AE60A-B69C-4790-82F7-3882EDF23186}" type="slidenum">
               <a:rPr lang="de-DE" smtClean="0"/>
-              <a:t>‹Nr.›</a:t>
+              <a:t>‹#›</a:t>
             </a:fld>
             <a:endParaRPr lang="de-DE"/>
           </a:p>
@@ -5200,7 +5199,7 @@
           <a:p>
             <a:fld id="{6C6AE60A-B69C-4790-82F7-3882EDF23186}" type="slidenum">
               <a:rPr lang="de-DE" smtClean="0"/>
-              <a:t>‹Nr.›</a:t>
+              <a:t>‹#›</a:t>
             </a:fld>
             <a:endParaRPr lang="de-DE"/>
           </a:p>
@@ -5666,7 +5665,7 @@
           <a:p>
             <a:fld id="{6C6AE60A-B69C-4790-82F7-3882EDF23186}" type="slidenum">
               <a:rPr lang="de-DE" smtClean="0"/>
-              <a:t>‹Nr.›</a:t>
+              <a:t>‹#›</a:t>
             </a:fld>
             <a:endParaRPr lang="de-DE"/>
           </a:p>
@@ -6223,13 +6222,13 @@
   <p:clrMapOvr>
     <a:masterClrMapping/>
   </p:clrMapOvr>
-  <mc:AlternateContent xmlns:mc="http://schemas.openxmlformats.org/markup-compatibility/2006">
-    <mc:Choice xmlns:p14="http://schemas.microsoft.com/office/powerpoint/2010/main" Requires="p14">
+  <mc:AlternateContent xmlns:mc="http://schemas.openxmlformats.org/markup-compatibility/2006" xmlns:p14="http://schemas.microsoft.com/office/powerpoint/2010/main">
+    <mc:Choice Requires="p14">
       <p:transition spd="med" p14:dur="700">
         <p:fade/>
       </p:transition>
     </mc:Choice>
-    <mc:Fallback>
+    <mc:Fallback xmlns="">
       <p:transition spd="med">
         <p:fade/>
       </p:transition>
@@ -6304,6 +6303,88 @@
           <a:bodyPr/>
           <a:lstStyle/>
           <a:p>
+            <a:pPr lvl="0"/>
+            <a:r>
+              <a:rPr lang="de-AT" dirty="0" smtClean="0"/>
+              <a:t>In /</a:t>
+            </a:r>
+            <a:r>
+              <a:rPr lang="de-AT" dirty="0" err="1" smtClean="0"/>
+              <a:t>usr</a:t>
+            </a:r>
+            <a:r>
+              <a:rPr lang="de-AT" dirty="0" smtClean="0"/>
+              <a:t>/</a:t>
+            </a:r>
+            <a:r>
+              <a:rPr lang="de-AT" dirty="0" err="1" smtClean="0"/>
+              <a:t>local</a:t>
+            </a:r>
+            <a:r>
+              <a:rPr lang="de-AT" dirty="0"/>
+              <a:t> </a:t>
+            </a:r>
+            <a:r>
+              <a:rPr lang="de-AT" dirty="0" err="1" smtClean="0"/>
+              <a:t>gzip</a:t>
+            </a:r>
+            <a:r>
+              <a:rPr lang="de-AT" dirty="0" smtClean="0"/>
+              <a:t> </a:t>
+            </a:r>
+            <a:r>
+              <a:rPr lang="de-AT" dirty="0" err="1" smtClean="0"/>
+              <a:t>file</a:t>
+            </a:r>
+            <a:r>
+              <a:rPr lang="de-AT" dirty="0" smtClean="0"/>
+              <a:t> entpacken (</a:t>
+            </a:r>
+            <a:r>
+              <a:rPr lang="en-US" dirty="0"/>
+              <a:t>tar -</a:t>
+            </a:r>
+            <a:r>
+              <a:rPr lang="en-US" dirty="0" err="1"/>
+              <a:t>zxvpf</a:t>
+            </a:r>
+            <a:r>
+              <a:rPr lang="en-US" dirty="0"/>
+              <a:t> butterfly_1.x.tar.gz --directory </a:t>
+            </a:r>
+            <a:r>
+              <a:rPr lang="en-US" dirty="0" smtClean="0"/>
+              <a:t>/</a:t>
+            </a:r>
+            <a:r>
+              <a:rPr lang="de-AT" dirty="0" smtClean="0"/>
+              <a:t>)</a:t>
+            </a:r>
+          </a:p>
+          <a:p>
+            <a:r>
+              <a:rPr lang="en-US" dirty="0"/>
+              <a:t>/usr/local/butterfly/start/start.sh</a:t>
+            </a:r>
+            <a:endParaRPr lang="de-AT" dirty="0"/>
+          </a:p>
+          <a:p>
+            <a:pPr lvl="0"/>
+            <a:r>
+              <a:rPr lang="de-AT" dirty="0" smtClean="0"/>
+              <a:t>Wichtig: 2 User anlegen (</a:t>
+            </a:r>
+            <a:r>
+              <a:rPr lang="en-US" dirty="0" smtClean="0"/>
+              <a:t>bfly1, bfly2</a:t>
+            </a:r>
+            <a:r>
+              <a:rPr lang="de-AT" dirty="0" smtClean="0"/>
+              <a:t>)</a:t>
+            </a:r>
+          </a:p>
+          <a:p>
+            <a:pPr lvl="0"/>
             <a:endParaRPr lang="de-AT" dirty="0"/>
           </a:p>
         </p:txBody>
@@ -6318,13 +6399,13 @@
   <p:clrMapOvr>
     <a:masterClrMapping/>
   </p:clrMapOvr>
-  <mc:AlternateContent xmlns:mc="http://schemas.openxmlformats.org/markup-compatibility/2006">
-    <mc:Choice xmlns:p14="http://schemas.microsoft.com/office/powerpoint/2010/main" Requires="p14">
+  <mc:AlternateContent xmlns:mc="http://schemas.openxmlformats.org/markup-compatibility/2006" xmlns:p14="http://schemas.microsoft.com/office/powerpoint/2010/main">
+    <mc:Choice Requires="p14">
       <p:transition spd="med" p14:dur="700">
         <p:fade/>
       </p:transition>
     </mc:Choice>
-    <mc:Fallback>
+    <mc:Fallback xmlns="">
       <p:transition spd="med">
         <p:fade/>
       </p:transition>
@@ -6395,6 +6476,24 @@
           <a:bodyPr/>
           <a:lstStyle/>
           <a:p>
+            <a:r>
+              <a:rPr lang="de-AT" dirty="0" smtClean="0"/>
+              <a:t>Ubuntu Server</a:t>
+            </a:r>
+          </a:p>
+          <a:p>
+            <a:r>
+              <a:rPr lang="de-AT" dirty="0" smtClean="0"/>
+              <a:t>MySQL Problem (</a:t>
+            </a:r>
+            <a:r>
+              <a:rPr lang="de-AT" dirty="0" err="1" smtClean="0"/>
+              <a:t>Process</a:t>
+            </a:r>
+            <a:r>
+              <a:rPr lang="de-AT" dirty="0" smtClean="0"/>
+              <a:t> ID)</a:t>
+            </a:r>
             <a:endParaRPr lang="de-AT" dirty="0"/>
           </a:p>
         </p:txBody>
@@ -6409,13 +6508,13 @@
   <p:clrMapOvr>
     <a:masterClrMapping/>
   </p:clrMapOvr>
-  <mc:AlternateContent xmlns:mc="http://schemas.openxmlformats.org/markup-compatibility/2006">
-    <mc:Choice xmlns:p14="http://schemas.microsoft.com/office/powerpoint/2010/main" Requires="p14">
+  <mc:AlternateContent xmlns:mc="http://schemas.openxmlformats.org/markup-compatibility/2006" xmlns:p14="http://schemas.microsoft.com/office/powerpoint/2010/main">
+    <mc:Choice Requires="p14">
       <p:transition spd="med" p14:dur="700">
         <p:fade/>
       </p:transition>
     </mc:Choice>
-    <mc:Fallback>
+    <mc:Fallback xmlns="">
       <p:transition spd="med">
         <p:fade/>
       </p:transition>
@@ -6458,101 +6557,6 @@
             <p:ph type="title"/>
           </p:nvPr>
         </p:nvSpPr>
-        <p:spPr/>
-        <p:txBody>
-          <a:bodyPr/>
-          <a:lstStyle/>
-          <a:p>
-            <a:r>
-              <a:rPr lang="de-DE" dirty="0" smtClean="0"/>
-              <a:t>Verwendung </a:t>
-            </a:r>
-            <a:r>
-              <a:rPr lang="de-DE" dirty="0" err="1" smtClean="0"/>
-              <a:t>ButterFly</a:t>
-            </a:r>
-            <a:endParaRPr lang="de-AT" dirty="0"/>
-          </a:p>
-        </p:txBody>
-      </p:sp>
-      <p:sp>
-        <p:nvSpPr>
-          <p:cNvPr id="3" name="Inhaltsplatzhalter 2"/>
-          <p:cNvSpPr>
-            <a:spLocks noGrp="1"/>
-          </p:cNvSpPr>
-          <p:nvPr>
-            <p:ph idx="1"/>
-          </p:nvPr>
-        </p:nvSpPr>
-        <p:spPr/>
-        <p:txBody>
-          <a:bodyPr/>
-          <a:lstStyle/>
-          <a:p>
-            <a:endParaRPr lang="de-AT"/>
-          </a:p>
-        </p:txBody>
-      </p:sp>
-    </p:spTree>
-    <p:extLst>
-      <p:ext uri="{BB962C8B-B14F-4D97-AF65-F5344CB8AC3E}">
-        <p14:creationId xmlns:p14="http://schemas.microsoft.com/office/powerpoint/2010/main" val="4002205708"/>
-      </p:ext>
-    </p:extLst>
-  </p:cSld>
-  <p:clrMapOvr>
-    <a:masterClrMapping/>
-  </p:clrMapOvr>
-  <mc:AlternateContent xmlns:mc="http://schemas.openxmlformats.org/markup-compatibility/2006">
-    <mc:Choice xmlns:p14="http://schemas.microsoft.com/office/powerpoint/2010/main" Requires="p14">
-      <p:transition spd="med" p14:dur="700">
-        <p:fade/>
-      </p:transition>
-    </mc:Choice>
-    <mc:Fallback>
-      <p:transition spd="med">
-        <p:fade/>
-      </p:transition>
-    </mc:Fallback>
-  </mc:AlternateContent>
-  <p:timing>
-    <p:tnLst>
-      <p:par>
-        <p:cTn id="1" dur="indefinite" restart="never" nodeType="tmRoot"/>
-      </p:par>
-    </p:tnLst>
-  </p:timing>
-</p:sld>
-</file>
-
-<file path=ppt/slides/slide13.xml><?xml version="1.0" encoding="utf-8"?>
-<p:sld xmlns:a="http://schemas.openxmlformats.org/drawingml/2006/main" xmlns:r="http://schemas.openxmlformats.org/officeDocument/2006/relationships" xmlns:p="http://schemas.openxmlformats.org/presentationml/2006/main">
-  <p:cSld>
-    <p:spTree>
-      <p:nvGrpSpPr>
-        <p:cNvPr id="1" name=""/>
-        <p:cNvGrpSpPr/>
-        <p:nvPr/>
-      </p:nvGrpSpPr>
-      <p:grpSpPr>
-        <a:xfrm>
-          <a:off x="0" y="0"/>
-          <a:ext cx="0" cy="0"/>
-          <a:chOff x="0" y="0"/>
-          <a:chExt cx="0" cy="0"/>
-        </a:xfrm>
-      </p:grpSpPr>
-      <p:sp>
-        <p:nvSpPr>
-          <p:cNvPr id="2" name="Titel 1"/>
-          <p:cNvSpPr>
-            <a:spLocks noGrp="1"/>
-          </p:cNvSpPr>
-          <p:nvPr>
-            <p:ph type="title"/>
-          </p:nvPr>
-        </p:nvSpPr>
         <p:spPr>
           <a:xfrm>
             <a:off x="2424000" y="3142801"/>
@@ -6585,13 +6589,13 @@
   <p:clrMapOvr>
     <a:masterClrMapping/>
   </p:clrMapOvr>
-  <mc:AlternateContent xmlns:mc="http://schemas.openxmlformats.org/markup-compatibility/2006">
-    <mc:Choice xmlns:p14="http://schemas.microsoft.com/office/powerpoint/2010/main" Requires="p14">
+  <mc:AlternateContent xmlns:mc="http://schemas.openxmlformats.org/markup-compatibility/2006" xmlns:p14="http://schemas.microsoft.com/office/powerpoint/2010/main">
+    <mc:Choice Requires="p14">
       <p:transition spd="med" p14:dur="700">
         <p:fade/>
       </p:transition>
     </mc:Choice>
-    <mc:Fallback>
+    <mc:Fallback xmlns="">
       <p:transition spd="med">
         <p:fade/>
       </p:transition>
@@ -6756,13 +6760,13 @@
   <p:clrMapOvr>
     <a:masterClrMapping/>
   </p:clrMapOvr>
-  <mc:AlternateContent xmlns:mc="http://schemas.openxmlformats.org/markup-compatibility/2006">
-    <mc:Choice xmlns:p14="http://schemas.microsoft.com/office/powerpoint/2010/main" Requires="p14">
+  <mc:AlternateContent xmlns:mc="http://schemas.openxmlformats.org/markup-compatibility/2006" xmlns:p14="http://schemas.microsoft.com/office/powerpoint/2010/main">
+    <mc:Choice Requires="p14">
       <p:transition spd="med" p14:dur="700">
         <p:fade/>
       </p:transition>
     </mc:Choice>
-    <mc:Fallback>
+    <mc:Fallback xmlns="">
       <p:transition spd="med">
         <p:fade/>
       </p:transition>
@@ -6887,13 +6891,13 @@
   <p:clrMapOvr>
     <a:masterClrMapping/>
   </p:clrMapOvr>
-  <mc:AlternateContent xmlns:mc="http://schemas.openxmlformats.org/markup-compatibility/2006">
-    <mc:Choice xmlns:p14="http://schemas.microsoft.com/office/powerpoint/2010/main" Requires="p14">
+  <mc:AlternateContent xmlns:mc="http://schemas.openxmlformats.org/markup-compatibility/2006" xmlns:p14="http://schemas.microsoft.com/office/powerpoint/2010/main">
+    <mc:Choice Requires="p14">
       <p:transition spd="med" p14:dur="700">
         <p:fade/>
       </p:transition>
     </mc:Choice>
-    <mc:Fallback>
+    <mc:Fallback xmlns="">
       <p:transition spd="med">
         <p:fade/>
       </p:transition>
@@ -6985,11 +6989,7 @@
           <a:p>
             <a:r>
               <a:rPr lang="de-DE" dirty="0" smtClean="0"/>
-              <a:t>Apache Web </a:t>
-            </a:r>
-            <a:r>
-              <a:rPr lang="de-DE" dirty="0" smtClean="0"/>
-              <a:t>Server mit PHP Extension</a:t>
+              <a:t>Apache Web Server mit PHP Extension</a:t>
             </a:r>
           </a:p>
           <a:p>
@@ -7019,13 +7019,13 @@
   <p:clrMapOvr>
     <a:masterClrMapping/>
   </p:clrMapOvr>
-  <mc:AlternateContent xmlns:mc="http://schemas.openxmlformats.org/markup-compatibility/2006">
-    <mc:Choice xmlns:p14="http://schemas.microsoft.com/office/powerpoint/2010/main" Requires="p14">
+  <mc:AlternateContent xmlns:mc="http://schemas.openxmlformats.org/markup-compatibility/2006" xmlns:p14="http://schemas.microsoft.com/office/powerpoint/2010/main">
+    <mc:Choice Requires="p14">
       <p:transition spd="med" p14:dur="700">
         <p:fade/>
       </p:transition>
     </mc:Choice>
-    <mc:Fallback>
+    <mc:Fallback xmlns="">
       <p:transition spd="med">
         <p:fade/>
       </p:transition>
@@ -7206,13 +7206,13 @@
   <p:clrMapOvr>
     <a:masterClrMapping/>
   </p:clrMapOvr>
-  <mc:AlternateContent xmlns:mc="http://schemas.openxmlformats.org/markup-compatibility/2006">
-    <mc:Choice xmlns:p14="http://schemas.microsoft.com/office/powerpoint/2010/main" Requires="p14">
+  <mc:AlternateContent xmlns:mc="http://schemas.openxmlformats.org/markup-compatibility/2006" xmlns:p14="http://schemas.microsoft.com/office/powerpoint/2010/main">
+    <mc:Choice Requires="p14">
       <p:transition spd="med" p14:dur="700">
         <p:fade/>
       </p:transition>
     </mc:Choice>
-    <mc:Fallback>
+    <mc:Fallback xmlns="">
       <p:transition spd="med">
         <p:fade/>
       </p:transition>
@@ -7308,13 +7308,13 @@
   <p:clrMapOvr>
     <a:masterClrMapping/>
   </p:clrMapOvr>
-  <mc:AlternateContent xmlns:mc="http://schemas.openxmlformats.org/markup-compatibility/2006">
-    <mc:Choice xmlns:p14="http://schemas.microsoft.com/office/powerpoint/2010/main" Requires="p14">
+  <mc:AlternateContent xmlns:mc="http://schemas.openxmlformats.org/markup-compatibility/2006" xmlns:p14="http://schemas.microsoft.com/office/powerpoint/2010/main">
+    <mc:Choice Requires="p14">
       <p:transition spd="med" p14:dur="700">
         <p:fade/>
       </p:transition>
     </mc:Choice>
-    <mc:Fallback>
+    <mc:Fallback xmlns="">
       <p:transition spd="med">
         <p:fade/>
       </p:transition>
@@ -7389,13 +7389,13 @@
   <p:clrMapOvr>
     <a:masterClrMapping/>
   </p:clrMapOvr>
-  <mc:AlternateContent xmlns:mc="http://schemas.openxmlformats.org/markup-compatibility/2006">
-    <mc:Choice xmlns:p14="http://schemas.microsoft.com/office/powerpoint/2010/main" Requires="p14">
+  <mc:AlternateContent xmlns:mc="http://schemas.openxmlformats.org/markup-compatibility/2006" xmlns:p14="http://schemas.microsoft.com/office/powerpoint/2010/main">
+    <mc:Choice Requires="p14">
       <p:transition spd="med" p14:dur="700">
         <p:fade/>
       </p:transition>
     </mc:Choice>
-    <mc:Fallback>
+    <mc:Fallback xmlns="">
       <p:transition spd="med">
         <p:fade/>
       </p:transition>
@@ -7453,20 +7453,287 @@
       </p:sp>
       <p:sp>
         <p:nvSpPr>
-          <p:cNvPr id="3" name="Inhaltsplatzhalter 2"/>
-          <p:cNvSpPr>
-            <a:spLocks noGrp="1"/>
-          </p:cNvSpPr>
-          <p:nvPr>
-            <p:ph idx="1"/>
-          </p:nvPr>
-        </p:nvSpPr>
-        <p:spPr/>
-        <p:txBody>
-          <a:bodyPr/>
-          <a:lstStyle/>
-          <a:p>
-            <a:endParaRPr lang="de-AT"/>
+          <p:cNvPr id="4" name="Inhaltsplatzhalter 2"/>
+          <p:cNvSpPr txBox="1">
+            <a:spLocks/>
+          </p:cNvSpPr>
+          <p:nvPr/>
+        </p:nvSpPr>
+        <p:spPr>
+          <a:xfrm>
+            <a:off x="1487488" y="2420888"/>
+            <a:ext cx="7315200" cy="2963423"/>
+          </a:xfrm>
+          <a:prstGeom prst="rect">
+            <a:avLst/>
+          </a:prstGeom>
+        </p:spPr>
+        <p:txBody>
+          <a:bodyPr vert="horz" lIns="91440" tIns="45720" rIns="91440" bIns="45720" rtlCol="0">
+            <a:normAutofit lnSpcReduction="10000"/>
+          </a:bodyPr>
+          <a:lstStyle>
+            <a:lvl1pPr marL="342900" indent="-342900" algn="l" defTabSz="457200" rtl="0" eaLnBrk="1" latinLnBrk="0" hangingPunct="1">
+              <a:spcBef>
+                <a:spcPts val="1000"/>
+              </a:spcBef>
+              <a:spcAft>
+                <a:spcPts val="0"/>
+              </a:spcAft>
+              <a:buClr>
+                <a:schemeClr val="bg2">
+                  <a:lumMod val="40000"/>
+                  <a:lumOff val="60000"/>
+                </a:schemeClr>
+              </a:buClr>
+              <a:buSzPct val="80000"/>
+              <a:buFont typeface="Wingdings 3" charset="2"/>
+              <a:buChar char=""/>
+              <a:defRPr sz="2000" b="0" i="0" kern="1200">
+                <a:solidFill>
+                  <a:schemeClr val="tx1"/>
+                </a:solidFill>
+                <a:latin typeface="+mj-lt"/>
+                <a:ea typeface="+mj-ea"/>
+                <a:cs typeface="+mj-cs"/>
+              </a:defRPr>
+            </a:lvl1pPr>
+            <a:lvl2pPr marL="742950" indent="-285750" algn="l" defTabSz="457200" rtl="0" eaLnBrk="1" latinLnBrk="0" hangingPunct="1">
+              <a:spcBef>
+                <a:spcPts val="1000"/>
+              </a:spcBef>
+              <a:spcAft>
+                <a:spcPts val="0"/>
+              </a:spcAft>
+              <a:buClr>
+                <a:schemeClr val="bg2">
+                  <a:lumMod val="40000"/>
+                  <a:lumOff val="60000"/>
+                </a:schemeClr>
+              </a:buClr>
+              <a:buSzPct val="80000"/>
+              <a:buFont typeface="Wingdings 3" charset="2"/>
+              <a:buChar char=""/>
+              <a:defRPr sz="1800" b="0" i="0" kern="1200">
+                <a:solidFill>
+                  <a:schemeClr val="tx1"/>
+                </a:solidFill>
+                <a:latin typeface="+mj-lt"/>
+                <a:ea typeface="+mj-ea"/>
+                <a:cs typeface="+mj-cs"/>
+              </a:defRPr>
+            </a:lvl2pPr>
+            <a:lvl3pPr marL="1143000" indent="-228600" algn="l" defTabSz="457200" rtl="0" eaLnBrk="1" latinLnBrk="0" hangingPunct="1">
+              <a:spcBef>
+                <a:spcPts val="1000"/>
+              </a:spcBef>
+              <a:spcAft>
+                <a:spcPts val="0"/>
+              </a:spcAft>
+              <a:buClr>
+                <a:schemeClr val="bg2">
+                  <a:lumMod val="40000"/>
+                  <a:lumOff val="60000"/>
+                </a:schemeClr>
+              </a:buClr>
+              <a:buSzPct val="80000"/>
+              <a:buFont typeface="Wingdings 3" charset="2"/>
+              <a:buChar char=""/>
+              <a:defRPr sz="1600" b="0" i="0" kern="1200">
+                <a:solidFill>
+                  <a:schemeClr val="tx1"/>
+                </a:solidFill>
+                <a:latin typeface="+mj-lt"/>
+                <a:ea typeface="+mj-ea"/>
+                <a:cs typeface="+mj-cs"/>
+              </a:defRPr>
+            </a:lvl3pPr>
+            <a:lvl4pPr marL="1600200" indent="-228600" algn="l" defTabSz="457200" rtl="0" eaLnBrk="1" latinLnBrk="0" hangingPunct="1">
+              <a:spcBef>
+                <a:spcPts val="1000"/>
+              </a:spcBef>
+              <a:spcAft>
+                <a:spcPts val="0"/>
+              </a:spcAft>
+              <a:buClr>
+                <a:schemeClr val="bg2">
+                  <a:lumMod val="40000"/>
+                  <a:lumOff val="60000"/>
+                </a:schemeClr>
+              </a:buClr>
+              <a:buSzPct val="80000"/>
+              <a:buFont typeface="Wingdings 3" charset="2"/>
+              <a:buChar char=""/>
+              <a:defRPr sz="1400" b="0" i="0" kern="1200">
+                <a:solidFill>
+                  <a:schemeClr val="tx1"/>
+                </a:solidFill>
+                <a:latin typeface="+mj-lt"/>
+                <a:ea typeface="+mj-ea"/>
+                <a:cs typeface="+mj-cs"/>
+              </a:defRPr>
+            </a:lvl4pPr>
+            <a:lvl5pPr marL="2057400" indent="-228600" algn="l" defTabSz="457200" rtl="0" eaLnBrk="1" latinLnBrk="0" hangingPunct="1">
+              <a:spcBef>
+                <a:spcPts val="1000"/>
+              </a:spcBef>
+              <a:spcAft>
+                <a:spcPts val="0"/>
+              </a:spcAft>
+              <a:buClr>
+                <a:schemeClr val="bg2">
+                  <a:lumMod val="40000"/>
+                  <a:lumOff val="60000"/>
+                </a:schemeClr>
+              </a:buClr>
+              <a:buSzPct val="80000"/>
+              <a:buFont typeface="Wingdings 3" charset="2"/>
+              <a:buChar char=""/>
+              <a:defRPr sz="1400" b="0" i="0" kern="1200">
+                <a:solidFill>
+                  <a:schemeClr val="tx1"/>
+                </a:solidFill>
+                <a:latin typeface="+mj-lt"/>
+                <a:ea typeface="+mj-ea"/>
+                <a:cs typeface="+mj-cs"/>
+              </a:defRPr>
+            </a:lvl5pPr>
+            <a:lvl6pPr marL="2506000" indent="-228600" algn="l" defTabSz="457200" rtl="0" eaLnBrk="1" latinLnBrk="0" hangingPunct="1">
+              <a:spcBef>
+                <a:spcPts val="1000"/>
+              </a:spcBef>
+              <a:spcAft>
+                <a:spcPts val="0"/>
+              </a:spcAft>
+              <a:buClr>
+                <a:schemeClr val="bg2">
+                  <a:lumMod val="40000"/>
+                  <a:lumOff val="60000"/>
+                </a:schemeClr>
+              </a:buClr>
+              <a:buSzPct val="80000"/>
+              <a:buFont typeface="Wingdings 3" charset="2"/>
+              <a:buChar char=""/>
+              <a:defRPr sz="1400" b="0" i="0" kern="1200">
+                <a:solidFill>
+                  <a:schemeClr val="tx1"/>
+                </a:solidFill>
+                <a:latin typeface="+mj-lt"/>
+                <a:ea typeface="+mj-ea"/>
+                <a:cs typeface="+mj-cs"/>
+              </a:defRPr>
+            </a:lvl6pPr>
+            <a:lvl7pPr marL="2971800" indent="-228600" algn="l" defTabSz="457200" rtl="0" eaLnBrk="1" latinLnBrk="0" hangingPunct="1">
+              <a:spcBef>
+                <a:spcPts val="1000"/>
+              </a:spcBef>
+              <a:spcAft>
+                <a:spcPts val="0"/>
+              </a:spcAft>
+              <a:buClr>
+                <a:schemeClr val="bg2">
+                  <a:lumMod val="40000"/>
+                  <a:lumOff val="60000"/>
+                </a:schemeClr>
+              </a:buClr>
+              <a:buSzPct val="80000"/>
+              <a:buFont typeface="Wingdings 3" charset="2"/>
+              <a:buChar char=""/>
+              <a:defRPr sz="1400" b="0" i="0" kern="1200">
+                <a:solidFill>
+                  <a:schemeClr val="tx1"/>
+                </a:solidFill>
+                <a:latin typeface="+mj-lt"/>
+                <a:ea typeface="+mj-ea"/>
+                <a:cs typeface="+mj-cs"/>
+              </a:defRPr>
+            </a:lvl7pPr>
+            <a:lvl8pPr marL="3429000" indent="-228600" algn="l" defTabSz="457200" rtl="0" eaLnBrk="1" latinLnBrk="0" hangingPunct="1">
+              <a:spcBef>
+                <a:spcPts val="1000"/>
+              </a:spcBef>
+              <a:spcAft>
+                <a:spcPts val="0"/>
+              </a:spcAft>
+              <a:buClr>
+                <a:schemeClr val="bg2">
+                  <a:lumMod val="40000"/>
+                  <a:lumOff val="60000"/>
+                </a:schemeClr>
+              </a:buClr>
+              <a:buSzPct val="80000"/>
+              <a:buFont typeface="Wingdings 3" charset="2"/>
+              <a:buChar char=""/>
+              <a:defRPr sz="1400" b="0" i="0" kern="1200">
+                <a:solidFill>
+                  <a:schemeClr val="tx1"/>
+                </a:solidFill>
+                <a:latin typeface="+mj-lt"/>
+                <a:ea typeface="+mj-ea"/>
+                <a:cs typeface="+mj-cs"/>
+              </a:defRPr>
+            </a:lvl8pPr>
+            <a:lvl9pPr marL="3886200" indent="-228600" algn="l" defTabSz="457200" rtl="0" eaLnBrk="1" latinLnBrk="0" hangingPunct="1">
+              <a:spcBef>
+                <a:spcPts val="1000"/>
+              </a:spcBef>
+              <a:spcAft>
+                <a:spcPts val="0"/>
+              </a:spcAft>
+              <a:buClr>
+                <a:schemeClr val="bg2">
+                  <a:lumMod val="40000"/>
+                  <a:lumOff val="60000"/>
+                </a:schemeClr>
+              </a:buClr>
+              <a:buSzPct val="80000"/>
+              <a:buFont typeface="Wingdings 3" charset="2"/>
+              <a:buChar char=""/>
+              <a:defRPr sz="1400" b="0" i="0" kern="1200">
+                <a:solidFill>
+                  <a:schemeClr val="tx1"/>
+                </a:solidFill>
+                <a:latin typeface="+mj-lt"/>
+                <a:ea typeface="+mj-ea"/>
+                <a:cs typeface="+mj-cs"/>
+              </a:defRPr>
+            </a:lvl9pPr>
+          </a:lstStyle>
+          <a:p>
+            <a:r>
+              <a:rPr lang="de-DE" dirty="0" smtClean="0"/>
+              <a:t>Test-Webshop</a:t>
+            </a:r>
+          </a:p>
+          <a:p>
+            <a:endParaRPr lang="de-DE" dirty="0" smtClean="0"/>
+          </a:p>
+          <a:p>
+            <a:r>
+              <a:rPr lang="de-DE" dirty="0" smtClean="0"/>
+              <a:t>Linux</a:t>
+            </a:r>
+          </a:p>
+          <a:p>
+            <a:endParaRPr lang="de-DE" dirty="0" smtClean="0"/>
+          </a:p>
+          <a:p>
+            <a:r>
+              <a:rPr lang="de-DE" dirty="0" smtClean="0"/>
+              <a:t>Zeigt wichtige Schwachstellen auf</a:t>
+            </a:r>
+          </a:p>
+          <a:p>
+            <a:endParaRPr lang="de-DE" dirty="0" smtClean="0"/>
+          </a:p>
+          <a:p>
+            <a:r>
+              <a:rPr lang="de-DE" dirty="0" smtClean="0"/>
+              <a:t>Können live getestet werden</a:t>
+            </a:r>
+          </a:p>
+          <a:p>
+            <a:endParaRPr lang="de-AT" dirty="0"/>
           </a:p>
         </p:txBody>
       </p:sp>
@@ -7480,13 +7747,13 @@
   <p:clrMapOvr>
     <a:masterClrMapping/>
   </p:clrMapOvr>
-  <mc:AlternateContent xmlns:mc="http://schemas.openxmlformats.org/markup-compatibility/2006">
-    <mc:Choice xmlns:p14="http://schemas.microsoft.com/office/powerpoint/2010/main" Requires="p14">
+  <mc:AlternateContent xmlns:mc="http://schemas.openxmlformats.org/markup-compatibility/2006" xmlns:p14="http://schemas.microsoft.com/office/powerpoint/2010/main">
+    <mc:Choice Requires="p14">
       <p:transition spd="med" p14:dur="700">
         <p:fade/>
       </p:transition>
     </mc:Choice>
-    <mc:Fallback>
+    <mc:Fallback xmlns="">
       <p:transition spd="med">
         <p:fade/>
       </p:transition>
@@ -7548,7 +7815,7 @@
       </p:sp>
       <p:sp>
         <p:nvSpPr>
-          <p:cNvPr id="3" name="Inhaltsplatzhalter 2"/>
+          <p:cNvPr id="4" name="Inhaltsplatzhalter 2"/>
           <p:cNvSpPr>
             <a:spLocks noGrp="1"/>
           </p:cNvSpPr>
@@ -7556,12 +7823,56 @@
             <p:ph idx="1"/>
           </p:nvPr>
         </p:nvSpPr>
-        <p:spPr/>
+        <p:spPr>
+          <a:xfrm>
+            <a:off x="1103312" y="2052918"/>
+            <a:ext cx="8946541" cy="4195481"/>
+          </a:xfrm>
+        </p:spPr>
         <p:txBody>
           <a:bodyPr/>
           <a:lstStyle/>
           <a:p>
-            <a:endParaRPr lang="de-AT"/>
+            <a:endParaRPr lang="de-DE" dirty="0" smtClean="0"/>
+          </a:p>
+          <a:p>
+            <a:endParaRPr lang="de-DE" dirty="0"/>
+          </a:p>
+          <a:p>
+            <a:r>
+              <a:rPr lang="de-AT" dirty="0"/>
+              <a:t>2 User Levels</a:t>
+            </a:r>
+            <a:endParaRPr lang="de-DE" dirty="0"/>
+          </a:p>
+          <a:p>
+            <a:r>
+              <a:rPr lang="de-DE" dirty="0" smtClean="0"/>
+              <a:t>2 Modi</a:t>
+            </a:r>
+            <a:endParaRPr lang="de-DE" dirty="0"/>
+          </a:p>
+          <a:p>
+            <a:r>
+              <a:rPr lang="de-DE" dirty="0" smtClean="0"/>
+              <a:t>Alles in einem Packet</a:t>
+            </a:r>
+          </a:p>
+          <a:p>
+            <a:r>
+              <a:rPr lang="de-DE" dirty="0" smtClean="0"/>
+              <a:t>Apache</a:t>
+            </a:r>
+          </a:p>
+          <a:p>
+            <a:r>
+              <a:rPr lang="de-DE" dirty="0" smtClean="0"/>
+              <a:t>MySQL</a:t>
+            </a:r>
+            <a:endParaRPr lang="de-DE" dirty="0"/>
+          </a:p>
+          <a:p>
+            <a:endParaRPr lang="de-AT" dirty="0"/>
           </a:p>
         </p:txBody>
       </p:sp>
@@ -7575,13 +7886,13 @@
   <p:clrMapOvr>
     <a:masterClrMapping/>
   </p:clrMapOvr>
-  <mc:AlternateContent xmlns:mc="http://schemas.openxmlformats.org/markup-compatibility/2006">
-    <mc:Choice xmlns:p14="http://schemas.microsoft.com/office/powerpoint/2010/main" Requires="p14">
+  <mc:AlternateContent xmlns:mc="http://schemas.openxmlformats.org/markup-compatibility/2006" xmlns:p14="http://schemas.microsoft.com/office/powerpoint/2010/main">
+    <mc:Choice Requires="p14">
       <p:transition spd="med" p14:dur="700">
         <p:fade/>
       </p:transition>
     </mc:Choice>
-    <mc:Fallback>
+    <mc:Fallback xmlns="">
       <p:transition spd="med">
         <p:fade/>
       </p:transition>

--- a/second_semester/secure_webdevelopment/grill_lehner_murrent/Präsentation.pptx
+++ b/second_semester/secure_webdevelopment/grill_lehner_murrent/Präsentation.pptx
@@ -117,7 +117,7 @@
   </p:defaultTextStyle>
   <p:extLst>
     <p:ext uri="{EFAFB233-063F-42B5-8137-9DF3F51BA10A}">
-      <p15:sldGuideLst xmlns:p15="http://schemas.microsoft.com/office/powerpoint/2012/main">
+      <p15:sldGuideLst xmlns:p15="http://schemas.microsoft.com/office/powerpoint/2012/main" xmlns="">
         <p15:guide id="1" orient="horz" pos="2160" userDrawn="1">
           <p15:clr>
             <a:srgbClr val="A4A3A4"/>
@@ -321,7 +321,7 @@
             <a:fld id="{1BA50D42-C9CD-4801-B293-61D1F53EC57E}" type="datetimeFigureOut">
               <a:rPr lang="de-DE" smtClean="0"/>
               <a:pPr/>
-              <a:t>04.04.2014</a:t>
+              <a:t>04/04/14</a:t>
             </a:fld>
             <a:endParaRPr lang="de-DE" dirty="0"/>
           </a:p>
@@ -596,7 +596,7 @@
           <a:p>
             <a:fld id="{1BA50D42-C9CD-4801-B293-61D1F53EC57E}" type="datetimeFigureOut">
               <a:rPr lang="de-DE" smtClean="0"/>
-              <a:t>04.04.2014</a:t>
+              <a:t>04/04/14</a:t>
             </a:fld>
             <a:endParaRPr lang="de-DE"/>
           </a:p>
@@ -790,7 +790,7 @@
           <a:p>
             <a:fld id="{1BA50D42-C9CD-4801-B293-61D1F53EC57E}" type="datetimeFigureOut">
               <a:rPr lang="de-DE" smtClean="0"/>
-              <a:t>04.04.2014</a:t>
+              <a:t>04/04/14</a:t>
             </a:fld>
             <a:endParaRPr lang="de-DE"/>
           </a:p>
@@ -1063,7 +1063,7 @@
           <a:p>
             <a:fld id="{1BA50D42-C9CD-4801-B293-61D1F53EC57E}" type="datetimeFigureOut">
               <a:rPr lang="de-DE" smtClean="0"/>
-              <a:t>04.04.2014</a:t>
+              <a:t>04/04/14</a:t>
             </a:fld>
             <a:endParaRPr lang="de-DE"/>
           </a:p>
@@ -1404,7 +1404,7 @@
           <a:p>
             <a:fld id="{1BA50D42-C9CD-4801-B293-61D1F53EC57E}" type="datetimeFigureOut">
               <a:rPr lang="de-DE" smtClean="0"/>
-              <a:t>04.04.2014</a:t>
+              <a:t>04/04/14</a:t>
             </a:fld>
             <a:endParaRPr lang="de-DE"/>
           </a:p>
@@ -2027,7 +2027,7 @@
           <a:p>
             <a:fld id="{1BA50D42-C9CD-4801-B293-61D1F53EC57E}" type="datetimeFigureOut">
               <a:rPr lang="de-DE" smtClean="0"/>
-              <a:t>04.04.2014</a:t>
+              <a:t>04/04/14</a:t>
             </a:fld>
             <a:endParaRPr lang="de-DE"/>
           </a:p>
@@ -2887,7 +2887,7 @@
           <a:p>
             <a:fld id="{1BA50D42-C9CD-4801-B293-61D1F53EC57E}" type="datetimeFigureOut">
               <a:rPr lang="de-DE" smtClean="0"/>
-              <a:t>04.04.2014</a:t>
+              <a:t>04/04/14</a:t>
             </a:fld>
             <a:endParaRPr lang="de-DE"/>
           </a:p>
@@ -3057,7 +3057,7 @@
           <a:p>
             <a:fld id="{1BA50D42-C9CD-4801-B293-61D1F53EC57E}" type="datetimeFigureOut">
               <a:rPr lang="de-DE" smtClean="0"/>
-              <a:t>04.04.2014</a:t>
+              <a:t>04/04/14</a:t>
             </a:fld>
             <a:endParaRPr lang="de-DE"/>
           </a:p>
@@ -3237,7 +3237,7 @@
           <a:p>
             <a:fld id="{1BA50D42-C9CD-4801-B293-61D1F53EC57E}" type="datetimeFigureOut">
               <a:rPr lang="de-DE" smtClean="0"/>
-              <a:t>04.04.2014</a:t>
+              <a:t>04/04/14</a:t>
             </a:fld>
             <a:endParaRPr lang="de-DE"/>
           </a:p>
@@ -3407,7 +3407,7 @@
           <a:p>
             <a:fld id="{1BA50D42-C9CD-4801-B293-61D1F53EC57E}" type="datetimeFigureOut">
               <a:rPr lang="de-DE" smtClean="0"/>
-              <a:t>04.04.2014</a:t>
+              <a:t>04/04/14</a:t>
             </a:fld>
             <a:endParaRPr lang="de-DE"/>
           </a:p>
@@ -3654,7 +3654,7 @@
           <a:p>
             <a:fld id="{1BA50D42-C9CD-4801-B293-61D1F53EC57E}" type="datetimeFigureOut">
               <a:rPr lang="de-DE" smtClean="0"/>
-              <a:t>04.04.2014</a:t>
+              <a:t>04/04/14</a:t>
             </a:fld>
             <a:endParaRPr lang="de-DE"/>
           </a:p>
@@ -3946,7 +3946,7 @@
           <a:p>
             <a:fld id="{1BA50D42-C9CD-4801-B293-61D1F53EC57E}" type="datetimeFigureOut">
               <a:rPr lang="de-DE" smtClean="0"/>
-              <a:t>04.04.2014</a:t>
+              <a:t>04/04/14</a:t>
             </a:fld>
             <a:endParaRPr lang="de-DE"/>
           </a:p>
@@ -4390,7 +4390,7 @@
           <a:p>
             <a:fld id="{1BA50D42-C9CD-4801-B293-61D1F53EC57E}" type="datetimeFigureOut">
               <a:rPr lang="de-DE" smtClean="0"/>
-              <a:t>04.04.2014</a:t>
+              <a:t>04/04/14</a:t>
             </a:fld>
             <a:endParaRPr lang="de-DE"/>
           </a:p>
@@ -4508,7 +4508,7 @@
           <a:p>
             <a:fld id="{1BA50D42-C9CD-4801-B293-61D1F53EC57E}" type="datetimeFigureOut">
               <a:rPr lang="de-DE" smtClean="0"/>
-              <a:t>04.04.2014</a:t>
+              <a:t>04/04/14</a:t>
             </a:fld>
             <a:endParaRPr lang="de-DE"/>
           </a:p>
@@ -4603,7 +4603,7 @@
           <a:p>
             <a:fld id="{1BA50D42-C9CD-4801-B293-61D1F53EC57E}" type="datetimeFigureOut">
               <a:rPr lang="de-DE" smtClean="0"/>
-              <a:t>04.04.2014</a:t>
+              <a:t>04/04/14</a:t>
             </a:fld>
             <a:endParaRPr lang="de-DE"/>
           </a:p>
@@ -4882,7 +4882,7 @@
           <a:p>
             <a:fld id="{1BA50D42-C9CD-4801-B293-61D1F53EC57E}" type="datetimeFigureOut">
               <a:rPr lang="de-DE" smtClean="0"/>
-              <a:t>04.04.2014</a:t>
+              <a:t>04/04/14</a:t>
             </a:fld>
             <a:endParaRPr lang="de-DE"/>
           </a:p>
@@ -5157,7 +5157,7 @@
           <a:p>
             <a:fld id="{1BA50D42-C9CD-4801-B293-61D1F53EC57E}" type="datetimeFigureOut">
               <a:rPr lang="de-DE" smtClean="0"/>
-              <a:t>04.04.2014</a:t>
+              <a:t>04/04/14</a:t>
             </a:fld>
             <a:endParaRPr lang="de-DE"/>
           </a:p>
@@ -5586,7 +5586,7 @@
           <a:p>
             <a:fld id="{1BA50D42-C9CD-4801-B293-61D1F53EC57E}" type="datetimeFigureOut">
               <a:rPr lang="de-DE" smtClean="0"/>
-              <a:t>04.04.2014</a:t>
+              <a:t>04/04/14</a:t>
             </a:fld>
             <a:endParaRPr lang="de-DE"/>
           </a:p>
@@ -6206,7 +6206,7 @@
             <a:fld id="{1BA50D42-C9CD-4801-B293-61D1F53EC57E}" type="datetimeFigureOut">
               <a:rPr lang="de-DE" smtClean="0"/>
               <a:pPr/>
-              <a:t>04.04.2014</a:t>
+              <a:t>04/04/14</a:t>
             </a:fld>
             <a:endParaRPr lang="de-DE" dirty="0"/>
           </a:p>
@@ -6237,7 +6237,7 @@
   <p:timing>
     <p:tnLst>
       <p:par>
-        <p:cTn id="1" dur="indefinite" restart="never" nodeType="tmRoot"/>
+        <p:cTn xmlns:p14="http://schemas.microsoft.com/office/powerpoint/2010/main" id="1" dur="indefinite" restart="never" nodeType="tmRoot"/>
       </p:par>
     </p:tnLst>
   </p:timing>
@@ -6414,7 +6414,7 @@
   <p:timing>
     <p:tnLst>
       <p:par>
-        <p:cTn id="1" dur="indefinite" restart="never" nodeType="tmRoot"/>
+        <p:cTn xmlns:p14="http://schemas.microsoft.com/office/powerpoint/2010/main" id="1" dur="indefinite" restart="never" nodeType="tmRoot"/>
       </p:par>
     </p:tnLst>
   </p:timing>
@@ -6523,7 +6523,7 @@
   <p:timing>
     <p:tnLst>
       <p:par>
-        <p:cTn id="1" dur="indefinite" restart="never" nodeType="tmRoot"/>
+        <p:cTn xmlns:p14="http://schemas.microsoft.com/office/powerpoint/2010/main" id="1" dur="indefinite" restart="never" nodeType="tmRoot"/>
       </p:par>
     </p:tnLst>
   </p:timing>
@@ -6604,7 +6604,7 @@
   <p:timing>
     <p:tnLst>
       <p:par>
-        <p:cTn id="1" dur="indefinite" restart="never" nodeType="tmRoot"/>
+        <p:cTn xmlns:p14="http://schemas.microsoft.com/office/powerpoint/2010/main" id="1" dur="indefinite" restart="never" nodeType="tmRoot"/>
       </p:par>
     </p:tnLst>
   </p:timing>
@@ -6664,7 +6664,7 @@
         <p:spPr/>
         <p:txBody>
           <a:bodyPr>
-            <a:normAutofit lnSpcReduction="10000"/>
+            <a:normAutofit/>
           </a:bodyPr>
           <a:lstStyle/>
           <a:p>
@@ -6726,17 +6726,18 @@
           <a:p>
             <a:pPr lvl="1"/>
             <a:r>
-              <a:rPr lang="de-DE" dirty="0" smtClean="0"/>
-              <a:t>Aufgetretene Probleme</a:t>
+              <a:rPr lang="de-DE" smtClean="0"/>
+              <a:t>Aufgetretene </a:t>
+            </a:r>
+            <a:r>
+              <a:rPr lang="de-DE" smtClean="0"/>
+              <a:t>Probleme</a:t>
+            </a:r>
+            <a:r>
+              <a:rPr lang="de-DE" dirty="0"/>
+              <a:t/>
             </a:r>
             <a:endParaRPr lang="de-DE" dirty="0"/>
-          </a:p>
-          <a:p>
-            <a:pPr lvl="1"/>
-            <a:r>
-              <a:rPr lang="de-DE" dirty="0"/>
-              <a:t>Verwendung</a:t>
-            </a:r>
           </a:p>
           <a:p>
             <a:pPr lvl="1"/>
@@ -6775,7 +6776,7 @@
   <p:timing>
     <p:tnLst>
       <p:par>
-        <p:cTn id="1" dur="indefinite" restart="never" nodeType="tmRoot"/>
+        <p:cTn xmlns:p14="http://schemas.microsoft.com/office/powerpoint/2010/main" id="1" dur="indefinite" restart="never" nodeType="tmRoot"/>
       </p:par>
     </p:tnLst>
   </p:timing>
@@ -6906,7 +6907,7 @@
   <p:timing>
     <p:tnLst>
       <p:par>
-        <p:cTn id="1" dur="indefinite" restart="never" nodeType="tmRoot"/>
+        <p:cTn xmlns:p14="http://schemas.microsoft.com/office/powerpoint/2010/main" id="1" dur="indefinite" restart="never" nodeType="tmRoot"/>
       </p:par>
     </p:tnLst>
   </p:timing>
@@ -7034,7 +7035,7 @@
   <p:timing>
     <p:tnLst>
       <p:par>
-        <p:cTn id="1" dur="indefinite" restart="never" nodeType="tmRoot"/>
+        <p:cTn xmlns:p14="http://schemas.microsoft.com/office/powerpoint/2010/main" id="1" dur="indefinite" restart="never" nodeType="tmRoot"/>
       </p:par>
     </p:tnLst>
   </p:timing>
@@ -7221,7 +7222,7 @@
   <p:timing>
     <p:tnLst>
       <p:par>
-        <p:cTn id="1" dur="indefinite" restart="never" nodeType="tmRoot"/>
+        <p:cTn xmlns:p14="http://schemas.microsoft.com/office/powerpoint/2010/main" id="1" dur="indefinite" restart="never" nodeType="tmRoot"/>
       </p:par>
     </p:tnLst>
   </p:timing>
@@ -7323,7 +7324,7 @@
   <p:timing>
     <p:tnLst>
       <p:par>
-        <p:cTn id="1" dur="indefinite" restart="never" nodeType="tmRoot"/>
+        <p:cTn xmlns:p14="http://schemas.microsoft.com/office/powerpoint/2010/main" id="1" dur="indefinite" restart="never" nodeType="tmRoot"/>
       </p:par>
     </p:tnLst>
   </p:timing>
@@ -7404,7 +7405,7 @@
   <p:timing>
     <p:tnLst>
       <p:par>
-        <p:cTn id="1" dur="indefinite" restart="never" nodeType="tmRoot"/>
+        <p:cTn xmlns:p14="http://schemas.microsoft.com/office/powerpoint/2010/main" id="1" dur="indefinite" restart="never" nodeType="tmRoot"/>
       </p:par>
     </p:tnLst>
   </p:timing>
@@ -7762,7 +7763,7 @@
   <p:timing>
     <p:tnLst>
       <p:par>
-        <p:cTn id="1" dur="indefinite" restart="never" nodeType="tmRoot"/>
+        <p:cTn xmlns:p14="http://schemas.microsoft.com/office/powerpoint/2010/main" id="1" dur="indefinite" restart="never" nodeType="tmRoot"/>
       </p:par>
     </p:tnLst>
   </p:timing>
@@ -7901,7 +7902,7 @@
   <p:timing>
     <p:tnLst>
       <p:par>
-        <p:cTn id="1" dur="indefinite" restart="never" nodeType="tmRoot"/>
+        <p:cTn xmlns:p14="http://schemas.microsoft.com/office/powerpoint/2010/main" id="1" dur="indefinite" restart="never" nodeType="tmRoot"/>
       </p:par>
     </p:tnLst>
   </p:timing>
@@ -7951,7 +7952,7 @@
     </a:clrScheme>
     <a:fontScheme name="Ion">
       <a:majorFont>
-        <a:latin typeface="Century Gothic" panose="020B0502020202020204"/>
+        <a:latin typeface="Century Gothic"/>
         <a:ea typeface=""/>
         <a:cs typeface=""/>
         <a:font script="Jpan" typeface="メイリオ"/>
@@ -7986,7 +7987,7 @@
         <a:font script="Geor" typeface="Sylfaen"/>
       </a:majorFont>
       <a:minorFont>
-        <a:latin typeface="Century Gothic" panose="020B0502020202020204"/>
+        <a:latin typeface="Century Gothic"/>
         <a:ea typeface=""/>
         <a:cs typeface=""/>
         <a:font script="Jpan" typeface="メイリオ"/>
@@ -8168,7 +8169,7 @@
   <a:extraClrSchemeLst/>
   <a:extLst>
     <a:ext uri="{05A4C25C-085E-4340-85A3-A5531E510DB2}">
-      <thm15:themeFamily xmlns:thm15="http://schemas.microsoft.com/office/thememl/2012/main" name="Ion" id="{B8441ADB-2E43-4AF7-B97A-BD870242C6A8}" vid="{292E63A9-BB86-4E3D-B92A-7223C6510D2E}"/>
+      <thm15:themeFamily xmlns:thm15="http://schemas.microsoft.com/office/thememl/2012/main" xmlns="" name="Ion" id="{B8441ADB-2E43-4AF7-B97A-BD870242C6A8}" vid="{292E63A9-BB86-4E3D-B92A-7223C6510D2E}"/>
     </a:ext>
   </a:extLst>
 </a:theme>
